--- a/Entra-CIAM-and-VC/Entra-CIAM-and-VC.pptx
+++ b/Entra-CIAM-and-VC/Entra-CIAM-and-VC.pptx
@@ -5,18 +5,30 @@
     <p:sldMasterId id="2147483648" r:id="rId4"/>
   </p:sldMasterIdLst>
   <p:notesMasterIdLst>
-    <p:notesMasterId r:id="rId14"/>
+    <p:notesMasterId r:id="rId26"/>
   </p:notesMasterIdLst>
   <p:sldIdLst>
     <p:sldId id="256" r:id="rId5"/>
     <p:sldId id="264" r:id="rId6"/>
-    <p:sldId id="265" r:id="rId7"/>
-    <p:sldId id="261" r:id="rId8"/>
-    <p:sldId id="262" r:id="rId9"/>
-    <p:sldId id="263" r:id="rId10"/>
-    <p:sldId id="258" r:id="rId11"/>
-    <p:sldId id="260" r:id="rId12"/>
-    <p:sldId id="259" r:id="rId13"/>
+    <p:sldId id="266" r:id="rId7"/>
+    <p:sldId id="267" r:id="rId8"/>
+    <p:sldId id="278" r:id="rId9"/>
+    <p:sldId id="261" r:id="rId10"/>
+    <p:sldId id="271" r:id="rId11"/>
+    <p:sldId id="280" r:id="rId12"/>
+    <p:sldId id="263" r:id="rId13"/>
+    <p:sldId id="269" r:id="rId14"/>
+    <p:sldId id="277" r:id="rId15"/>
+    <p:sldId id="276" r:id="rId16"/>
+    <p:sldId id="279" r:id="rId17"/>
+    <p:sldId id="281" r:id="rId18"/>
+    <p:sldId id="260" r:id="rId19"/>
+    <p:sldId id="274" r:id="rId20"/>
+    <p:sldId id="258" r:id="rId21"/>
+    <p:sldId id="270" r:id="rId22"/>
+    <p:sldId id="272" r:id="rId23"/>
+    <p:sldId id="273" r:id="rId24"/>
+    <p:sldId id="259" r:id="rId25"/>
   </p:sldIdLst>
   <p:sldSz cx="12192000" cy="6858000"/>
   <p:notesSz cx="6858000" cy="9144000"/>
@@ -205,7 +217,7 @@
           <a:p>
             <a:fld id="{EDE0A0D5-8F98-4CC1-A28E-021F0B6B475C}" type="datetimeFigureOut">
               <a:rPr lang="en-US" smtClean="0"/>
-              <a:t>10/23/2023</a:t>
+              <a:t>9/16/2024</a:t>
             </a:fld>
             <a:endParaRPr lang="en-US" dirty="0"/>
           </a:p>
@@ -640,7 +652,7 @@
           <a:p>
             <a:fld id="{3A750590-9F9A-443B-9295-A3931D8194B1}" type="datetime1">
               <a:rPr lang="en-US" smtClean="0"/>
-              <a:t>10/23/2023</a:t>
+              <a:t>9/16/2024</a:t>
             </a:fld>
             <a:endParaRPr lang="en-US" dirty="0"/>
           </a:p>
@@ -812,10 +824,9 @@
           </a:lstStyle>
           <a:p>
             <a:r>
-              <a:rPr lang="en-US"/>
+              <a:rPr lang="en-US" dirty="0"/>
               <a:t>Click icon to add picture</a:t>
             </a:r>
-            <a:endParaRPr lang="en-US" dirty="0"/>
           </a:p>
         </p:txBody>
       </p:sp>
@@ -901,7 +912,7 @@
           <a:p>
             <a:fld id="{5F35805F-452B-497C-9BD6-2CDB6902F369}" type="datetime1">
               <a:rPr lang="en-US" smtClean="0"/>
-              <a:t>10/23/2023</a:t>
+              <a:t>9/16/2024</a:t>
             </a:fld>
             <a:endParaRPr lang="en-US" dirty="0"/>
           </a:p>
@@ -1126,7 +1137,7 @@
           <a:p>
             <a:fld id="{FD3F7C6B-C82D-4D42-9929-D6E7E11D9A64}" type="datetime1">
               <a:rPr lang="en-US" smtClean="0"/>
-              <a:t>10/23/2023</a:t>
+              <a:t>9/16/2024</a:t>
             </a:fld>
             <a:endParaRPr lang="en-US" dirty="0"/>
           </a:p>
@@ -1430,7 +1441,7 @@
           <a:p>
             <a:fld id="{10CF4779-62E8-4B21-A5D7-0AFB9DBD4358}" type="datetime1">
               <a:rPr lang="en-US" smtClean="0"/>
-              <a:t>10/23/2023</a:t>
+              <a:t>9/16/2024</a:t>
             </a:fld>
             <a:endParaRPr lang="en-US" dirty="0"/>
           </a:p>
@@ -1897,7 +1908,7 @@
           <a:p>
             <a:fld id="{5F9D3375-5CD0-4576-BF96-ADFF24726FF8}" type="datetime1">
               <a:rPr lang="en-US" smtClean="0"/>
-              <a:t>10/23/2023</a:t>
+              <a:t>9/16/2024</a:t>
             </a:fld>
             <a:endParaRPr lang="en-US" dirty="0"/>
           </a:p>
@@ -2438,7 +2449,7 @@
           <a:p>
             <a:fld id="{6FACD1F8-971E-4F8C-8737-750C12E93E08}" type="datetime1">
               <a:rPr lang="en-US" smtClean="0"/>
-              <a:t>10/23/2023</a:t>
+              <a:t>9/16/2024</a:t>
             </a:fld>
             <a:endParaRPr lang="en-US" dirty="0"/>
           </a:p>
@@ -2681,10 +2692,9 @@
           </a:lstStyle>
           <a:p>
             <a:r>
-              <a:rPr lang="en-US"/>
+              <a:rPr lang="en-US" dirty="0"/>
               <a:t>Click icon to add picture</a:t>
             </a:r>
-            <a:endParaRPr lang="en-US" dirty="0"/>
           </a:p>
         </p:txBody>
       </p:sp>
@@ -2898,10 +2908,9 @@
           </a:lstStyle>
           <a:p>
             <a:r>
-              <a:rPr lang="en-US"/>
+              <a:rPr lang="en-US" dirty="0"/>
               <a:t>Click icon to add picture</a:t>
             </a:r>
-            <a:endParaRPr lang="en-US" dirty="0"/>
           </a:p>
         </p:txBody>
       </p:sp>
@@ -3115,10 +3124,9 @@
           </a:lstStyle>
           <a:p>
             <a:r>
-              <a:rPr lang="en-US"/>
+              <a:rPr lang="en-US" dirty="0"/>
               <a:t>Click icon to add picture</a:t>
             </a:r>
-            <a:endParaRPr lang="en-US" dirty="0"/>
           </a:p>
         </p:txBody>
       </p:sp>
@@ -3206,7 +3214,7 @@
           <a:p>
             <a:fld id="{2C7D1621-FA30-4D98-85E5-1409E6BEECDC}" type="datetime1">
               <a:rPr lang="en-US" smtClean="0"/>
-              <a:t>10/23/2023</a:t>
+              <a:t>9/16/2024</a:t>
             </a:fld>
             <a:endParaRPr lang="en-US" dirty="0"/>
           </a:p>
@@ -3374,7 +3382,7 @@
           <a:p>
             <a:fld id="{1F96F347-1B2F-4097-AEB5-4A26FB45D67A}" type="datetime1">
               <a:rPr lang="en-US" smtClean="0"/>
-              <a:t>10/23/2023</a:t>
+              <a:t>9/16/2024</a:t>
             </a:fld>
             <a:endParaRPr lang="en-US" dirty="0"/>
           </a:p>
@@ -3590,7 +3598,7 @@
           <a:p>
             <a:fld id="{8CC1DEE0-34E5-4E0F-BEC1-4B8835F82CD1}" type="datetime1">
               <a:rPr lang="en-US" smtClean="0"/>
-              <a:t>10/23/2023</a:t>
+              <a:t>9/16/2024</a:t>
             </a:fld>
             <a:endParaRPr lang="en-US" dirty="0"/>
           </a:p>
@@ -3763,7 +3771,7 @@
           <a:p>
             <a:fld id="{3B75B4BE-627A-4EC1-99E1-6F1AA97AB802}" type="datetime1">
               <a:rPr lang="en-US" smtClean="0"/>
-              <a:t>10/23/2023</a:t>
+              <a:t>9/16/2024</a:t>
             </a:fld>
             <a:endParaRPr lang="en-US" dirty="0"/>
           </a:p>
@@ -4046,7 +4054,7 @@
           <a:p>
             <a:fld id="{78BFACF8-E63D-4673-A128-83547867BB7A}" type="datetime1">
               <a:rPr lang="en-US" smtClean="0"/>
-              <a:t>10/23/2023</a:t>
+              <a:t>9/16/2024</a:t>
             </a:fld>
             <a:endParaRPr lang="en-US" dirty="0"/>
           </a:p>
@@ -4280,7 +4288,7 @@
           <a:p>
             <a:fld id="{15BED6AC-4FBA-40BD-BE75-20DB64DA4BAD}" type="datetime1">
               <a:rPr lang="en-US" smtClean="0"/>
-              <a:t>10/23/2023</a:t>
+              <a:t>9/16/2024</a:t>
             </a:fld>
             <a:endParaRPr lang="en-US" dirty="0"/>
           </a:p>
@@ -4651,7 +4659,7 @@
           <a:p>
             <a:fld id="{3F933C87-D201-458A-93C0-8EDD9AC92D93}" type="datetime1">
               <a:rPr lang="en-US" smtClean="0"/>
-              <a:t>10/23/2023</a:t>
+              <a:t>9/16/2024</a:t>
             </a:fld>
             <a:endParaRPr lang="en-US" dirty="0"/>
           </a:p>
@@ -4763,7 +4771,7 @@
           <a:p>
             <a:fld id="{76CE6829-5A25-485A-91B1-5D6D58BB9F23}" type="datetime1">
               <a:rPr lang="en-US" smtClean="0"/>
-              <a:t>10/23/2023</a:t>
+              <a:t>9/16/2024</a:t>
             </a:fld>
             <a:endParaRPr lang="en-US" dirty="0"/>
           </a:p>
@@ -4853,7 +4861,7 @@
           <a:p>
             <a:fld id="{9912F5CD-23D0-4DD1-85B1-71F1825FB3EC}" type="datetime1">
               <a:rPr lang="en-US" smtClean="0"/>
-              <a:t>10/23/2023</a:t>
+              <a:t>9/16/2024</a:t>
             </a:fld>
             <a:endParaRPr lang="en-US" dirty="0"/>
           </a:p>
@@ -5095,7 +5103,7 @@
           <a:p>
             <a:fld id="{38BA5035-C284-496A-B076-BA73A8FA5D8B}" type="datetime1">
               <a:rPr lang="en-US" smtClean="0"/>
-              <a:t>10/23/2023</a:t>
+              <a:t>9/16/2024</a:t>
             </a:fld>
             <a:endParaRPr lang="en-US" dirty="0"/>
           </a:p>
@@ -5257,10 +5265,9 @@
           </a:lstStyle>
           <a:p>
             <a:r>
-              <a:rPr lang="en-US"/>
+              <a:rPr lang="en-US" dirty="0"/>
               <a:t>Click icon to add picture</a:t>
             </a:r>
-            <a:endParaRPr lang="en-US" dirty="0"/>
           </a:p>
         </p:txBody>
       </p:sp>
@@ -5346,7 +5353,7 @@
           <a:p>
             <a:fld id="{B40EB420-1875-490A-8C4B-7AAB939FBE08}" type="datetime1">
               <a:rPr lang="en-US" smtClean="0"/>
-              <a:t>10/23/2023</a:t>
+              <a:t>9/16/2024</a:t>
             </a:fld>
             <a:endParaRPr lang="en-US" dirty="0"/>
           </a:p>
@@ -5582,7 +5589,7 @@
           <a:p>
             <a:fld id="{D9359126-4846-4E88-BDD9-5585CC877E47}" type="datetime1">
               <a:rPr lang="en-US" smtClean="0"/>
-              <a:t>10/23/2023</a:t>
+              <a:t>9/16/2024</a:t>
             </a:fld>
             <a:endParaRPr lang="en-US" dirty="0"/>
           </a:p>
@@ -6040,8 +6047,8 @@
         </p:nvSpPr>
         <p:spPr>
           <a:xfrm>
-            <a:off x="4757738" y="763588"/>
-            <a:ext cx="7434262" cy="1433512"/>
+            <a:off x="489527" y="1779588"/>
+            <a:ext cx="11212945" cy="1433512"/>
           </a:xfrm>
         </p:spPr>
         <p:txBody>
@@ -6050,34 +6057,10 @@
           </a:bodyPr>
           <a:lstStyle/>
           <a:p>
-            <a:pPr algn="ctr"/>
-            <a:r>
-              <a:rPr lang="en-US" sz="4000" dirty="0" err="1">
-                <a:latin typeface="Arial" panose="020B0604020202020204" pitchFamily="34" charset="0"/>
-                <a:cs typeface="Arial" panose="020B0604020202020204" pitchFamily="34" charset="0"/>
-              </a:rPr>
-              <a:t>Entra</a:t>
-            </a:r>
-            <a:r>
-              <a:rPr lang="en-US" sz="4000" dirty="0">
-                <a:latin typeface="Arial" panose="020B0604020202020204" pitchFamily="34" charset="0"/>
-                <a:cs typeface="Arial" panose="020B0604020202020204" pitchFamily="34" charset="0"/>
-              </a:rPr>
-              <a:t> CIAM and </a:t>
-            </a:r>
-            <a:r>
-              <a:rPr lang="en-US" sz="4000" dirty="0" err="1">
-                <a:latin typeface="Arial" panose="020B0604020202020204" pitchFamily="34" charset="0"/>
-                <a:cs typeface="Arial" panose="020B0604020202020204" pitchFamily="34" charset="0"/>
-              </a:rPr>
-              <a:t>Entra</a:t>
-            </a:r>
-            <a:r>
-              <a:rPr lang="en-US" sz="4000" dirty="0">
-                <a:latin typeface="Arial" panose="020B0604020202020204" pitchFamily="34" charset="0"/>
-                <a:cs typeface="Arial" panose="020B0604020202020204" pitchFamily="34" charset="0"/>
-              </a:rPr>
-              <a:t> Verified ID</a:t>
+            <a:pPr algn="l"/>
+            <a:r>
+              <a:rPr lang="en-US" b="1" dirty="0"/>
+              <a:t>A Journey Across Entra External ID (CIAM) and Entra Verifiable Credentials</a:t>
             </a:r>
           </a:p>
         </p:txBody>
@@ -6100,8 +6083,8 @@
         </p:nvSpPr>
         <p:spPr>
           <a:xfrm>
-            <a:off x="3087441" y="2682166"/>
-            <a:ext cx="7453312" cy="3589338"/>
+            <a:off x="2662568" y="4206166"/>
+            <a:ext cx="7453312" cy="2093034"/>
           </a:xfrm>
         </p:spPr>
         <p:txBody>
@@ -6160,12 +6143,6 @@
               </a:rPr>
               <a:t>Blog: https://authory.com/RoryBraybrook</a:t>
             </a:r>
-          </a:p>
-          <a:p>
-            <a:pPr indent="-228600">
-              <a:buFont typeface="Arial" panose="020B0604020202020204" pitchFamily="34" charset="0"/>
-              <a:buChar char="•"/>
-            </a:pPr>
             <a:endParaRPr lang="en-US" sz="2000" dirty="0"/>
           </a:p>
         </p:txBody>
@@ -6179,6 +6156,1272 @@
   </p:cSld>
   <p:clrMapOvr>
     <a:overrideClrMapping bg1="lt1" tx1="dk1" bg2="lt2" tx2="dk2" accent1="accent1" accent2="accent2" accent3="accent3" accent4="accent4" accent5="accent5" accent6="accent6" hlink="hlink" folHlink="folHlink"/>
+  </p:clrMapOvr>
+</p:sld>
+</file>
+
+<file path=ppt/slides/slide10.xml><?xml version="1.0" encoding="utf-8"?>
+<p:sld xmlns:a="http://schemas.openxmlformats.org/drawingml/2006/main" xmlns:r="http://schemas.openxmlformats.org/officeDocument/2006/relationships" xmlns:p="http://schemas.openxmlformats.org/presentationml/2006/main">
+  <p:cSld>
+    <p:bg>
+      <p:bgPr>
+        <a:solidFill>
+          <a:schemeClr val="tx1"/>
+        </a:solidFill>
+        <a:effectLst/>
+      </p:bgPr>
+    </p:bg>
+    <p:spTree>
+      <p:nvGrpSpPr>
+        <p:cNvPr id="1" name=""/>
+        <p:cNvGrpSpPr/>
+        <p:nvPr/>
+      </p:nvGrpSpPr>
+      <p:grpSpPr>
+        <a:xfrm>
+          <a:off x="0" y="0"/>
+          <a:ext cx="0" cy="0"/>
+          <a:chOff x="0" y="0"/>
+          <a:chExt cx="0" cy="0"/>
+        </a:xfrm>
+      </p:grpSpPr>
+      <p:pic>
+        <p:nvPicPr>
+          <p:cNvPr id="5" name="Picture 4">
+            <a:extLst>
+              <a:ext uri="{FF2B5EF4-FFF2-40B4-BE49-F238E27FC236}">
+                <a16:creationId xmlns:a16="http://schemas.microsoft.com/office/drawing/2014/main" id="{26B1F25D-99CB-9537-1582-A7009C8DB08C}"/>
+              </a:ext>
+            </a:extLst>
+          </p:cNvPr>
+          <p:cNvPicPr>
+            <a:picLocks noChangeAspect="1"/>
+          </p:cNvPicPr>
+          <p:nvPr/>
+        </p:nvPicPr>
+        <p:blipFill>
+          <a:blip r:embed="rId2"/>
+          <a:stretch>
+            <a:fillRect/>
+          </a:stretch>
+        </p:blipFill>
+        <p:spPr>
+          <a:xfrm>
+            <a:off x="1929699" y="2037522"/>
+            <a:ext cx="8332601" cy="4746265"/>
+          </a:xfrm>
+          <a:prstGeom prst="rect">
+            <a:avLst/>
+          </a:prstGeom>
+        </p:spPr>
+      </p:pic>
+      <p:sp>
+        <p:nvSpPr>
+          <p:cNvPr id="7" name="TextBox 6">
+            <a:extLst>
+              <a:ext uri="{FF2B5EF4-FFF2-40B4-BE49-F238E27FC236}">
+                <a16:creationId xmlns:a16="http://schemas.microsoft.com/office/drawing/2014/main" id="{77B67BE7-3D6C-4ADC-227D-41269AC9C62D}"/>
+              </a:ext>
+            </a:extLst>
+          </p:cNvPr>
+          <p:cNvSpPr txBox="1"/>
+          <p:nvPr/>
+        </p:nvSpPr>
+        <p:spPr>
+          <a:xfrm>
+            <a:off x="5049078" y="636104"/>
+            <a:ext cx="4880113" cy="707886"/>
+          </a:xfrm>
+          <a:prstGeom prst="rect">
+            <a:avLst/>
+          </a:prstGeom>
+          <a:noFill/>
+        </p:spPr>
+        <p:txBody>
+          <a:bodyPr wrap="square" rtlCol="0">
+            <a:spAutoFit/>
+          </a:bodyPr>
+          <a:lstStyle/>
+          <a:p>
+            <a:r>
+              <a:rPr lang="en-US" sz="4000" dirty="0">
+                <a:solidFill>
+                  <a:schemeClr val="bg1"/>
+                </a:solidFill>
+                <a:latin typeface="Arial" panose="020B0604020202020204" pitchFamily="34" charset="0"/>
+                <a:cs typeface="Arial" panose="020B0604020202020204" pitchFamily="34" charset="0"/>
+              </a:rPr>
+              <a:t>VC sample scenario</a:t>
+            </a:r>
+            <a:endParaRPr lang="en-NZ" sz="4000" dirty="0">
+              <a:solidFill>
+                <a:schemeClr val="bg1"/>
+              </a:solidFill>
+              <a:latin typeface="Arial" panose="020B0604020202020204" pitchFamily="34" charset="0"/>
+              <a:cs typeface="Arial" panose="020B0604020202020204" pitchFamily="34" charset="0"/>
+            </a:endParaRPr>
+          </a:p>
+        </p:txBody>
+      </p:sp>
+    </p:spTree>
+    <p:extLst>
+      <p:ext uri="{BB962C8B-B14F-4D97-AF65-F5344CB8AC3E}">
+        <p14:creationId xmlns:p14="http://schemas.microsoft.com/office/powerpoint/2010/main" val="1140487516"/>
+      </p:ext>
+    </p:extLst>
+  </p:cSld>
+  <p:clrMapOvr>
+    <a:masterClrMapping/>
+  </p:clrMapOvr>
+</p:sld>
+</file>
+
+<file path=ppt/slides/slide11.xml><?xml version="1.0" encoding="utf-8"?>
+<p:sld xmlns:a="http://schemas.openxmlformats.org/drawingml/2006/main" xmlns:r="http://schemas.openxmlformats.org/officeDocument/2006/relationships" xmlns:p="http://schemas.openxmlformats.org/presentationml/2006/main">
+  <p:cSld>
+    <p:bg>
+      <p:bgPr>
+        <a:solidFill>
+          <a:schemeClr val="tx1"/>
+        </a:solidFill>
+        <a:effectLst/>
+      </p:bgPr>
+    </p:bg>
+    <p:spTree>
+      <p:nvGrpSpPr>
+        <p:cNvPr id="1" name=""/>
+        <p:cNvGrpSpPr/>
+        <p:nvPr/>
+      </p:nvGrpSpPr>
+      <p:grpSpPr>
+        <a:xfrm>
+          <a:off x="0" y="0"/>
+          <a:ext cx="0" cy="0"/>
+          <a:chOff x="0" y="0"/>
+          <a:chExt cx="0" cy="0"/>
+        </a:xfrm>
+      </p:grpSpPr>
+      <p:sp>
+        <p:nvSpPr>
+          <p:cNvPr id="7" name="TextBox 6">
+            <a:extLst>
+              <a:ext uri="{FF2B5EF4-FFF2-40B4-BE49-F238E27FC236}">
+                <a16:creationId xmlns:a16="http://schemas.microsoft.com/office/drawing/2014/main" id="{77B67BE7-3D6C-4ADC-227D-41269AC9C62D}"/>
+              </a:ext>
+            </a:extLst>
+          </p:cNvPr>
+          <p:cNvSpPr txBox="1"/>
+          <p:nvPr/>
+        </p:nvSpPr>
+        <p:spPr>
+          <a:xfrm>
+            <a:off x="5049078" y="636104"/>
+            <a:ext cx="4880113" cy="707886"/>
+          </a:xfrm>
+          <a:prstGeom prst="rect">
+            <a:avLst/>
+          </a:prstGeom>
+          <a:noFill/>
+        </p:spPr>
+        <p:txBody>
+          <a:bodyPr wrap="square" rtlCol="0">
+            <a:spAutoFit/>
+          </a:bodyPr>
+          <a:lstStyle/>
+          <a:p>
+            <a:r>
+              <a:rPr lang="en-US" sz="4000" dirty="0">
+                <a:solidFill>
+                  <a:schemeClr val="bg1"/>
+                </a:solidFill>
+                <a:latin typeface="Arial" panose="020B0604020202020204" pitchFamily="34" charset="0"/>
+                <a:cs typeface="Arial" panose="020B0604020202020204" pitchFamily="34" charset="0"/>
+              </a:rPr>
+              <a:t>VC flow</a:t>
+            </a:r>
+            <a:endParaRPr lang="en-NZ" sz="4000" dirty="0">
+              <a:solidFill>
+                <a:schemeClr val="bg1"/>
+              </a:solidFill>
+              <a:latin typeface="Arial" panose="020B0604020202020204" pitchFamily="34" charset="0"/>
+              <a:cs typeface="Arial" panose="020B0604020202020204" pitchFamily="34" charset="0"/>
+            </a:endParaRPr>
+          </a:p>
+        </p:txBody>
+      </p:sp>
+      <p:pic>
+        <p:nvPicPr>
+          <p:cNvPr id="3" name="Picture 2">
+            <a:extLst>
+              <a:ext uri="{FF2B5EF4-FFF2-40B4-BE49-F238E27FC236}">
+                <a16:creationId xmlns:a16="http://schemas.microsoft.com/office/drawing/2014/main" id="{47C723BB-4467-734B-C7BC-285EF415D8F5}"/>
+              </a:ext>
+            </a:extLst>
+          </p:cNvPr>
+          <p:cNvPicPr>
+            <a:picLocks noChangeAspect="1"/>
+          </p:cNvPicPr>
+          <p:nvPr/>
+        </p:nvPicPr>
+        <p:blipFill>
+          <a:blip r:embed="rId2"/>
+          <a:stretch>
+            <a:fillRect/>
+          </a:stretch>
+        </p:blipFill>
+        <p:spPr>
+          <a:xfrm>
+            <a:off x="1607431" y="1525689"/>
+            <a:ext cx="8977138" cy="4968671"/>
+          </a:xfrm>
+          <a:prstGeom prst="rect">
+            <a:avLst/>
+          </a:prstGeom>
+        </p:spPr>
+      </p:pic>
+    </p:spTree>
+    <p:extLst>
+      <p:ext uri="{BB962C8B-B14F-4D97-AF65-F5344CB8AC3E}">
+        <p14:creationId xmlns:p14="http://schemas.microsoft.com/office/powerpoint/2010/main" val="815601150"/>
+      </p:ext>
+    </p:extLst>
+  </p:cSld>
+  <p:clrMapOvr>
+    <a:masterClrMapping/>
+  </p:clrMapOvr>
+</p:sld>
+</file>
+
+<file path=ppt/slides/slide12.xml><?xml version="1.0" encoding="utf-8"?>
+<p:sld xmlns:a="http://schemas.openxmlformats.org/drawingml/2006/main" xmlns:r="http://schemas.openxmlformats.org/officeDocument/2006/relationships" xmlns:p="http://schemas.openxmlformats.org/presentationml/2006/main">
+  <p:cSld>
+    <p:bg>
+      <p:bgPr>
+        <a:solidFill>
+          <a:schemeClr val="tx1"/>
+        </a:solidFill>
+        <a:effectLst/>
+      </p:bgPr>
+    </p:bg>
+    <p:spTree>
+      <p:nvGrpSpPr>
+        <p:cNvPr id="1" name=""/>
+        <p:cNvGrpSpPr/>
+        <p:nvPr/>
+      </p:nvGrpSpPr>
+      <p:grpSpPr>
+        <a:xfrm>
+          <a:off x="0" y="0"/>
+          <a:ext cx="0" cy="0"/>
+          <a:chOff x="0" y="0"/>
+          <a:chExt cx="0" cy="0"/>
+        </a:xfrm>
+      </p:grpSpPr>
+      <p:sp>
+        <p:nvSpPr>
+          <p:cNvPr id="7" name="TextBox 6">
+            <a:extLst>
+              <a:ext uri="{FF2B5EF4-FFF2-40B4-BE49-F238E27FC236}">
+                <a16:creationId xmlns:a16="http://schemas.microsoft.com/office/drawing/2014/main" id="{77B67BE7-3D6C-4ADC-227D-41269AC9C62D}"/>
+              </a:ext>
+            </a:extLst>
+          </p:cNvPr>
+          <p:cNvSpPr txBox="1"/>
+          <p:nvPr/>
+        </p:nvSpPr>
+        <p:spPr>
+          <a:xfrm>
+            <a:off x="5049078" y="636104"/>
+            <a:ext cx="4880113" cy="707886"/>
+          </a:xfrm>
+          <a:prstGeom prst="rect">
+            <a:avLst/>
+          </a:prstGeom>
+          <a:noFill/>
+        </p:spPr>
+        <p:txBody>
+          <a:bodyPr wrap="square" rtlCol="0">
+            <a:spAutoFit/>
+          </a:bodyPr>
+          <a:lstStyle/>
+          <a:p>
+            <a:r>
+              <a:rPr lang="en-US" sz="4000" dirty="0">
+                <a:solidFill>
+                  <a:schemeClr val="bg1"/>
+                </a:solidFill>
+                <a:latin typeface="Arial" panose="020B0604020202020204" pitchFamily="34" charset="0"/>
+                <a:cs typeface="Arial" panose="020B0604020202020204" pitchFamily="34" charset="0"/>
+              </a:rPr>
+              <a:t>VC use cases</a:t>
+            </a:r>
+            <a:endParaRPr lang="en-NZ" sz="4000" dirty="0">
+              <a:solidFill>
+                <a:schemeClr val="bg1"/>
+              </a:solidFill>
+              <a:latin typeface="Arial" panose="020B0604020202020204" pitchFamily="34" charset="0"/>
+              <a:cs typeface="Arial" panose="020B0604020202020204" pitchFamily="34" charset="0"/>
+            </a:endParaRPr>
+          </a:p>
+        </p:txBody>
+      </p:sp>
+      <p:pic>
+        <p:nvPicPr>
+          <p:cNvPr id="3" name="Picture 2">
+            <a:extLst>
+              <a:ext uri="{FF2B5EF4-FFF2-40B4-BE49-F238E27FC236}">
+                <a16:creationId xmlns:a16="http://schemas.microsoft.com/office/drawing/2014/main" id="{F8D4AD20-75D8-5EC6-B192-3FA52A2026B6}"/>
+              </a:ext>
+            </a:extLst>
+          </p:cNvPr>
+          <p:cNvPicPr>
+            <a:picLocks noChangeAspect="1"/>
+          </p:cNvPicPr>
+          <p:nvPr/>
+        </p:nvPicPr>
+        <p:blipFill>
+          <a:blip r:embed="rId2"/>
+          <a:stretch>
+            <a:fillRect/>
+          </a:stretch>
+        </p:blipFill>
+        <p:spPr>
+          <a:xfrm>
+            <a:off x="1706563" y="1450204"/>
+            <a:ext cx="8778873" cy="5326426"/>
+          </a:xfrm>
+          <a:prstGeom prst="rect">
+            <a:avLst/>
+          </a:prstGeom>
+        </p:spPr>
+      </p:pic>
+    </p:spTree>
+    <p:extLst>
+      <p:ext uri="{BB962C8B-B14F-4D97-AF65-F5344CB8AC3E}">
+        <p14:creationId xmlns:p14="http://schemas.microsoft.com/office/powerpoint/2010/main" val="3026029652"/>
+      </p:ext>
+    </p:extLst>
+  </p:cSld>
+  <p:clrMapOvr>
+    <a:masterClrMapping/>
+  </p:clrMapOvr>
+</p:sld>
+</file>
+
+<file path=ppt/slides/slide13.xml><?xml version="1.0" encoding="utf-8"?>
+<p:sld xmlns:a="http://schemas.openxmlformats.org/drawingml/2006/main" xmlns:r="http://schemas.openxmlformats.org/officeDocument/2006/relationships" xmlns:p="http://schemas.openxmlformats.org/presentationml/2006/main">
+  <p:cSld>
+    <p:bg>
+      <p:bgPr>
+        <a:solidFill>
+          <a:schemeClr val="tx1"/>
+        </a:solidFill>
+        <a:effectLst/>
+      </p:bgPr>
+    </p:bg>
+    <p:spTree>
+      <p:nvGrpSpPr>
+        <p:cNvPr id="1" name=""/>
+        <p:cNvGrpSpPr/>
+        <p:nvPr/>
+      </p:nvGrpSpPr>
+      <p:grpSpPr>
+        <a:xfrm>
+          <a:off x="0" y="0"/>
+          <a:ext cx="0" cy="0"/>
+          <a:chOff x="0" y="0"/>
+          <a:chExt cx="0" cy="0"/>
+        </a:xfrm>
+      </p:grpSpPr>
+      <p:sp>
+        <p:nvSpPr>
+          <p:cNvPr id="7" name="TextBox 6">
+            <a:extLst>
+              <a:ext uri="{FF2B5EF4-FFF2-40B4-BE49-F238E27FC236}">
+                <a16:creationId xmlns:a16="http://schemas.microsoft.com/office/drawing/2014/main" id="{77B67BE7-3D6C-4ADC-227D-41269AC9C62D}"/>
+              </a:ext>
+            </a:extLst>
+          </p:cNvPr>
+          <p:cNvSpPr txBox="1"/>
+          <p:nvPr/>
+        </p:nvSpPr>
+        <p:spPr>
+          <a:xfrm>
+            <a:off x="5049078" y="636104"/>
+            <a:ext cx="4880113" cy="707886"/>
+          </a:xfrm>
+          <a:prstGeom prst="rect">
+            <a:avLst/>
+          </a:prstGeom>
+          <a:noFill/>
+        </p:spPr>
+        <p:txBody>
+          <a:bodyPr wrap="square" rtlCol="0">
+            <a:spAutoFit/>
+          </a:bodyPr>
+          <a:lstStyle/>
+          <a:p>
+            <a:r>
+              <a:rPr lang="en-US" sz="4000" dirty="0">
+                <a:solidFill>
+                  <a:schemeClr val="bg1"/>
+                </a:solidFill>
+                <a:latin typeface="Arial" panose="020B0604020202020204" pitchFamily="34" charset="0"/>
+                <a:cs typeface="Arial" panose="020B0604020202020204" pitchFamily="34" charset="0"/>
+              </a:rPr>
+              <a:t>VC Portal</a:t>
+            </a:r>
+            <a:endParaRPr lang="en-NZ" sz="4000" dirty="0">
+              <a:solidFill>
+                <a:schemeClr val="bg1"/>
+              </a:solidFill>
+              <a:latin typeface="Arial" panose="020B0604020202020204" pitchFamily="34" charset="0"/>
+              <a:cs typeface="Arial" panose="020B0604020202020204" pitchFamily="34" charset="0"/>
+            </a:endParaRPr>
+          </a:p>
+        </p:txBody>
+      </p:sp>
+      <p:sp>
+        <p:nvSpPr>
+          <p:cNvPr id="5" name="TextBox 4">
+            <a:extLst>
+              <a:ext uri="{FF2B5EF4-FFF2-40B4-BE49-F238E27FC236}">
+                <a16:creationId xmlns:a16="http://schemas.microsoft.com/office/drawing/2014/main" id="{7C0360A3-F907-4780-29D9-3AF4B45ACDE7}"/>
+              </a:ext>
+            </a:extLst>
+          </p:cNvPr>
+          <p:cNvSpPr txBox="1"/>
+          <p:nvPr/>
+        </p:nvSpPr>
+        <p:spPr>
+          <a:xfrm>
+            <a:off x="5229369" y="2911886"/>
+            <a:ext cx="3868449" cy="1015663"/>
+          </a:xfrm>
+          <a:prstGeom prst="rect">
+            <a:avLst/>
+          </a:prstGeom>
+          <a:noFill/>
+        </p:spPr>
+        <p:txBody>
+          <a:bodyPr wrap="square" rtlCol="0">
+            <a:spAutoFit/>
+          </a:bodyPr>
+          <a:lstStyle/>
+          <a:p>
+            <a:r>
+              <a:rPr lang="en-US" sz="6000" dirty="0">
+                <a:solidFill>
+                  <a:schemeClr val="bg1"/>
+                </a:solidFill>
+                <a:latin typeface="Arial" panose="020B0604020202020204" pitchFamily="34" charset="0"/>
+                <a:cs typeface="Arial" panose="020B0604020202020204" pitchFamily="34" charset="0"/>
+              </a:rPr>
+              <a:t>Demo</a:t>
+            </a:r>
+            <a:endParaRPr lang="en-NZ" sz="6000" dirty="0">
+              <a:solidFill>
+                <a:schemeClr val="bg1"/>
+              </a:solidFill>
+              <a:latin typeface="Arial" panose="020B0604020202020204" pitchFamily="34" charset="0"/>
+              <a:cs typeface="Arial" panose="020B0604020202020204" pitchFamily="34" charset="0"/>
+            </a:endParaRPr>
+          </a:p>
+        </p:txBody>
+      </p:sp>
+    </p:spTree>
+    <p:extLst>
+      <p:ext uri="{BB962C8B-B14F-4D97-AF65-F5344CB8AC3E}">
+        <p14:creationId xmlns:p14="http://schemas.microsoft.com/office/powerpoint/2010/main" val="2727101339"/>
+      </p:ext>
+    </p:extLst>
+  </p:cSld>
+  <p:clrMapOvr>
+    <a:masterClrMapping/>
+  </p:clrMapOvr>
+</p:sld>
+</file>
+
+<file path=ppt/slides/slide14.xml><?xml version="1.0" encoding="utf-8"?>
+<p:sld xmlns:a="http://schemas.openxmlformats.org/drawingml/2006/main" xmlns:r="http://schemas.openxmlformats.org/officeDocument/2006/relationships" xmlns:p="http://schemas.openxmlformats.org/presentationml/2006/main">
+  <p:cSld>
+    <p:bg>
+      <p:bgPr>
+        <a:solidFill>
+          <a:schemeClr val="tx1"/>
+        </a:solidFill>
+        <a:effectLst/>
+      </p:bgPr>
+    </p:bg>
+    <p:spTree>
+      <p:nvGrpSpPr>
+        <p:cNvPr id="1" name=""/>
+        <p:cNvGrpSpPr/>
+        <p:nvPr/>
+      </p:nvGrpSpPr>
+      <p:grpSpPr>
+        <a:xfrm>
+          <a:off x="0" y="0"/>
+          <a:ext cx="0" cy="0"/>
+          <a:chOff x="0" y="0"/>
+          <a:chExt cx="0" cy="0"/>
+        </a:xfrm>
+      </p:grpSpPr>
+      <p:sp>
+        <p:nvSpPr>
+          <p:cNvPr id="7" name="TextBox 6">
+            <a:extLst>
+              <a:ext uri="{FF2B5EF4-FFF2-40B4-BE49-F238E27FC236}">
+                <a16:creationId xmlns:a16="http://schemas.microsoft.com/office/drawing/2014/main" id="{77B67BE7-3D6C-4ADC-227D-41269AC9C62D}"/>
+              </a:ext>
+            </a:extLst>
+          </p:cNvPr>
+          <p:cNvSpPr txBox="1"/>
+          <p:nvPr/>
+        </p:nvSpPr>
+        <p:spPr>
+          <a:xfrm>
+            <a:off x="4562764" y="636104"/>
+            <a:ext cx="5366427" cy="707886"/>
+          </a:xfrm>
+          <a:prstGeom prst="rect">
+            <a:avLst/>
+          </a:prstGeom>
+          <a:noFill/>
+        </p:spPr>
+        <p:txBody>
+          <a:bodyPr wrap="square" rtlCol="0">
+            <a:spAutoFit/>
+          </a:bodyPr>
+          <a:lstStyle/>
+          <a:p>
+            <a:r>
+              <a:rPr lang="en-US" sz="4000" dirty="0">
+                <a:solidFill>
+                  <a:schemeClr val="bg1"/>
+                </a:solidFill>
+                <a:latin typeface="Arial" panose="020B0604020202020204" pitchFamily="34" charset="0"/>
+                <a:cs typeface="Arial" panose="020B0604020202020204" pitchFamily="34" charset="0"/>
+              </a:rPr>
+              <a:t>VC Onboarding Flow</a:t>
+            </a:r>
+            <a:endParaRPr lang="en-NZ" sz="4000" dirty="0">
+              <a:solidFill>
+                <a:schemeClr val="bg1"/>
+              </a:solidFill>
+              <a:latin typeface="Arial" panose="020B0604020202020204" pitchFamily="34" charset="0"/>
+              <a:cs typeface="Arial" panose="020B0604020202020204" pitchFamily="34" charset="0"/>
+            </a:endParaRPr>
+          </a:p>
+        </p:txBody>
+      </p:sp>
+      <p:sp>
+        <p:nvSpPr>
+          <p:cNvPr id="5" name="TextBox 4">
+            <a:extLst>
+              <a:ext uri="{FF2B5EF4-FFF2-40B4-BE49-F238E27FC236}">
+                <a16:creationId xmlns:a16="http://schemas.microsoft.com/office/drawing/2014/main" id="{7C0360A3-F907-4780-29D9-3AF4B45ACDE7}"/>
+              </a:ext>
+            </a:extLst>
+          </p:cNvPr>
+          <p:cNvSpPr txBox="1"/>
+          <p:nvPr/>
+        </p:nvSpPr>
+        <p:spPr>
+          <a:xfrm>
+            <a:off x="5229369" y="2911886"/>
+            <a:ext cx="3868449" cy="1015663"/>
+          </a:xfrm>
+          <a:prstGeom prst="rect">
+            <a:avLst/>
+          </a:prstGeom>
+          <a:noFill/>
+        </p:spPr>
+        <p:txBody>
+          <a:bodyPr wrap="square" rtlCol="0">
+            <a:spAutoFit/>
+          </a:bodyPr>
+          <a:lstStyle/>
+          <a:p>
+            <a:r>
+              <a:rPr lang="en-US" sz="6000" dirty="0">
+                <a:solidFill>
+                  <a:schemeClr val="bg1"/>
+                </a:solidFill>
+                <a:latin typeface="Arial" panose="020B0604020202020204" pitchFamily="34" charset="0"/>
+                <a:cs typeface="Arial" panose="020B0604020202020204" pitchFamily="34" charset="0"/>
+              </a:rPr>
+              <a:t>Demo</a:t>
+            </a:r>
+            <a:endParaRPr lang="en-NZ" sz="6000" dirty="0">
+              <a:solidFill>
+                <a:schemeClr val="bg1"/>
+              </a:solidFill>
+              <a:latin typeface="Arial" panose="020B0604020202020204" pitchFamily="34" charset="0"/>
+              <a:cs typeface="Arial" panose="020B0604020202020204" pitchFamily="34" charset="0"/>
+            </a:endParaRPr>
+          </a:p>
+        </p:txBody>
+      </p:sp>
+    </p:spTree>
+    <p:extLst>
+      <p:ext uri="{BB962C8B-B14F-4D97-AF65-F5344CB8AC3E}">
+        <p14:creationId xmlns:p14="http://schemas.microsoft.com/office/powerpoint/2010/main" val="4272339432"/>
+      </p:ext>
+    </p:extLst>
+  </p:cSld>
+  <p:clrMapOvr>
+    <a:masterClrMapping/>
+  </p:clrMapOvr>
+</p:sld>
+</file>
+
+<file path=ppt/slides/slide15.xml><?xml version="1.0" encoding="utf-8"?>
+<p:sld xmlns:a="http://schemas.openxmlformats.org/drawingml/2006/main" xmlns:r="http://schemas.openxmlformats.org/officeDocument/2006/relationships" xmlns:p="http://schemas.openxmlformats.org/presentationml/2006/main">
+  <p:cSld>
+    <p:bg>
+      <p:bgPr>
+        <a:solidFill>
+          <a:schemeClr val="tx1"/>
+        </a:solidFill>
+        <a:effectLst/>
+      </p:bgPr>
+    </p:bg>
+    <p:spTree>
+      <p:nvGrpSpPr>
+        <p:cNvPr id="1" name=""/>
+        <p:cNvGrpSpPr/>
+        <p:nvPr/>
+      </p:nvGrpSpPr>
+      <p:grpSpPr>
+        <a:xfrm>
+          <a:off x="0" y="0"/>
+          <a:ext cx="0" cy="0"/>
+          <a:chOff x="0" y="0"/>
+          <a:chExt cx="0" cy="0"/>
+        </a:xfrm>
+      </p:grpSpPr>
+      <p:sp>
+        <p:nvSpPr>
+          <p:cNvPr id="7" name="TextBox 6">
+            <a:extLst>
+              <a:ext uri="{FF2B5EF4-FFF2-40B4-BE49-F238E27FC236}">
+                <a16:creationId xmlns:a16="http://schemas.microsoft.com/office/drawing/2014/main" id="{77B67BE7-3D6C-4ADC-227D-41269AC9C62D}"/>
+              </a:ext>
+            </a:extLst>
+          </p:cNvPr>
+          <p:cNvSpPr txBox="1"/>
+          <p:nvPr/>
+        </p:nvSpPr>
+        <p:spPr>
+          <a:xfrm>
+            <a:off x="5049078" y="636104"/>
+            <a:ext cx="4880113" cy="707886"/>
+          </a:xfrm>
+          <a:prstGeom prst="rect">
+            <a:avLst/>
+          </a:prstGeom>
+          <a:noFill/>
+        </p:spPr>
+        <p:txBody>
+          <a:bodyPr wrap="square" rtlCol="0">
+            <a:spAutoFit/>
+          </a:bodyPr>
+          <a:lstStyle/>
+          <a:p>
+            <a:pPr marL="0" marR="0" lvl="0" indent="0" algn="l" defTabSz="457200" rtl="0" eaLnBrk="1" fontAlgn="auto" latinLnBrk="0" hangingPunct="1">
+              <a:lnSpc>
+                <a:spcPct val="100000"/>
+              </a:lnSpc>
+              <a:spcBef>
+                <a:spcPts val="0"/>
+              </a:spcBef>
+              <a:spcAft>
+                <a:spcPts val="0"/>
+              </a:spcAft>
+              <a:buClrTx/>
+              <a:buSzTx/>
+              <a:buFontTx/>
+              <a:buNone/>
+              <a:tabLst/>
+              <a:defRPr/>
+            </a:pPr>
+            <a:r>
+              <a:rPr kumimoji="0" lang="en-US" sz="4000" b="0" i="0" u="none" strike="noStrike" kern="1200" cap="none" spc="0" normalizeH="0" baseline="0" noProof="0" dirty="0">
+                <a:ln>
+                  <a:noFill/>
+                </a:ln>
+                <a:solidFill>
+                  <a:prstClr val="black"/>
+                </a:solidFill>
+                <a:effectLst/>
+                <a:uLnTx/>
+                <a:uFillTx/>
+                <a:latin typeface="Arial" panose="020B0604020202020204" pitchFamily="34" charset="0"/>
+                <a:ea typeface="+mn-ea"/>
+                <a:cs typeface="Arial" panose="020B0604020202020204" pitchFamily="34" charset="0"/>
+              </a:rPr>
+              <a:t>VC REST API Flow</a:t>
+            </a:r>
+            <a:endParaRPr kumimoji="0" lang="en-NZ" sz="4000" b="0" i="0" u="none" strike="noStrike" kern="1200" cap="none" spc="0" normalizeH="0" baseline="0" noProof="0" dirty="0">
+              <a:ln>
+                <a:noFill/>
+              </a:ln>
+              <a:solidFill>
+                <a:prstClr val="black"/>
+              </a:solidFill>
+              <a:effectLst/>
+              <a:uLnTx/>
+              <a:uFillTx/>
+              <a:latin typeface="Arial" panose="020B0604020202020204" pitchFamily="34" charset="0"/>
+              <a:ea typeface="+mn-ea"/>
+              <a:cs typeface="Arial" panose="020B0604020202020204" pitchFamily="34" charset="0"/>
+            </a:endParaRPr>
+          </a:p>
+        </p:txBody>
+      </p:sp>
+      <p:pic>
+        <p:nvPicPr>
+          <p:cNvPr id="3" name="Picture 2">
+            <a:extLst>
+              <a:ext uri="{FF2B5EF4-FFF2-40B4-BE49-F238E27FC236}">
+                <a16:creationId xmlns:a16="http://schemas.microsoft.com/office/drawing/2014/main" id="{17034323-9D01-1319-4248-A4D9F6965633}"/>
+              </a:ext>
+            </a:extLst>
+          </p:cNvPr>
+          <p:cNvPicPr>
+            <a:picLocks noChangeAspect="1"/>
+          </p:cNvPicPr>
+          <p:nvPr/>
+        </p:nvPicPr>
+        <p:blipFill>
+          <a:blip r:embed="rId2"/>
+          <a:stretch>
+            <a:fillRect/>
+          </a:stretch>
+        </p:blipFill>
+        <p:spPr>
+          <a:xfrm>
+            <a:off x="1658178" y="1748786"/>
+            <a:ext cx="8875644" cy="4950188"/>
+          </a:xfrm>
+          <a:prstGeom prst="rect">
+            <a:avLst/>
+          </a:prstGeom>
+        </p:spPr>
+      </p:pic>
+    </p:spTree>
+    <p:extLst>
+      <p:ext uri="{BB962C8B-B14F-4D97-AF65-F5344CB8AC3E}">
+        <p14:creationId xmlns:p14="http://schemas.microsoft.com/office/powerpoint/2010/main" val="529287972"/>
+      </p:ext>
+    </p:extLst>
+  </p:cSld>
+  <p:clrMapOvr>
+    <a:masterClrMapping/>
+  </p:clrMapOvr>
+</p:sld>
+</file>
+
+<file path=ppt/slides/slide16.xml><?xml version="1.0" encoding="utf-8"?>
+<p:sld xmlns:a="http://schemas.openxmlformats.org/drawingml/2006/main" xmlns:r="http://schemas.openxmlformats.org/officeDocument/2006/relationships" xmlns:p="http://schemas.openxmlformats.org/presentationml/2006/main">
+  <p:cSld>
+    <p:bg>
+      <p:bgPr>
+        <a:solidFill>
+          <a:schemeClr val="tx1"/>
+        </a:solidFill>
+        <a:effectLst/>
+      </p:bgPr>
+    </p:bg>
+    <p:spTree>
+      <p:nvGrpSpPr>
+        <p:cNvPr id="1" name=""/>
+        <p:cNvGrpSpPr/>
+        <p:nvPr/>
+      </p:nvGrpSpPr>
+      <p:grpSpPr>
+        <a:xfrm>
+          <a:off x="0" y="0"/>
+          <a:ext cx="0" cy="0"/>
+          <a:chOff x="0" y="0"/>
+          <a:chExt cx="0" cy="0"/>
+        </a:xfrm>
+      </p:grpSpPr>
+      <p:sp>
+        <p:nvSpPr>
+          <p:cNvPr id="7" name="TextBox 6">
+            <a:extLst>
+              <a:ext uri="{FF2B5EF4-FFF2-40B4-BE49-F238E27FC236}">
+                <a16:creationId xmlns:a16="http://schemas.microsoft.com/office/drawing/2014/main" id="{77B67BE7-3D6C-4ADC-227D-41269AC9C62D}"/>
+              </a:ext>
+            </a:extLst>
+          </p:cNvPr>
+          <p:cNvSpPr txBox="1"/>
+          <p:nvPr/>
+        </p:nvSpPr>
+        <p:spPr>
+          <a:xfrm>
+            <a:off x="5049078" y="636104"/>
+            <a:ext cx="4880113" cy="707886"/>
+          </a:xfrm>
+          <a:prstGeom prst="rect">
+            <a:avLst/>
+          </a:prstGeom>
+          <a:noFill/>
+        </p:spPr>
+        <p:txBody>
+          <a:bodyPr wrap="square" rtlCol="0">
+            <a:spAutoFit/>
+          </a:bodyPr>
+          <a:lstStyle/>
+          <a:p>
+            <a:r>
+              <a:rPr lang="en-US" sz="4000" dirty="0">
+                <a:solidFill>
+                  <a:schemeClr val="bg1"/>
+                </a:solidFill>
+                <a:latin typeface="Arial" panose="020B0604020202020204" pitchFamily="34" charset="0"/>
+                <a:cs typeface="Arial" panose="020B0604020202020204" pitchFamily="34" charset="0"/>
+              </a:rPr>
+              <a:t>VC Postman</a:t>
+            </a:r>
+            <a:endParaRPr lang="en-NZ" sz="4000" dirty="0">
+              <a:solidFill>
+                <a:schemeClr val="bg1"/>
+              </a:solidFill>
+              <a:latin typeface="Arial" panose="020B0604020202020204" pitchFamily="34" charset="0"/>
+              <a:cs typeface="Arial" panose="020B0604020202020204" pitchFamily="34" charset="0"/>
+            </a:endParaRPr>
+          </a:p>
+        </p:txBody>
+      </p:sp>
+      <p:sp>
+        <p:nvSpPr>
+          <p:cNvPr id="5" name="TextBox 4">
+            <a:extLst>
+              <a:ext uri="{FF2B5EF4-FFF2-40B4-BE49-F238E27FC236}">
+                <a16:creationId xmlns:a16="http://schemas.microsoft.com/office/drawing/2014/main" id="{7C0360A3-F907-4780-29D9-3AF4B45ACDE7}"/>
+              </a:ext>
+            </a:extLst>
+          </p:cNvPr>
+          <p:cNvSpPr txBox="1"/>
+          <p:nvPr/>
+        </p:nvSpPr>
+        <p:spPr>
+          <a:xfrm>
+            <a:off x="3592945" y="2911886"/>
+            <a:ext cx="5504873" cy="2554545"/>
+          </a:xfrm>
+          <a:prstGeom prst="rect">
+            <a:avLst/>
+          </a:prstGeom>
+          <a:noFill/>
+        </p:spPr>
+        <p:txBody>
+          <a:bodyPr wrap="square" rtlCol="0">
+            <a:spAutoFit/>
+          </a:bodyPr>
+          <a:lstStyle/>
+          <a:p>
+            <a:r>
+              <a:rPr lang="en-US" sz="6000" dirty="0">
+                <a:solidFill>
+                  <a:schemeClr val="bg1"/>
+                </a:solidFill>
+                <a:latin typeface="Arial" panose="020B0604020202020204" pitchFamily="34" charset="0"/>
+                <a:cs typeface="Arial" panose="020B0604020202020204" pitchFamily="34" charset="0"/>
+              </a:rPr>
+              <a:t>Demo</a:t>
+            </a:r>
+          </a:p>
+          <a:p>
+            <a:endParaRPr lang="en-US" sz="6000" dirty="0">
+              <a:solidFill>
+                <a:schemeClr val="bg1"/>
+              </a:solidFill>
+              <a:latin typeface="Arial" panose="020B0604020202020204" pitchFamily="34" charset="0"/>
+              <a:cs typeface="Arial" panose="020B0604020202020204" pitchFamily="34" charset="0"/>
+            </a:endParaRPr>
+          </a:p>
+          <a:p>
+            <a:r>
+              <a:rPr lang="en-US" sz="4000" dirty="0">
+                <a:solidFill>
+                  <a:schemeClr val="bg1"/>
+                </a:solidFill>
+                <a:latin typeface="Arial" panose="020B0604020202020204" pitchFamily="34" charset="0"/>
+                <a:cs typeface="Arial" panose="020B0604020202020204" pitchFamily="34" charset="0"/>
+              </a:rPr>
+              <a:t>Issue / Present</a:t>
+            </a:r>
+            <a:endParaRPr lang="en-NZ" sz="4000" dirty="0">
+              <a:solidFill>
+                <a:schemeClr val="bg1"/>
+              </a:solidFill>
+              <a:latin typeface="Arial" panose="020B0604020202020204" pitchFamily="34" charset="0"/>
+              <a:cs typeface="Arial" panose="020B0604020202020204" pitchFamily="34" charset="0"/>
+            </a:endParaRPr>
+          </a:p>
+        </p:txBody>
+      </p:sp>
+    </p:spTree>
+    <p:extLst>
+      <p:ext uri="{BB962C8B-B14F-4D97-AF65-F5344CB8AC3E}">
+        <p14:creationId xmlns:p14="http://schemas.microsoft.com/office/powerpoint/2010/main" val="2423082916"/>
+      </p:ext>
+    </p:extLst>
+  </p:cSld>
+  <p:clrMapOvr>
+    <a:masterClrMapping/>
+  </p:clrMapOvr>
+</p:sld>
+</file>
+
+<file path=ppt/slides/slide17.xml><?xml version="1.0" encoding="utf-8"?>
+<p:sld xmlns:a="http://schemas.openxmlformats.org/drawingml/2006/main" xmlns:r="http://schemas.openxmlformats.org/officeDocument/2006/relationships" xmlns:p="http://schemas.openxmlformats.org/presentationml/2006/main">
+  <p:cSld>
+    <p:bg>
+      <p:bgPr>
+        <a:solidFill>
+          <a:schemeClr val="tx1"/>
+        </a:solidFill>
+        <a:effectLst/>
+      </p:bgPr>
+    </p:bg>
+    <p:spTree>
+      <p:nvGrpSpPr>
+        <p:cNvPr id="1" name=""/>
+        <p:cNvGrpSpPr/>
+        <p:nvPr/>
+      </p:nvGrpSpPr>
+      <p:grpSpPr>
+        <a:xfrm>
+          <a:off x="0" y="0"/>
+          <a:ext cx="0" cy="0"/>
+          <a:chOff x="0" y="0"/>
+          <a:chExt cx="0" cy="0"/>
+        </a:xfrm>
+      </p:grpSpPr>
+      <p:sp>
+        <p:nvSpPr>
+          <p:cNvPr id="7" name="TextBox 6">
+            <a:extLst>
+              <a:ext uri="{FF2B5EF4-FFF2-40B4-BE49-F238E27FC236}">
+                <a16:creationId xmlns:a16="http://schemas.microsoft.com/office/drawing/2014/main" id="{77B67BE7-3D6C-4ADC-227D-41269AC9C62D}"/>
+              </a:ext>
+            </a:extLst>
+          </p:cNvPr>
+          <p:cNvSpPr txBox="1"/>
+          <p:nvPr/>
+        </p:nvSpPr>
+        <p:spPr>
+          <a:xfrm>
+            <a:off x="5049078" y="636104"/>
+            <a:ext cx="4880113" cy="707886"/>
+          </a:xfrm>
+          <a:prstGeom prst="rect">
+            <a:avLst/>
+          </a:prstGeom>
+          <a:noFill/>
+        </p:spPr>
+        <p:txBody>
+          <a:bodyPr wrap="square" rtlCol="0">
+            <a:spAutoFit/>
+          </a:bodyPr>
+          <a:lstStyle/>
+          <a:p>
+            <a:r>
+              <a:rPr lang="en-US" sz="4000" dirty="0">
+                <a:solidFill>
+                  <a:schemeClr val="bg1"/>
+                </a:solidFill>
+                <a:latin typeface="Arial" panose="020B0604020202020204" pitchFamily="34" charset="0"/>
+                <a:cs typeface="Arial" panose="020B0604020202020204" pitchFamily="34" charset="0"/>
+              </a:rPr>
+              <a:t>VC MyAccount page</a:t>
+            </a:r>
+            <a:endParaRPr lang="en-NZ" sz="4000" dirty="0">
+              <a:solidFill>
+                <a:schemeClr val="bg1"/>
+              </a:solidFill>
+              <a:latin typeface="Arial" panose="020B0604020202020204" pitchFamily="34" charset="0"/>
+              <a:cs typeface="Arial" panose="020B0604020202020204" pitchFamily="34" charset="0"/>
+            </a:endParaRPr>
+          </a:p>
+        </p:txBody>
+      </p:sp>
+      <p:pic>
+        <p:nvPicPr>
+          <p:cNvPr id="6" name="Picture 5">
+            <a:extLst>
+              <a:ext uri="{FF2B5EF4-FFF2-40B4-BE49-F238E27FC236}">
+                <a16:creationId xmlns:a16="http://schemas.microsoft.com/office/drawing/2014/main" id="{51C22B29-EB69-5F71-B88A-02EA98FEDDB0}"/>
+              </a:ext>
+            </a:extLst>
+          </p:cNvPr>
+          <p:cNvPicPr>
+            <a:picLocks noChangeAspect="1"/>
+          </p:cNvPicPr>
+          <p:nvPr/>
+        </p:nvPicPr>
+        <p:blipFill>
+          <a:blip r:embed="rId2"/>
+          <a:stretch>
+            <a:fillRect/>
+          </a:stretch>
+        </p:blipFill>
+        <p:spPr>
+          <a:xfrm>
+            <a:off x="2390656" y="1591640"/>
+            <a:ext cx="7410688" cy="5143717"/>
+          </a:xfrm>
+          <a:prstGeom prst="rect">
+            <a:avLst/>
+          </a:prstGeom>
+        </p:spPr>
+      </p:pic>
+    </p:spTree>
+    <p:extLst>
+      <p:ext uri="{BB962C8B-B14F-4D97-AF65-F5344CB8AC3E}">
+        <p14:creationId xmlns:p14="http://schemas.microsoft.com/office/powerpoint/2010/main" val="3597088380"/>
+      </p:ext>
+    </p:extLst>
+  </p:cSld>
+  <p:clrMapOvr>
+    <a:masterClrMapping/>
+  </p:clrMapOvr>
+</p:sld>
+</file>
+
+<file path=ppt/slides/slide18.xml><?xml version="1.0" encoding="utf-8"?>
+<p:sld xmlns:a="http://schemas.openxmlformats.org/drawingml/2006/main" xmlns:r="http://schemas.openxmlformats.org/officeDocument/2006/relationships" xmlns:p="http://schemas.openxmlformats.org/presentationml/2006/main">
+  <p:cSld>
+    <p:bg>
+      <p:bgPr>
+        <a:solidFill>
+          <a:schemeClr val="tx1"/>
+        </a:solidFill>
+        <a:effectLst/>
+      </p:bgPr>
+    </p:bg>
+    <p:spTree>
+      <p:nvGrpSpPr>
+        <p:cNvPr id="1" name=""/>
+        <p:cNvGrpSpPr/>
+        <p:nvPr/>
+      </p:nvGrpSpPr>
+      <p:grpSpPr>
+        <a:xfrm>
+          <a:off x="0" y="0"/>
+          <a:ext cx="0" cy="0"/>
+          <a:chOff x="0" y="0"/>
+          <a:chExt cx="0" cy="0"/>
+        </a:xfrm>
+      </p:grpSpPr>
+      <p:sp>
+        <p:nvSpPr>
+          <p:cNvPr id="7" name="TextBox 6">
+            <a:extLst>
+              <a:ext uri="{FF2B5EF4-FFF2-40B4-BE49-F238E27FC236}">
+                <a16:creationId xmlns:a16="http://schemas.microsoft.com/office/drawing/2014/main" id="{77B67BE7-3D6C-4ADC-227D-41269AC9C62D}"/>
+              </a:ext>
+            </a:extLst>
+          </p:cNvPr>
+          <p:cNvSpPr txBox="1"/>
+          <p:nvPr/>
+        </p:nvSpPr>
+        <p:spPr>
+          <a:xfrm>
+            <a:off x="5049078" y="636104"/>
+            <a:ext cx="4880113" cy="707886"/>
+          </a:xfrm>
+          <a:prstGeom prst="rect">
+            <a:avLst/>
+          </a:prstGeom>
+          <a:noFill/>
+        </p:spPr>
+        <p:txBody>
+          <a:bodyPr wrap="square" rtlCol="0">
+            <a:spAutoFit/>
+          </a:bodyPr>
+          <a:lstStyle/>
+          <a:p>
+            <a:r>
+              <a:rPr lang="en-US" sz="4000" dirty="0">
+                <a:solidFill>
+                  <a:schemeClr val="bg1"/>
+                </a:solidFill>
+                <a:latin typeface="Arial" panose="020B0604020202020204" pitchFamily="34" charset="0"/>
+                <a:cs typeface="Arial" panose="020B0604020202020204" pitchFamily="34" charset="0"/>
+              </a:rPr>
+              <a:t>VC Wallet SDK</a:t>
+            </a:r>
+            <a:endParaRPr lang="en-NZ" sz="4000" dirty="0">
+              <a:solidFill>
+                <a:schemeClr val="bg1"/>
+              </a:solidFill>
+              <a:latin typeface="Arial" panose="020B0604020202020204" pitchFamily="34" charset="0"/>
+              <a:cs typeface="Arial" panose="020B0604020202020204" pitchFamily="34" charset="0"/>
+            </a:endParaRPr>
+          </a:p>
+        </p:txBody>
+      </p:sp>
+      <p:pic>
+        <p:nvPicPr>
+          <p:cNvPr id="4" name="Picture 3">
+            <a:extLst>
+              <a:ext uri="{FF2B5EF4-FFF2-40B4-BE49-F238E27FC236}">
+                <a16:creationId xmlns:a16="http://schemas.microsoft.com/office/drawing/2014/main" id="{AD8EE901-AD05-C927-32BF-BC9DB496E052}"/>
+              </a:ext>
+            </a:extLst>
+          </p:cNvPr>
+          <p:cNvPicPr>
+            <a:picLocks noChangeAspect="1"/>
+          </p:cNvPicPr>
+          <p:nvPr/>
+        </p:nvPicPr>
+        <p:blipFill>
+          <a:blip r:embed="rId2"/>
+          <a:stretch>
+            <a:fillRect/>
+          </a:stretch>
+        </p:blipFill>
+        <p:spPr>
+          <a:xfrm>
+            <a:off x="5097693" y="1550507"/>
+            <a:ext cx="3065232" cy="5202718"/>
+          </a:xfrm>
+          <a:prstGeom prst="rect">
+            <a:avLst/>
+          </a:prstGeom>
+        </p:spPr>
+      </p:pic>
+    </p:spTree>
+    <p:extLst>
+      <p:ext uri="{BB962C8B-B14F-4D97-AF65-F5344CB8AC3E}">
+        <p14:creationId xmlns:p14="http://schemas.microsoft.com/office/powerpoint/2010/main" val="2524951506"/>
+      </p:ext>
+    </p:extLst>
+  </p:cSld>
+  <p:clrMapOvr>
+    <a:masterClrMapping/>
+  </p:clrMapOvr>
+</p:sld>
+</file>
+
+<file path=ppt/slides/slide19.xml><?xml version="1.0" encoding="utf-8"?>
+<p:sld xmlns:a="http://schemas.openxmlformats.org/drawingml/2006/main" xmlns:r="http://schemas.openxmlformats.org/officeDocument/2006/relationships" xmlns:p="http://schemas.openxmlformats.org/presentationml/2006/main">
+  <p:cSld>
+    <p:bg>
+      <p:bgPr>
+        <a:solidFill>
+          <a:schemeClr val="tx1"/>
+        </a:solidFill>
+        <a:effectLst/>
+      </p:bgPr>
+    </p:bg>
+    <p:spTree>
+      <p:nvGrpSpPr>
+        <p:cNvPr id="1" name=""/>
+        <p:cNvGrpSpPr/>
+        <p:nvPr/>
+      </p:nvGrpSpPr>
+      <p:grpSpPr>
+        <a:xfrm>
+          <a:off x="0" y="0"/>
+          <a:ext cx="0" cy="0"/>
+          <a:chOff x="0" y="0"/>
+          <a:chExt cx="0" cy="0"/>
+        </a:xfrm>
+      </p:grpSpPr>
+      <p:sp>
+        <p:nvSpPr>
+          <p:cNvPr id="7" name="TextBox 6">
+            <a:extLst>
+              <a:ext uri="{FF2B5EF4-FFF2-40B4-BE49-F238E27FC236}">
+                <a16:creationId xmlns:a16="http://schemas.microsoft.com/office/drawing/2014/main" id="{77B67BE7-3D6C-4ADC-227D-41269AC9C62D}"/>
+              </a:ext>
+            </a:extLst>
+          </p:cNvPr>
+          <p:cNvSpPr txBox="1"/>
+          <p:nvPr/>
+        </p:nvSpPr>
+        <p:spPr>
+          <a:xfrm>
+            <a:off x="5049078" y="636104"/>
+            <a:ext cx="4880113" cy="707886"/>
+          </a:xfrm>
+          <a:prstGeom prst="rect">
+            <a:avLst/>
+          </a:prstGeom>
+          <a:noFill/>
+        </p:spPr>
+        <p:txBody>
+          <a:bodyPr wrap="square" rtlCol="0">
+            <a:spAutoFit/>
+          </a:bodyPr>
+          <a:lstStyle/>
+          <a:p>
+            <a:r>
+              <a:rPr lang="en-US" sz="4000" dirty="0">
+                <a:solidFill>
+                  <a:schemeClr val="bg1"/>
+                </a:solidFill>
+                <a:latin typeface="Arial" panose="020B0604020202020204" pitchFamily="34" charset="0"/>
+                <a:cs typeface="Arial" panose="020B0604020202020204" pitchFamily="34" charset="0"/>
+              </a:rPr>
+              <a:t>VC Face Check</a:t>
+            </a:r>
+            <a:endParaRPr lang="en-NZ" sz="4000" dirty="0">
+              <a:solidFill>
+                <a:schemeClr val="bg1"/>
+              </a:solidFill>
+              <a:latin typeface="Arial" panose="020B0604020202020204" pitchFamily="34" charset="0"/>
+              <a:cs typeface="Arial" panose="020B0604020202020204" pitchFamily="34" charset="0"/>
+            </a:endParaRPr>
+          </a:p>
+        </p:txBody>
+      </p:sp>
+      <p:pic>
+        <p:nvPicPr>
+          <p:cNvPr id="3" name="Picture 2">
+            <a:extLst>
+              <a:ext uri="{FF2B5EF4-FFF2-40B4-BE49-F238E27FC236}">
+                <a16:creationId xmlns:a16="http://schemas.microsoft.com/office/drawing/2014/main" id="{2CB03572-8A90-5187-CB92-5C7AC78B7717}"/>
+              </a:ext>
+            </a:extLst>
+          </p:cNvPr>
+          <p:cNvPicPr>
+            <a:picLocks noChangeAspect="1"/>
+          </p:cNvPicPr>
+          <p:nvPr/>
+        </p:nvPicPr>
+        <p:blipFill>
+          <a:blip r:embed="rId2"/>
+          <a:stretch>
+            <a:fillRect/>
+          </a:stretch>
+        </p:blipFill>
+        <p:spPr>
+          <a:xfrm>
+            <a:off x="1857794" y="2022921"/>
+            <a:ext cx="8476412" cy="4520753"/>
+          </a:xfrm>
+          <a:prstGeom prst="rect">
+            <a:avLst/>
+          </a:prstGeom>
+        </p:spPr>
+      </p:pic>
+    </p:spTree>
+    <p:extLst>
+      <p:ext uri="{BB962C8B-B14F-4D97-AF65-F5344CB8AC3E}">
+        <p14:creationId xmlns:p14="http://schemas.microsoft.com/office/powerpoint/2010/main" val="3937506267"/>
+      </p:ext>
+    </p:extLst>
+  </p:cSld>
+  <p:clrMapOvr>
+    <a:masterClrMapping/>
   </p:clrMapOvr>
 </p:sld>
 </file>
@@ -6232,162 +7475,36 @@
           <a:chExt cx="0" cy="0"/>
         </a:xfrm>
       </p:grpSpPr>
-      <p:sp>
-        <p:nvSpPr>
-          <p:cNvPr id="8" name="Title 7">
+      <p:pic>
+        <p:nvPicPr>
+          <p:cNvPr id="3" name="Picture 2">
             <a:extLst>
               <a:ext uri="{FF2B5EF4-FFF2-40B4-BE49-F238E27FC236}">
-                <a16:creationId xmlns:a16="http://schemas.microsoft.com/office/drawing/2014/main" id="{406B37E7-5FF9-21FA-0DE7-64E514D412BA}"/>
+                <a16:creationId xmlns:a16="http://schemas.microsoft.com/office/drawing/2014/main" id="{2785777D-5933-1E96-A668-FE6351E0DBE6}"/>
               </a:ext>
             </a:extLst>
           </p:cNvPr>
-          <p:cNvSpPr>
-            <a:spLocks noGrp="1"/>
-          </p:cNvSpPr>
-          <p:nvPr>
-            <p:ph type="title" idx="4294967295"/>
-          </p:nvPr>
-        </p:nvSpPr>
-        <p:spPr>
-          <a:xfrm>
-            <a:off x="4757738" y="763588"/>
-            <a:ext cx="7434262" cy="1433512"/>
-          </a:xfrm>
-        </p:spPr>
-        <p:txBody>
-          <a:bodyPr vert="horz" lIns="91440" tIns="45720" rIns="91440" bIns="45720" rtlCol="0" anchor="ctr">
-            <a:normAutofit/>
-          </a:bodyPr>
-          <a:lstStyle/>
-          <a:p>
-            <a:pPr algn="ctr"/>
-            <a:r>
-              <a:rPr lang="en-US" sz="4000" dirty="0" err="1">
-                <a:latin typeface="Arial" panose="020B0604020202020204" pitchFamily="34" charset="0"/>
-                <a:cs typeface="Arial" panose="020B0604020202020204" pitchFamily="34" charset="0"/>
-              </a:rPr>
-              <a:t>Entra</a:t>
-            </a:r>
-            <a:r>
-              <a:rPr lang="en-US" sz="4000" dirty="0">
-                <a:latin typeface="Arial" panose="020B0604020202020204" pitchFamily="34" charset="0"/>
-                <a:cs typeface="Arial" panose="020B0604020202020204" pitchFamily="34" charset="0"/>
-              </a:rPr>
-              <a:t> CIAM </a:t>
-            </a:r>
-          </a:p>
-        </p:txBody>
-      </p:sp>
-      <p:sp>
-        <p:nvSpPr>
-          <p:cNvPr id="9" name="Text Placeholder 8">
-            <a:extLst>
-              <a:ext uri="{FF2B5EF4-FFF2-40B4-BE49-F238E27FC236}">
-                <a16:creationId xmlns:a16="http://schemas.microsoft.com/office/drawing/2014/main" id="{D03989EC-84A9-1D25-ACEB-91441E1F79A0}"/>
-              </a:ext>
-            </a:extLst>
-          </p:cNvPr>
-          <p:cNvSpPr>
-            <a:spLocks noGrp="1"/>
-          </p:cNvSpPr>
-          <p:nvPr>
-            <p:ph type="body" sz="half" idx="4294967295"/>
-          </p:nvPr>
-        </p:nvSpPr>
-        <p:spPr>
-          <a:xfrm>
-            <a:off x="2881313" y="2929631"/>
-            <a:ext cx="7453312" cy="3850581"/>
-          </a:xfrm>
-        </p:spPr>
-        <p:txBody>
-          <a:bodyPr vert="horz" lIns="91440" tIns="45720" rIns="91440" bIns="45720" rtlCol="0">
-            <a:normAutofit lnSpcReduction="10000"/>
-          </a:bodyPr>
-          <a:lstStyle/>
-          <a:p>
-            <a:pPr indent="-228600">
-              <a:buFont typeface="Arial" panose="020B0604020202020204" pitchFamily="34" charset="0"/>
-              <a:buChar char="•"/>
-            </a:pPr>
-            <a:r>
-              <a:rPr lang="en-US" sz="3600" dirty="0">
-                <a:latin typeface="Arial" panose="020B0604020202020204" pitchFamily="34" charset="0"/>
-                <a:cs typeface="Arial" panose="020B0604020202020204" pitchFamily="34" charset="0"/>
-              </a:rPr>
-              <a:t>CIAM is integrated with </a:t>
-            </a:r>
-            <a:r>
-              <a:rPr lang="en-US" sz="3600" dirty="0" err="1">
-                <a:latin typeface="Arial" panose="020B0604020202020204" pitchFamily="34" charset="0"/>
-                <a:cs typeface="Arial" panose="020B0604020202020204" pitchFamily="34" charset="0"/>
-              </a:rPr>
-              <a:t>Entra</a:t>
-            </a:r>
-            <a:r>
-              <a:rPr lang="en-US" sz="3600" dirty="0">
-                <a:latin typeface="Arial" panose="020B0604020202020204" pitchFamily="34" charset="0"/>
-                <a:cs typeface="Arial" panose="020B0604020202020204" pitchFamily="34" charset="0"/>
-              </a:rPr>
-              <a:t> ID (Azure AD)</a:t>
-            </a:r>
-          </a:p>
-          <a:p>
-            <a:pPr indent="-228600">
-              <a:buFont typeface="Arial" panose="020B0604020202020204" pitchFamily="34" charset="0"/>
-              <a:buChar char="•"/>
-            </a:pPr>
-            <a:r>
-              <a:rPr lang="en-US" sz="3600" dirty="0">
-                <a:latin typeface="Arial" panose="020B0604020202020204" pitchFamily="34" charset="0"/>
-                <a:cs typeface="Arial" panose="020B0604020202020204" pitchFamily="34" charset="0"/>
-              </a:rPr>
-              <a:t>e.g. Groups / Roles are now first-class citizens</a:t>
-            </a:r>
-          </a:p>
-          <a:p>
-            <a:pPr indent="-228600">
-              <a:buFont typeface="Arial" panose="020B0604020202020204" pitchFamily="34" charset="0"/>
-              <a:buChar char="•"/>
-            </a:pPr>
-            <a:r>
-              <a:rPr lang="en-US" sz="3600" dirty="0" err="1">
-                <a:latin typeface="Arial" panose="020B0604020202020204" pitchFamily="34" charset="0"/>
-                <a:cs typeface="Arial" panose="020B0604020202020204" pitchFamily="34" charset="0"/>
-              </a:rPr>
-              <a:t>Entra</a:t>
-            </a:r>
-            <a:r>
-              <a:rPr lang="en-US" sz="3600" dirty="0">
-                <a:latin typeface="Arial" panose="020B0604020202020204" pitchFamily="34" charset="0"/>
-                <a:cs typeface="Arial" panose="020B0604020202020204" pitchFamily="34" charset="0"/>
-              </a:rPr>
-              <a:t> External ID is B2B and B2C (CIAM)</a:t>
-            </a:r>
-          </a:p>
-          <a:p>
-            <a:pPr indent="-228600">
-              <a:buFont typeface="Arial" panose="020B0604020202020204" pitchFamily="34" charset="0"/>
-              <a:buChar char="•"/>
-            </a:pPr>
-            <a:r>
-              <a:rPr lang="en-US" sz="3600" dirty="0" err="1">
-                <a:latin typeface="Arial" panose="020B0604020202020204" pitchFamily="34" charset="0"/>
-                <a:cs typeface="Arial" panose="020B0604020202020204" pitchFamily="34" charset="0"/>
-              </a:rPr>
-              <a:t>Entra</a:t>
-            </a:r>
-            <a:r>
-              <a:rPr lang="en-US" sz="3600" dirty="0">
-                <a:latin typeface="Arial" panose="020B0604020202020204" pitchFamily="34" charset="0"/>
-                <a:cs typeface="Arial" panose="020B0604020202020204" pitchFamily="34" charset="0"/>
-              </a:rPr>
-              <a:t> portal</a:t>
-            </a:r>
-            <a:endParaRPr lang="en-US" sz="2000" dirty="0"/>
-          </a:p>
-        </p:txBody>
-      </p:sp>
+          <p:cNvPicPr>
+            <a:picLocks noChangeAspect="1"/>
+          </p:cNvPicPr>
+          <p:nvPr/>
+        </p:nvPicPr>
+        <p:blipFill>
+          <a:blip r:embed="rId2"/>
+          <a:stretch>
+            <a:fillRect/>
+          </a:stretch>
+        </p:blipFill>
+        <p:spPr>
+          <a:xfrm>
+            <a:off x="1603620" y="891023"/>
+            <a:ext cx="8984759" cy="5966977"/>
+          </a:xfrm>
+          <a:prstGeom prst="rect">
+            <a:avLst/>
+          </a:prstGeom>
+        </p:spPr>
+      </p:pic>
     </p:spTree>
     <p:extLst>
       <p:ext uri="{BB962C8B-B14F-4D97-AF65-F5344CB8AC3E}">
@@ -6401,7 +7518,7 @@
 </p:sld>
 </file>
 
-<file path=ppt/slides/slide3.xml><?xml version="1.0" encoding="utf-8"?>
+<file path=ppt/slides/slide20.xml><?xml version="1.0" encoding="utf-8"?>
 <p:sld xmlns:a="http://schemas.openxmlformats.org/drawingml/2006/main" xmlns:r="http://schemas.openxmlformats.org/officeDocument/2006/relationships" xmlns:p="http://schemas.openxmlformats.org/presentationml/2006/main">
   <p:cSld>
     <p:bg>
@@ -6454,121 +7571,78 @@
           </a:bodyPr>
           <a:lstStyle/>
           <a:p>
-            <a:pPr marL="0" marR="0" lvl="0" indent="0" algn="l" defTabSz="457200" rtl="0" eaLnBrk="1" fontAlgn="auto" latinLnBrk="0" hangingPunct="1">
-              <a:lnSpc>
-                <a:spcPct val="100000"/>
-              </a:lnSpc>
-              <a:spcBef>
-                <a:spcPts val="0"/>
-              </a:spcBef>
-              <a:spcAft>
-                <a:spcPts val="0"/>
-              </a:spcAft>
-              <a:buClrTx/>
-              <a:buSzTx/>
-              <a:buFontTx/>
-              <a:buNone/>
-              <a:tabLst/>
-              <a:defRPr/>
-            </a:pPr>
-            <a:r>
-              <a:rPr kumimoji="0" lang="en-US" sz="4000" b="0" i="0" u="none" strike="noStrike" kern="1200" cap="none" spc="0" normalizeH="0" baseline="0" noProof="0" dirty="0">
-                <a:ln>
-                  <a:noFill/>
-                </a:ln>
+            <a:r>
+              <a:rPr lang="en-US" sz="4000" dirty="0">
                 <a:solidFill>
-                  <a:prstClr val="black"/>
+                  <a:schemeClr val="bg1"/>
                 </a:solidFill>
-                <a:effectLst/>
-                <a:uLnTx/>
-                <a:uFillTx/>
                 <a:latin typeface="Arial" panose="020B0604020202020204" pitchFamily="34" charset="0"/>
-                <a:ea typeface="+mn-ea"/>
                 <a:cs typeface="Arial" panose="020B0604020202020204" pitchFamily="34" charset="0"/>
               </a:rPr>
-              <a:t>CIAM App. Type</a:t>
-            </a:r>
-            <a:endParaRPr kumimoji="0" lang="en-NZ" sz="4000" b="0" i="0" u="none" strike="noStrike" kern="1200" cap="none" spc="0" normalizeH="0" baseline="0" noProof="0" dirty="0">
-              <a:ln>
-                <a:noFill/>
-              </a:ln>
+              <a:t>VC Face Check</a:t>
+            </a:r>
+            <a:endParaRPr lang="en-NZ" sz="4000" dirty="0">
               <a:solidFill>
-                <a:prstClr val="black"/>
+                <a:schemeClr val="bg1"/>
               </a:solidFill>
-              <a:effectLst/>
-              <a:uLnTx/>
-              <a:uFillTx/>
               <a:latin typeface="Arial" panose="020B0604020202020204" pitchFamily="34" charset="0"/>
-              <a:ea typeface="+mn-ea"/>
               <a:cs typeface="Arial" panose="020B0604020202020204" pitchFamily="34" charset="0"/>
             </a:endParaRPr>
           </a:p>
         </p:txBody>
       </p:sp>
-      <p:pic>
-        <p:nvPicPr>
-          <p:cNvPr id="4" name="Picture 3">
+      <p:sp>
+        <p:nvSpPr>
+          <p:cNvPr id="5" name="TextBox 4">
             <a:extLst>
               <a:ext uri="{FF2B5EF4-FFF2-40B4-BE49-F238E27FC236}">
-                <a16:creationId xmlns:a16="http://schemas.microsoft.com/office/drawing/2014/main" id="{82FE898D-039E-FCA2-01C9-02F5CCF605FC}"/>
+                <a16:creationId xmlns:a16="http://schemas.microsoft.com/office/drawing/2014/main" id="{7C0360A3-F907-4780-29D9-3AF4B45ACDE7}"/>
               </a:ext>
             </a:extLst>
           </p:cNvPr>
-          <p:cNvPicPr>
-            <a:picLocks noChangeAspect="1"/>
-          </p:cNvPicPr>
+          <p:cNvSpPr txBox="1"/>
           <p:nvPr/>
-        </p:nvPicPr>
-        <p:blipFill>
-          <a:blip r:embed="rId2"/>
-          <a:stretch>
-            <a:fillRect/>
-          </a:stretch>
-        </p:blipFill>
-        <p:spPr>
-          <a:xfrm>
-            <a:off x="246007" y="1774845"/>
-            <a:ext cx="5421368" cy="3947502"/>
+        </p:nvSpPr>
+        <p:spPr>
+          <a:xfrm>
+            <a:off x="3052618" y="2921168"/>
+            <a:ext cx="6086763" cy="1015663"/>
           </a:xfrm>
           <a:prstGeom prst="rect">
             <a:avLst/>
           </a:prstGeom>
-        </p:spPr>
-      </p:pic>
-      <p:pic>
-        <p:nvPicPr>
-          <p:cNvPr id="6" name="Picture 5">
-            <a:extLst>
-              <a:ext uri="{FF2B5EF4-FFF2-40B4-BE49-F238E27FC236}">
-                <a16:creationId xmlns:a16="http://schemas.microsoft.com/office/drawing/2014/main" id="{87D2B56B-5926-4874-507E-C1A8A2AC57A8}"/>
-              </a:ext>
-            </a:extLst>
-          </p:cNvPr>
-          <p:cNvPicPr>
-            <a:picLocks noChangeAspect="1"/>
-          </p:cNvPicPr>
-          <p:nvPr/>
-        </p:nvPicPr>
-        <p:blipFill>
-          <a:blip r:embed="rId3"/>
-          <a:stretch>
-            <a:fillRect/>
-          </a:stretch>
-        </p:blipFill>
-        <p:spPr>
-          <a:xfrm>
-            <a:off x="6096000" y="1774845"/>
-            <a:ext cx="6000750" cy="2903472"/>
-          </a:xfrm>
-          <a:prstGeom prst="rect">
-            <a:avLst/>
-          </a:prstGeom>
-        </p:spPr>
-      </p:pic>
+          <a:noFill/>
+        </p:spPr>
+        <p:txBody>
+          <a:bodyPr wrap="square" rtlCol="0">
+            <a:spAutoFit/>
+          </a:bodyPr>
+          <a:lstStyle/>
+          <a:p>
+            <a:r>
+              <a:rPr lang="en-US" sz="6000" dirty="0">
+                <a:solidFill>
+                  <a:schemeClr val="bg1"/>
+                </a:solidFill>
+                <a:latin typeface="Arial" panose="020B0604020202020204" pitchFamily="34" charset="0"/>
+                <a:cs typeface="Arial" panose="020B0604020202020204" pitchFamily="34" charset="0"/>
+              </a:rPr>
+              <a:t>Help Desk Demo</a:t>
+            </a:r>
+            <a:endParaRPr lang="en-NZ" sz="6000" dirty="0">
+              <a:solidFill>
+                <a:schemeClr val="bg1"/>
+              </a:solidFill>
+              <a:latin typeface="Arial" panose="020B0604020202020204" pitchFamily="34" charset="0"/>
+              <a:cs typeface="Arial" panose="020B0604020202020204" pitchFamily="34" charset="0"/>
+            </a:endParaRPr>
+          </a:p>
+        </p:txBody>
+      </p:sp>
     </p:spTree>
     <p:extLst>
       <p:ext uri="{BB962C8B-B14F-4D97-AF65-F5344CB8AC3E}">
-        <p14:creationId xmlns:p14="http://schemas.microsoft.com/office/powerpoint/2010/main" val="2372567370"/>
+        <p14:creationId xmlns:p14="http://schemas.microsoft.com/office/powerpoint/2010/main" val="2506088773"/>
       </p:ext>
     </p:extLst>
   </p:cSld>
@@ -6578,7 +7652,7 @@
 </p:sld>
 </file>
 
-<file path=ppt/slides/slide4.xml><?xml version="1.0" encoding="utf-8"?>
+<file path=ppt/slides/slide21.xml><?xml version="1.0" encoding="utf-8"?>
 <p:sld xmlns:a="http://schemas.openxmlformats.org/drawingml/2006/main" xmlns:r="http://schemas.openxmlformats.org/officeDocument/2006/relationships" xmlns:p="http://schemas.openxmlformats.org/presentationml/2006/main">
   <p:cSld>
     <p:bg>
@@ -6618,7 +7692,7 @@
         <p:spPr>
           <a:xfrm>
             <a:off x="5049078" y="636104"/>
-            <a:ext cx="6180897" cy="707886"/>
+            <a:ext cx="4880113" cy="707886"/>
           </a:xfrm>
           <a:prstGeom prst="rect">
             <a:avLst/>
@@ -6663,7 +7737,7 @@
                 <a:ea typeface="+mn-ea"/>
                 <a:cs typeface="Arial" panose="020B0604020202020204" pitchFamily="34" charset="0"/>
               </a:rPr>
-              <a:t>Sample CIAM Application</a:t>
+              <a:t>References</a:t>
             </a:r>
             <a:endParaRPr kumimoji="0" lang="en-NZ" sz="4000" b="0" i="0" u="none" strike="noStrike" kern="1200" cap="none" spc="0" normalizeH="0" baseline="0" noProof="0" dirty="0">
               <a:ln>
@@ -6682,12 +7756,239 @@
           </a:p>
         </p:txBody>
       </p:sp>
+      <p:sp>
+        <p:nvSpPr>
+          <p:cNvPr id="2" name="TextBox 1">
+            <a:extLst>
+              <a:ext uri="{FF2B5EF4-FFF2-40B4-BE49-F238E27FC236}">
+                <a16:creationId xmlns:a16="http://schemas.microsoft.com/office/drawing/2014/main" id="{923246BE-7785-5124-BACC-0BD42E1C942F}"/>
+              </a:ext>
+            </a:extLst>
+          </p:cNvPr>
+          <p:cNvSpPr txBox="1"/>
+          <p:nvPr/>
+        </p:nvSpPr>
+        <p:spPr>
+          <a:xfrm>
+            <a:off x="657224" y="1876425"/>
+            <a:ext cx="9991725" cy="4339650"/>
+          </a:xfrm>
+          <a:prstGeom prst="rect">
+            <a:avLst/>
+          </a:prstGeom>
+          <a:noFill/>
+        </p:spPr>
+        <p:txBody>
+          <a:bodyPr wrap="square" rtlCol="0">
+            <a:spAutoFit/>
+          </a:bodyPr>
+          <a:lstStyle/>
+          <a:p>
+            <a:r>
+              <a:rPr lang="en-NZ" sz="2000" dirty="0">
+                <a:solidFill>
+                  <a:schemeClr val="bg1"/>
+                </a:solidFill>
+                <a:latin typeface="Arial" panose="020B0604020202020204" pitchFamily="34" charset="0"/>
+                <a:cs typeface="Arial" panose="020B0604020202020204" pitchFamily="34" charset="0"/>
+              </a:rPr>
+              <a:t>https://woodgrovedemo.com/</a:t>
+            </a:r>
+          </a:p>
+          <a:p>
+            <a:endParaRPr lang="en-NZ" sz="2000" dirty="0">
+              <a:solidFill>
+                <a:schemeClr val="bg1"/>
+              </a:solidFill>
+              <a:latin typeface="Arial" panose="020B0604020202020204" pitchFamily="34" charset="0"/>
+              <a:cs typeface="Arial" panose="020B0604020202020204" pitchFamily="34" charset="0"/>
+            </a:endParaRPr>
+          </a:p>
+          <a:p>
+            <a:r>
+              <a:rPr lang="en-NZ" sz="2000" dirty="0">
+                <a:solidFill>
+                  <a:schemeClr val="bg1"/>
+                </a:solidFill>
+                <a:latin typeface="Arial" panose="020B0604020202020204" pitchFamily="34" charset="0"/>
+                <a:cs typeface="Arial" panose="020B0604020202020204" pitchFamily="34" charset="0"/>
+              </a:rPr>
+              <a:t>https://developer.microsoft.com/en-us/identity/customers</a:t>
+            </a:r>
+          </a:p>
+          <a:p>
+            <a:endParaRPr lang="en-NZ" sz="2000" dirty="0">
+              <a:solidFill>
+                <a:schemeClr val="bg1"/>
+              </a:solidFill>
+              <a:latin typeface="Arial" panose="020B0604020202020204" pitchFamily="34" charset="0"/>
+              <a:cs typeface="Arial" panose="020B0604020202020204" pitchFamily="34" charset="0"/>
+            </a:endParaRPr>
+          </a:p>
+          <a:p>
+            <a:r>
+              <a:rPr lang="en-NZ" sz="2000" dirty="0">
+                <a:solidFill>
+                  <a:schemeClr val="bg1"/>
+                </a:solidFill>
+                <a:latin typeface="Arial" panose="020B0604020202020204" pitchFamily="34" charset="0"/>
+                <a:cs typeface="Arial" panose="020B0604020202020204" pitchFamily="34" charset="0"/>
+              </a:rPr>
+              <a:t>https://woodgroveemployee.azurewebsites.net/landing</a:t>
+            </a:r>
+          </a:p>
+          <a:p>
+            <a:endParaRPr lang="en-NZ" sz="2000" dirty="0">
+              <a:solidFill>
+                <a:schemeClr val="bg1"/>
+              </a:solidFill>
+              <a:latin typeface="Arial" panose="020B0604020202020204" pitchFamily="34" charset="0"/>
+              <a:cs typeface="Arial" panose="020B0604020202020204" pitchFamily="34" charset="0"/>
+            </a:endParaRPr>
+          </a:p>
+          <a:p>
+            <a:r>
+              <a:rPr lang="en-NZ" sz="2000" dirty="0">
+                <a:solidFill>
+                  <a:schemeClr val="bg1"/>
+                </a:solidFill>
+                <a:latin typeface="Arial" panose="020B0604020202020204" pitchFamily="34" charset="0"/>
+                <a:cs typeface="Arial" panose="020B0604020202020204" pitchFamily="34" charset="0"/>
+              </a:rPr>
+              <a:t>https://learn.microsoft.com/en-us/azure/active-directory/verifiable-credentials/</a:t>
+            </a:r>
+          </a:p>
+          <a:p>
+            <a:endParaRPr lang="en-NZ" dirty="0">
+              <a:solidFill>
+                <a:schemeClr val="bg1"/>
+              </a:solidFill>
+            </a:endParaRPr>
+          </a:p>
+          <a:p>
+            <a:r>
+              <a:rPr lang="en-NZ" sz="2000" dirty="0">
+                <a:solidFill>
+                  <a:schemeClr val="bg1"/>
+                </a:solidFill>
+                <a:latin typeface="Arial" panose="020B0604020202020204" pitchFamily="34" charset="0"/>
+                <a:cs typeface="Arial" panose="020B0604020202020204" pitchFamily="34" charset="0"/>
+              </a:rPr>
+              <a:t>https://learn.microsoft.com/en-us/azure/active-directory/verifiable-credentials/get-started-request-api</a:t>
+            </a:r>
+          </a:p>
+          <a:p>
+            <a:endParaRPr lang="en-NZ" sz="2000" dirty="0">
+              <a:solidFill>
+                <a:schemeClr val="bg1"/>
+              </a:solidFill>
+              <a:latin typeface="Arial" panose="020B0604020202020204" pitchFamily="34" charset="0"/>
+              <a:cs typeface="Arial" panose="020B0604020202020204" pitchFamily="34" charset="0"/>
+            </a:endParaRPr>
+          </a:p>
+          <a:p>
+            <a:r>
+              <a:rPr lang="en-NZ" sz="2000" dirty="0">
+                <a:solidFill>
+                  <a:schemeClr val="bg1"/>
+                </a:solidFill>
+                <a:latin typeface="Arial" panose="020B0604020202020204" pitchFamily="34" charset="0"/>
+                <a:cs typeface="Arial" panose="020B0604020202020204" pitchFamily="34" charset="0"/>
+              </a:rPr>
+              <a:t>https://medium.com/the-new-control-plane/entra-links-i-use-4cfedfde151c</a:t>
+            </a:r>
+          </a:p>
+          <a:p>
+            <a:endParaRPr lang="en-NZ" sz="2000" dirty="0">
+              <a:solidFill>
+                <a:schemeClr val="bg1"/>
+              </a:solidFill>
+              <a:latin typeface="Arial" panose="020B0604020202020204" pitchFamily="34" charset="0"/>
+              <a:cs typeface="Arial" panose="020B0604020202020204" pitchFamily="34" charset="0"/>
+            </a:endParaRPr>
+          </a:p>
+          <a:p>
+            <a:r>
+              <a:rPr lang="en-NZ" sz="2000" dirty="0">
+                <a:solidFill>
+                  <a:schemeClr val="bg1"/>
+                </a:solidFill>
+                <a:latin typeface="Arial" panose="020B0604020202020204" pitchFamily="34" charset="0"/>
+                <a:cs typeface="Arial" panose="020B0604020202020204" pitchFamily="34" charset="0"/>
+              </a:rPr>
+              <a:t>https://rbrayb.github.io/Presentations/</a:t>
+            </a:r>
+          </a:p>
+        </p:txBody>
+      </p:sp>
+    </p:spTree>
+    <p:extLst>
+      <p:ext uri="{BB962C8B-B14F-4D97-AF65-F5344CB8AC3E}">
+        <p14:creationId xmlns:p14="http://schemas.microsoft.com/office/powerpoint/2010/main" val="3515889630"/>
+      </p:ext>
+    </p:extLst>
+  </p:cSld>
+  <p:clrMapOvr>
+    <a:masterClrMapping/>
+  </p:clrMapOvr>
+</p:sld>
+</file>
+
+<file path=ppt/slides/slide3.xml><?xml version="1.0" encoding="utf-8"?>
+<p:sld xmlns:a="http://schemas.openxmlformats.org/drawingml/2006/main" xmlns:r="http://schemas.openxmlformats.org/officeDocument/2006/relationships" xmlns:p="http://schemas.openxmlformats.org/presentationml/2006/main">
+  <p:cSld>
+    <p:bg>
+      <p:bgPr>
+        <a:gradFill rotWithShape="1">
+          <a:gsLst>
+            <a:gs pos="0">
+              <a:schemeClr val="bg1">
+                <a:tint val="93000"/>
+                <a:shade val="98000"/>
+                <a:satMod val="150000"/>
+                <a:lumMod val="102000"/>
+              </a:schemeClr>
+            </a:gs>
+            <a:gs pos="50000">
+              <a:schemeClr val="bg1">
+                <a:tint val="98000"/>
+                <a:shade val="90000"/>
+                <a:satMod val="130000"/>
+                <a:lumMod val="103000"/>
+              </a:schemeClr>
+            </a:gs>
+            <a:gs pos="100000">
+              <a:schemeClr val="bg1">
+                <a:shade val="63000"/>
+                <a:satMod val="120000"/>
+              </a:schemeClr>
+            </a:gs>
+          </a:gsLst>
+          <a:lin ang="5400000" scaled="0"/>
+        </a:gradFill>
+        <a:effectLst/>
+      </p:bgPr>
+    </p:bg>
+    <p:spTree>
+      <p:nvGrpSpPr>
+        <p:cNvPr id="1" name=""/>
+        <p:cNvGrpSpPr/>
+        <p:nvPr/>
+      </p:nvGrpSpPr>
+      <p:grpSpPr>
+        <a:xfrm>
+          <a:off x="0" y="0"/>
+          <a:ext cx="0" cy="0"/>
+          <a:chOff x="0" y="0"/>
+          <a:chExt cx="0" cy="0"/>
+        </a:xfrm>
+      </p:grpSpPr>
       <p:pic>
         <p:nvPicPr>
           <p:cNvPr id="3" name="Picture 2">
             <a:extLst>
               <a:ext uri="{FF2B5EF4-FFF2-40B4-BE49-F238E27FC236}">
-                <a16:creationId xmlns:a16="http://schemas.microsoft.com/office/drawing/2014/main" id="{F7E742E0-AA5C-FAFB-174A-A6DED8D5D903}"/>
+                <a16:creationId xmlns:a16="http://schemas.microsoft.com/office/drawing/2014/main" id="{17FA9FD2-C36F-BE56-1125-734B20DDD2D3}"/>
               </a:ext>
             </a:extLst>
           </p:cNvPr>
@@ -6704,8 +8005,8 @@
         </p:blipFill>
         <p:spPr>
           <a:xfrm>
-            <a:off x="895350" y="1689652"/>
-            <a:ext cx="10643980" cy="4999382"/>
+            <a:off x="708193" y="1180608"/>
+            <a:ext cx="10775614" cy="5677392"/>
           </a:xfrm>
           <a:prstGeom prst="rect">
             <a:avLst/>
@@ -6715,12 +8016,204 @@
     </p:spTree>
     <p:extLst>
       <p:ext uri="{BB962C8B-B14F-4D97-AF65-F5344CB8AC3E}">
-        <p14:creationId xmlns:p14="http://schemas.microsoft.com/office/powerpoint/2010/main" val="125256138"/>
+        <p14:creationId xmlns:p14="http://schemas.microsoft.com/office/powerpoint/2010/main" val="3068683009"/>
       </p:ext>
     </p:extLst>
   </p:cSld>
   <p:clrMapOvr>
-    <a:masterClrMapping/>
+    <a:overrideClrMapping bg1="lt1" tx1="dk1" bg2="lt2" tx2="dk2" accent1="accent1" accent2="accent2" accent3="accent3" accent4="accent4" accent5="accent5" accent6="accent6" hlink="hlink" folHlink="folHlink"/>
+  </p:clrMapOvr>
+</p:sld>
+</file>
+
+<file path=ppt/slides/slide4.xml><?xml version="1.0" encoding="utf-8"?>
+<p:sld xmlns:a="http://schemas.openxmlformats.org/drawingml/2006/main" xmlns:r="http://schemas.openxmlformats.org/officeDocument/2006/relationships" xmlns:p="http://schemas.openxmlformats.org/presentationml/2006/main">
+  <p:cSld>
+    <p:bg>
+      <p:bgPr>
+        <a:gradFill rotWithShape="1">
+          <a:gsLst>
+            <a:gs pos="0">
+              <a:schemeClr val="bg1">
+                <a:tint val="93000"/>
+                <a:shade val="98000"/>
+                <a:satMod val="150000"/>
+                <a:lumMod val="102000"/>
+              </a:schemeClr>
+            </a:gs>
+            <a:gs pos="50000">
+              <a:schemeClr val="bg1">
+                <a:tint val="98000"/>
+                <a:shade val="90000"/>
+                <a:satMod val="130000"/>
+                <a:lumMod val="103000"/>
+              </a:schemeClr>
+            </a:gs>
+            <a:gs pos="100000">
+              <a:schemeClr val="bg1">
+                <a:shade val="63000"/>
+                <a:satMod val="120000"/>
+              </a:schemeClr>
+            </a:gs>
+          </a:gsLst>
+          <a:lin ang="5400000" scaled="0"/>
+        </a:gradFill>
+        <a:effectLst/>
+      </p:bgPr>
+    </p:bg>
+    <p:spTree>
+      <p:nvGrpSpPr>
+        <p:cNvPr id="1" name=""/>
+        <p:cNvGrpSpPr/>
+        <p:nvPr/>
+      </p:nvGrpSpPr>
+      <p:grpSpPr>
+        <a:xfrm>
+          <a:off x="0" y="0"/>
+          <a:ext cx="0" cy="0"/>
+          <a:chOff x="0" y="0"/>
+          <a:chExt cx="0" cy="0"/>
+        </a:xfrm>
+      </p:grpSpPr>
+      <p:sp>
+        <p:nvSpPr>
+          <p:cNvPr id="8" name="Title 7">
+            <a:extLst>
+              <a:ext uri="{FF2B5EF4-FFF2-40B4-BE49-F238E27FC236}">
+                <a16:creationId xmlns:a16="http://schemas.microsoft.com/office/drawing/2014/main" id="{406B37E7-5FF9-21FA-0DE7-64E514D412BA}"/>
+              </a:ext>
+            </a:extLst>
+          </p:cNvPr>
+          <p:cNvSpPr>
+            <a:spLocks noGrp="1"/>
+          </p:cNvSpPr>
+          <p:nvPr>
+            <p:ph type="title" idx="4294967295"/>
+          </p:nvPr>
+        </p:nvSpPr>
+        <p:spPr>
+          <a:xfrm>
+            <a:off x="4757738" y="763588"/>
+            <a:ext cx="7434262" cy="935903"/>
+          </a:xfrm>
+        </p:spPr>
+        <p:txBody>
+          <a:bodyPr vert="horz" lIns="91440" tIns="45720" rIns="91440" bIns="45720" rtlCol="0" anchor="ctr">
+            <a:normAutofit/>
+          </a:bodyPr>
+          <a:lstStyle/>
+          <a:p>
+            <a:pPr algn="ctr"/>
+            <a:r>
+              <a:rPr lang="en-US" sz="4000" dirty="0">
+                <a:latin typeface="Arial" panose="020B0604020202020204" pitchFamily="34" charset="0"/>
+                <a:cs typeface="Arial" panose="020B0604020202020204" pitchFamily="34" charset="0"/>
+              </a:rPr>
+              <a:t>Azure ad b2c</a:t>
+            </a:r>
+          </a:p>
+        </p:txBody>
+      </p:sp>
+      <p:sp>
+        <p:nvSpPr>
+          <p:cNvPr id="9" name="Text Placeholder 8">
+            <a:extLst>
+              <a:ext uri="{FF2B5EF4-FFF2-40B4-BE49-F238E27FC236}">
+                <a16:creationId xmlns:a16="http://schemas.microsoft.com/office/drawing/2014/main" id="{D03989EC-84A9-1D25-ACEB-91441E1F79A0}"/>
+              </a:ext>
+            </a:extLst>
+          </p:cNvPr>
+          <p:cNvSpPr>
+            <a:spLocks noGrp="1"/>
+          </p:cNvSpPr>
+          <p:nvPr>
+            <p:ph type="body" sz="half" idx="4294967295"/>
+          </p:nvPr>
+        </p:nvSpPr>
+        <p:spPr>
+          <a:xfrm>
+            <a:off x="2881313" y="1988599"/>
+            <a:ext cx="7453312" cy="4181292"/>
+          </a:xfrm>
+        </p:spPr>
+        <p:txBody>
+          <a:bodyPr vert="horz" lIns="91440" tIns="45720" rIns="91440" bIns="45720" rtlCol="0">
+            <a:normAutofit/>
+          </a:bodyPr>
+          <a:lstStyle/>
+          <a:p>
+            <a:pPr indent="-228600">
+              <a:buFont typeface="Arial" panose="020B0604020202020204" pitchFamily="34" charset="0"/>
+              <a:buChar char="•"/>
+            </a:pPr>
+            <a:r>
+              <a:rPr lang="en-US" sz="3600" dirty="0">
+                <a:latin typeface="Arial" panose="020B0604020202020204" pitchFamily="34" charset="0"/>
+                <a:cs typeface="Arial" panose="020B0604020202020204" pitchFamily="34" charset="0"/>
+              </a:rPr>
+              <a:t>Fully supported until 2030</a:t>
+            </a:r>
+          </a:p>
+          <a:p>
+            <a:pPr indent="-228600">
+              <a:buFont typeface="Arial" panose="020B0604020202020204" pitchFamily="34" charset="0"/>
+              <a:buChar char="•"/>
+            </a:pPr>
+            <a:r>
+              <a:rPr lang="en-NZ" sz="3600" dirty="0">
+                <a:latin typeface="Arial" panose="020B0604020202020204" pitchFamily="34" charset="0"/>
+                <a:cs typeface="Arial" panose="020B0604020202020204" pitchFamily="34" charset="0"/>
+              </a:rPr>
+              <a:t>From May 2025, new users will not be able to create B2C tenants</a:t>
+            </a:r>
+          </a:p>
+          <a:p>
+            <a:pPr indent="-228600">
+              <a:buFont typeface="Arial" panose="020B0604020202020204" pitchFamily="34" charset="0"/>
+              <a:buChar char="•"/>
+            </a:pPr>
+            <a:r>
+              <a:rPr lang="en-NZ" sz="3600" dirty="0">
+                <a:latin typeface="Arial" panose="020B0604020202020204" pitchFamily="34" charset="0"/>
+                <a:cs typeface="Arial" panose="020B0604020202020204" pitchFamily="34" charset="0"/>
+              </a:rPr>
+              <a:t>Working on migration plans to CIAM</a:t>
+            </a:r>
+          </a:p>
+          <a:p>
+            <a:r>
+              <a:rPr lang="en-NZ" sz="3600" dirty="0">
+                <a:latin typeface="Arial" panose="020B0604020202020204" pitchFamily="34" charset="0"/>
+                <a:cs typeface="Arial" panose="020B0604020202020204" pitchFamily="34" charset="0"/>
+              </a:rPr>
+              <a:t>Working on custom policy “plans” for CIAM</a:t>
+            </a:r>
+            <a:endParaRPr lang="en-US" sz="3600" dirty="0">
+              <a:latin typeface="Arial" panose="020B0604020202020204" pitchFamily="34" charset="0"/>
+              <a:cs typeface="Arial" panose="020B0604020202020204" pitchFamily="34" charset="0"/>
+            </a:endParaRPr>
+          </a:p>
+          <a:p>
+            <a:pPr indent="-228600">
+              <a:buFont typeface="Arial" panose="020B0604020202020204" pitchFamily="34" charset="0"/>
+              <a:buChar char="•"/>
+            </a:pPr>
+            <a:endParaRPr lang="en-US" sz="3600" dirty="0">
+              <a:latin typeface="Arial" panose="020B0604020202020204" pitchFamily="34" charset="0"/>
+              <a:cs typeface="Arial" panose="020B0604020202020204" pitchFamily="34" charset="0"/>
+            </a:endParaRPr>
+          </a:p>
+        </p:txBody>
+      </p:sp>
+    </p:spTree>
+    <p:extLst>
+      <p:ext uri="{BB962C8B-B14F-4D97-AF65-F5344CB8AC3E}">
+        <p14:creationId xmlns:p14="http://schemas.microsoft.com/office/powerpoint/2010/main" val="3110765435"/>
+      </p:ext>
+    </p:extLst>
+  </p:cSld>
+  <p:clrMapOvr>
+    <a:overrideClrMapping bg1="lt1" tx1="dk1" bg2="lt2" tx2="dk2" accent1="accent1" accent2="accent2" accent3="accent3" accent4="accent4" accent5="accent5" accent6="accent6" hlink="hlink" folHlink="folHlink"/>
   </p:clrMapOvr>
 </p:sld>
 </file>
@@ -6793,7 +8286,7 @@
         <p:spPr>
           <a:xfrm>
             <a:off x="4757738" y="763588"/>
-            <a:ext cx="7434262" cy="1433512"/>
+            <a:ext cx="7434262" cy="935903"/>
           </a:xfrm>
         </p:spPr>
         <p:txBody>
@@ -6804,18 +8297,11 @@
           <a:p>
             <a:pPr algn="ctr"/>
             <a:r>
-              <a:rPr lang="en-US" sz="4000" dirty="0" err="1">
-                <a:latin typeface="Arial" panose="020B0604020202020204" pitchFamily="34" charset="0"/>
-                <a:cs typeface="Arial" panose="020B0604020202020204" pitchFamily="34" charset="0"/>
-              </a:rPr>
-              <a:t>Entra</a:t>
-            </a:r>
-            <a:r>
               <a:rPr lang="en-US" sz="4000" dirty="0">
                 <a:latin typeface="Arial" panose="020B0604020202020204" pitchFamily="34" charset="0"/>
                 <a:cs typeface="Arial" panose="020B0604020202020204" pitchFamily="34" charset="0"/>
               </a:rPr>
-              <a:t> CIAM </a:t>
+              <a:t>CIAM</a:t>
             </a:r>
           </a:p>
         </p:txBody>
@@ -6838,8 +8324,8 @@
         </p:nvSpPr>
         <p:spPr>
           <a:xfrm>
-            <a:off x="2881313" y="3190874"/>
-            <a:ext cx="7453312" cy="3589338"/>
+            <a:off x="378690" y="1988599"/>
+            <a:ext cx="11212945" cy="4181292"/>
           </a:xfrm>
         </p:spPr>
         <p:txBody>
@@ -6857,7 +8343,7 @@
                 <a:latin typeface="Arial" panose="020B0604020202020204" pitchFamily="34" charset="0"/>
                 <a:cs typeface="Arial" panose="020B0604020202020204" pitchFamily="34" charset="0"/>
               </a:rPr>
-              <a:t>So what about Azure AD B2C?</a:t>
+              <a:t>Groups an integral part</a:t>
             </a:r>
           </a:p>
           <a:p>
@@ -6866,11 +8352,11 @@
               <a:buChar char="•"/>
             </a:pPr>
             <a:r>
-              <a:rPr lang="en-US" sz="3600" dirty="0">
+              <a:rPr lang="en-NZ" sz="3600" dirty="0">
                 <a:latin typeface="Arial" panose="020B0604020202020204" pitchFamily="34" charset="0"/>
                 <a:cs typeface="Arial" panose="020B0604020202020204" pitchFamily="34" charset="0"/>
               </a:rPr>
-              <a:t>And custom policies?</a:t>
+              <a:t>Native API for authentication</a:t>
             </a:r>
           </a:p>
           <a:p>
@@ -6879,11 +8365,11 @@
               <a:buChar char="•"/>
             </a:pPr>
             <a:r>
-              <a:rPr lang="en-US" sz="3600" dirty="0">
+              <a:rPr lang="en-NZ" sz="3600" dirty="0">
                 <a:latin typeface="Arial" panose="020B0604020202020204" pitchFamily="34" charset="0"/>
                 <a:cs typeface="Arial" panose="020B0604020202020204" pitchFamily="34" charset="0"/>
               </a:rPr>
-              <a:t>And migration?</a:t>
+              <a:t>User flow linked to the application, so no longer need to send policy name in the request</a:t>
             </a:r>
           </a:p>
           <a:p>
@@ -6892,11 +8378,11 @@
               <a:buChar char="•"/>
             </a:pPr>
             <a:r>
-              <a:rPr lang="en-US" sz="3600" dirty="0">
+              <a:rPr lang="en-NZ" sz="3600" dirty="0">
                 <a:latin typeface="Arial" panose="020B0604020202020204" pitchFamily="34" charset="0"/>
                 <a:cs typeface="Arial" panose="020B0604020202020204" pitchFamily="34" charset="0"/>
               </a:rPr>
-              <a:t>When should you use CIAM?</a:t>
+              <a:t>Will be able to “hook” API to events</a:t>
             </a:r>
           </a:p>
           <a:p>
@@ -6905,26 +8391,28 @@
               <a:buChar char="•"/>
             </a:pPr>
             <a:r>
-              <a:rPr lang="en-US" sz="3600" dirty="0">
+              <a:rPr lang="en-NZ" sz="3600" dirty="0">
                 <a:latin typeface="Arial" panose="020B0604020202020204" pitchFamily="34" charset="0"/>
                 <a:cs typeface="Arial" panose="020B0604020202020204" pitchFamily="34" charset="0"/>
               </a:rPr>
-              <a:t>Questions?</a:t>
-            </a:r>
-          </a:p>
-          <a:p>
-            <a:pPr indent="-228600">
-              <a:buFont typeface="Arial" panose="020B0604020202020204" pitchFamily="34" charset="0"/>
-              <a:buChar char="•"/>
+              <a:t>“Proper” guest accounts</a:t>
+            </a:r>
+          </a:p>
+          <a:p>
+            <a:pPr marL="0" indent="0">
+              <a:buNone/>
             </a:pPr>
-            <a:endParaRPr lang="en-US" sz="2000" dirty="0"/>
+            <a:endParaRPr lang="en-US" sz="3600" dirty="0">
+              <a:latin typeface="Arial" panose="020B0604020202020204" pitchFamily="34" charset="0"/>
+              <a:cs typeface="Arial" panose="020B0604020202020204" pitchFamily="34" charset="0"/>
+            </a:endParaRPr>
           </a:p>
         </p:txBody>
       </p:sp>
     </p:spTree>
     <p:extLst>
       <p:ext uri="{BB962C8B-B14F-4D97-AF65-F5344CB8AC3E}">
-        <p14:creationId xmlns:p14="http://schemas.microsoft.com/office/powerpoint/2010/main" val="2126352458"/>
+        <p14:creationId xmlns:p14="http://schemas.microsoft.com/office/powerpoint/2010/main" val="3093097224"/>
       </p:ext>
     </p:extLst>
   </p:cSld>
@@ -6935,6 +8423,462 @@
 </file>
 
 <file path=ppt/slides/slide6.xml><?xml version="1.0" encoding="utf-8"?>
+<p:sld xmlns:a="http://schemas.openxmlformats.org/drawingml/2006/main" xmlns:r="http://schemas.openxmlformats.org/officeDocument/2006/relationships" xmlns:p="http://schemas.openxmlformats.org/presentationml/2006/main">
+  <p:cSld>
+    <p:bg>
+      <p:bgPr>
+        <a:solidFill>
+          <a:schemeClr val="tx1"/>
+        </a:solidFill>
+        <a:effectLst/>
+      </p:bgPr>
+    </p:bg>
+    <p:spTree>
+      <p:nvGrpSpPr>
+        <p:cNvPr id="1" name=""/>
+        <p:cNvGrpSpPr/>
+        <p:nvPr/>
+      </p:nvGrpSpPr>
+      <p:grpSpPr>
+        <a:xfrm>
+          <a:off x="0" y="0"/>
+          <a:ext cx="0" cy="0"/>
+          <a:chOff x="0" y="0"/>
+          <a:chExt cx="0" cy="0"/>
+        </a:xfrm>
+      </p:grpSpPr>
+      <p:sp>
+        <p:nvSpPr>
+          <p:cNvPr id="7" name="TextBox 6">
+            <a:extLst>
+              <a:ext uri="{FF2B5EF4-FFF2-40B4-BE49-F238E27FC236}">
+                <a16:creationId xmlns:a16="http://schemas.microsoft.com/office/drawing/2014/main" id="{77B67BE7-3D6C-4ADC-227D-41269AC9C62D}"/>
+              </a:ext>
+            </a:extLst>
+          </p:cNvPr>
+          <p:cNvSpPr txBox="1"/>
+          <p:nvPr/>
+        </p:nvSpPr>
+        <p:spPr>
+          <a:xfrm>
+            <a:off x="5049078" y="636104"/>
+            <a:ext cx="6180897" cy="707886"/>
+          </a:xfrm>
+          <a:prstGeom prst="rect">
+            <a:avLst/>
+          </a:prstGeom>
+          <a:noFill/>
+        </p:spPr>
+        <p:txBody>
+          <a:bodyPr wrap="square" rtlCol="0">
+            <a:spAutoFit/>
+          </a:bodyPr>
+          <a:lstStyle/>
+          <a:p>
+            <a:pPr marL="0" marR="0" lvl="0" indent="0" algn="l" defTabSz="457200" rtl="0" eaLnBrk="1" fontAlgn="auto" latinLnBrk="0" hangingPunct="1">
+              <a:lnSpc>
+                <a:spcPct val="100000"/>
+              </a:lnSpc>
+              <a:spcBef>
+                <a:spcPts val="0"/>
+              </a:spcBef>
+              <a:spcAft>
+                <a:spcPts val="0"/>
+              </a:spcAft>
+              <a:buClrTx/>
+              <a:buSzTx/>
+              <a:buFontTx/>
+              <a:buNone/>
+              <a:tabLst/>
+              <a:defRPr/>
+            </a:pPr>
+            <a:r>
+              <a:rPr kumimoji="0" lang="en-US" sz="4000" b="0" i="0" u="none" strike="noStrike" kern="1200" cap="none" spc="0" normalizeH="0" baseline="0" noProof="0" dirty="0">
+                <a:ln>
+                  <a:noFill/>
+                </a:ln>
+                <a:solidFill>
+                  <a:prstClr val="black"/>
+                </a:solidFill>
+                <a:effectLst/>
+                <a:uLnTx/>
+                <a:uFillTx/>
+                <a:latin typeface="Arial" panose="020B0604020202020204" pitchFamily="34" charset="0"/>
+                <a:ea typeface="+mn-ea"/>
+                <a:cs typeface="Arial" panose="020B0604020202020204" pitchFamily="34" charset="0"/>
+              </a:rPr>
+              <a:t>CIAM overview </a:t>
+            </a:r>
+            <a:endParaRPr kumimoji="0" lang="en-NZ" sz="4000" b="0" i="0" u="none" strike="noStrike" kern="1200" cap="none" spc="0" normalizeH="0" baseline="0" noProof="0" dirty="0">
+              <a:ln>
+                <a:noFill/>
+              </a:ln>
+              <a:solidFill>
+                <a:prstClr val="black"/>
+              </a:solidFill>
+              <a:effectLst/>
+              <a:uLnTx/>
+              <a:uFillTx/>
+              <a:latin typeface="Arial" panose="020B0604020202020204" pitchFamily="34" charset="0"/>
+              <a:ea typeface="+mn-ea"/>
+              <a:cs typeface="Arial" panose="020B0604020202020204" pitchFamily="34" charset="0"/>
+            </a:endParaRPr>
+          </a:p>
+        </p:txBody>
+      </p:sp>
+      <p:pic>
+        <p:nvPicPr>
+          <p:cNvPr id="4" name="Picture 3">
+            <a:extLst>
+              <a:ext uri="{FF2B5EF4-FFF2-40B4-BE49-F238E27FC236}">
+                <a16:creationId xmlns:a16="http://schemas.microsoft.com/office/drawing/2014/main" id="{8CDCCE88-5128-7C70-7B76-A77120B6EC23}"/>
+              </a:ext>
+            </a:extLst>
+          </p:cNvPr>
+          <p:cNvPicPr>
+            <a:picLocks noChangeAspect="1"/>
+          </p:cNvPicPr>
+          <p:nvPr/>
+        </p:nvPicPr>
+        <p:blipFill>
+          <a:blip r:embed="rId2"/>
+          <a:stretch>
+            <a:fillRect/>
+          </a:stretch>
+        </p:blipFill>
+        <p:spPr>
+          <a:xfrm>
+            <a:off x="2213634" y="2318794"/>
+            <a:ext cx="7764731" cy="3149134"/>
+          </a:xfrm>
+          <a:prstGeom prst="rect">
+            <a:avLst/>
+          </a:prstGeom>
+        </p:spPr>
+      </p:pic>
+    </p:spTree>
+    <p:extLst>
+      <p:ext uri="{BB962C8B-B14F-4D97-AF65-F5344CB8AC3E}">
+        <p14:creationId xmlns:p14="http://schemas.microsoft.com/office/powerpoint/2010/main" val="125256138"/>
+      </p:ext>
+    </p:extLst>
+  </p:cSld>
+  <p:clrMapOvr>
+    <a:masterClrMapping/>
+  </p:clrMapOvr>
+</p:sld>
+</file>
+
+<file path=ppt/slides/slide7.xml><?xml version="1.0" encoding="utf-8"?>
+<p:sld xmlns:a="http://schemas.openxmlformats.org/drawingml/2006/main" xmlns:r="http://schemas.openxmlformats.org/officeDocument/2006/relationships" xmlns:p="http://schemas.openxmlformats.org/presentationml/2006/main">
+  <p:cSld>
+    <p:bg>
+      <p:bgPr>
+        <a:solidFill>
+          <a:schemeClr val="tx1"/>
+        </a:solidFill>
+        <a:effectLst/>
+      </p:bgPr>
+    </p:bg>
+    <p:spTree>
+      <p:nvGrpSpPr>
+        <p:cNvPr id="1" name=""/>
+        <p:cNvGrpSpPr/>
+        <p:nvPr/>
+      </p:nvGrpSpPr>
+      <p:grpSpPr>
+        <a:xfrm>
+          <a:off x="0" y="0"/>
+          <a:ext cx="0" cy="0"/>
+          <a:chOff x="0" y="0"/>
+          <a:chExt cx="0" cy="0"/>
+        </a:xfrm>
+      </p:grpSpPr>
+      <p:sp>
+        <p:nvSpPr>
+          <p:cNvPr id="7" name="TextBox 6">
+            <a:extLst>
+              <a:ext uri="{FF2B5EF4-FFF2-40B4-BE49-F238E27FC236}">
+                <a16:creationId xmlns:a16="http://schemas.microsoft.com/office/drawing/2014/main" id="{77B67BE7-3D6C-4ADC-227D-41269AC9C62D}"/>
+              </a:ext>
+            </a:extLst>
+          </p:cNvPr>
+          <p:cNvSpPr txBox="1"/>
+          <p:nvPr/>
+        </p:nvSpPr>
+        <p:spPr>
+          <a:xfrm>
+            <a:off x="5049078" y="636104"/>
+            <a:ext cx="4880113" cy="707886"/>
+          </a:xfrm>
+          <a:prstGeom prst="rect">
+            <a:avLst/>
+          </a:prstGeom>
+          <a:noFill/>
+        </p:spPr>
+        <p:txBody>
+          <a:bodyPr wrap="square" rtlCol="0">
+            <a:spAutoFit/>
+          </a:bodyPr>
+          <a:lstStyle/>
+          <a:p>
+            <a:r>
+              <a:rPr lang="en-US" sz="4000" dirty="0">
+                <a:solidFill>
+                  <a:schemeClr val="bg1"/>
+                </a:solidFill>
+                <a:latin typeface="Arial" panose="020B0604020202020204" pitchFamily="34" charset="0"/>
+                <a:cs typeface="Arial" panose="020B0604020202020204" pitchFamily="34" charset="0"/>
+              </a:rPr>
+              <a:t>CIAM Portal</a:t>
+            </a:r>
+            <a:endParaRPr lang="en-NZ" sz="4000" dirty="0">
+              <a:solidFill>
+                <a:schemeClr val="bg1"/>
+              </a:solidFill>
+              <a:latin typeface="Arial" panose="020B0604020202020204" pitchFamily="34" charset="0"/>
+              <a:cs typeface="Arial" panose="020B0604020202020204" pitchFamily="34" charset="0"/>
+            </a:endParaRPr>
+          </a:p>
+        </p:txBody>
+      </p:sp>
+      <p:sp>
+        <p:nvSpPr>
+          <p:cNvPr id="5" name="TextBox 4">
+            <a:extLst>
+              <a:ext uri="{FF2B5EF4-FFF2-40B4-BE49-F238E27FC236}">
+                <a16:creationId xmlns:a16="http://schemas.microsoft.com/office/drawing/2014/main" id="{7C0360A3-F907-4780-29D9-3AF4B45ACDE7}"/>
+              </a:ext>
+            </a:extLst>
+          </p:cNvPr>
+          <p:cNvSpPr txBox="1"/>
+          <p:nvPr/>
+        </p:nvSpPr>
+        <p:spPr>
+          <a:xfrm>
+            <a:off x="2521527" y="2819523"/>
+            <a:ext cx="7148945" cy="2862322"/>
+          </a:xfrm>
+          <a:prstGeom prst="rect">
+            <a:avLst/>
+          </a:prstGeom>
+          <a:noFill/>
+        </p:spPr>
+        <p:txBody>
+          <a:bodyPr wrap="square" rtlCol="0">
+            <a:spAutoFit/>
+          </a:bodyPr>
+          <a:lstStyle/>
+          <a:p>
+            <a:r>
+              <a:rPr lang="en-US" sz="6000" dirty="0">
+                <a:solidFill>
+                  <a:schemeClr val="bg1"/>
+                </a:solidFill>
+                <a:latin typeface="Arial" panose="020B0604020202020204" pitchFamily="34" charset="0"/>
+                <a:cs typeface="Arial" panose="020B0604020202020204" pitchFamily="34" charset="0"/>
+              </a:rPr>
+              <a:t>Demo</a:t>
+            </a:r>
+          </a:p>
+          <a:p>
+            <a:endParaRPr lang="en-US" sz="6000" dirty="0">
+              <a:solidFill>
+                <a:schemeClr val="bg1"/>
+              </a:solidFill>
+              <a:latin typeface="Arial" panose="020B0604020202020204" pitchFamily="34" charset="0"/>
+              <a:cs typeface="Arial" panose="020B0604020202020204" pitchFamily="34" charset="0"/>
+            </a:endParaRPr>
+          </a:p>
+          <a:p>
+            <a:r>
+              <a:rPr lang="en-US" sz="6000" dirty="0">
+                <a:solidFill>
+                  <a:schemeClr val="bg1"/>
+                </a:solidFill>
+                <a:latin typeface="Arial" panose="020B0604020202020204" pitchFamily="34" charset="0"/>
+                <a:cs typeface="Arial" panose="020B0604020202020204" pitchFamily="34" charset="0"/>
+                <a:hlinkClick r:id="rId2">
+                  <a:extLst>
+                    <a:ext uri="{A12FA001-AC4F-418D-AE19-62706E023703}">
+                      <ahyp:hlinkClr xmlns:ahyp="http://schemas.microsoft.com/office/drawing/2018/hyperlinkcolor" val="tx"/>
+                    </a:ext>
+                  </a:extLst>
+                </a:hlinkClick>
+              </a:rPr>
+              <a:t>Configuration flow</a:t>
+            </a:r>
+            <a:endParaRPr lang="en-NZ" sz="6000" dirty="0">
+              <a:solidFill>
+                <a:schemeClr val="bg1"/>
+              </a:solidFill>
+              <a:latin typeface="Arial" panose="020B0604020202020204" pitchFamily="34" charset="0"/>
+              <a:cs typeface="Arial" panose="020B0604020202020204" pitchFamily="34" charset="0"/>
+            </a:endParaRPr>
+          </a:p>
+        </p:txBody>
+      </p:sp>
+    </p:spTree>
+    <p:extLst>
+      <p:ext uri="{BB962C8B-B14F-4D97-AF65-F5344CB8AC3E}">
+        <p14:creationId xmlns:p14="http://schemas.microsoft.com/office/powerpoint/2010/main" val="4030357150"/>
+      </p:ext>
+    </p:extLst>
+  </p:cSld>
+  <p:clrMapOvr>
+    <a:masterClrMapping/>
+  </p:clrMapOvr>
+</p:sld>
+</file>
+
+<file path=ppt/slides/slide8.xml><?xml version="1.0" encoding="utf-8"?>
+<p:sld xmlns:a="http://schemas.openxmlformats.org/drawingml/2006/main" xmlns:r="http://schemas.openxmlformats.org/officeDocument/2006/relationships" xmlns:p="http://schemas.openxmlformats.org/presentationml/2006/main">
+  <p:cSld>
+    <p:bg>
+      <p:bgPr>
+        <a:solidFill>
+          <a:schemeClr val="tx1"/>
+        </a:solidFill>
+        <a:effectLst/>
+      </p:bgPr>
+    </p:bg>
+    <p:spTree>
+      <p:nvGrpSpPr>
+        <p:cNvPr id="1" name=""/>
+        <p:cNvGrpSpPr/>
+        <p:nvPr/>
+      </p:nvGrpSpPr>
+      <p:grpSpPr>
+        <a:xfrm>
+          <a:off x="0" y="0"/>
+          <a:ext cx="0" cy="0"/>
+          <a:chOff x="0" y="0"/>
+          <a:chExt cx="0" cy="0"/>
+        </a:xfrm>
+      </p:grpSpPr>
+      <p:sp>
+        <p:nvSpPr>
+          <p:cNvPr id="7" name="TextBox 6">
+            <a:extLst>
+              <a:ext uri="{FF2B5EF4-FFF2-40B4-BE49-F238E27FC236}">
+                <a16:creationId xmlns:a16="http://schemas.microsoft.com/office/drawing/2014/main" id="{77B67BE7-3D6C-4ADC-227D-41269AC9C62D}"/>
+              </a:ext>
+            </a:extLst>
+          </p:cNvPr>
+          <p:cNvSpPr txBox="1"/>
+          <p:nvPr/>
+        </p:nvSpPr>
+        <p:spPr>
+          <a:xfrm>
+            <a:off x="5049078" y="636104"/>
+            <a:ext cx="6180897" cy="707886"/>
+          </a:xfrm>
+          <a:prstGeom prst="rect">
+            <a:avLst/>
+          </a:prstGeom>
+          <a:noFill/>
+        </p:spPr>
+        <p:txBody>
+          <a:bodyPr wrap="square" rtlCol="0">
+            <a:spAutoFit/>
+          </a:bodyPr>
+          <a:lstStyle/>
+          <a:p>
+            <a:pPr marL="0" marR="0" lvl="0" indent="0" algn="l" defTabSz="457200" rtl="0" eaLnBrk="1" fontAlgn="auto" latinLnBrk="0" hangingPunct="1">
+              <a:lnSpc>
+                <a:spcPct val="100000"/>
+              </a:lnSpc>
+              <a:spcBef>
+                <a:spcPts val="0"/>
+              </a:spcBef>
+              <a:spcAft>
+                <a:spcPts val="0"/>
+              </a:spcAft>
+              <a:buClrTx/>
+              <a:buSzTx/>
+              <a:buFontTx/>
+              <a:buNone/>
+              <a:tabLst/>
+              <a:defRPr/>
+            </a:pPr>
+            <a:r>
+              <a:rPr kumimoji="0" lang="en-US" sz="4000" b="0" i="0" u="none" strike="noStrike" kern="1200" cap="none" spc="0" normalizeH="0" baseline="0" noProof="0" dirty="0">
+                <a:ln>
+                  <a:noFill/>
+                </a:ln>
+                <a:solidFill>
+                  <a:prstClr val="black"/>
+                </a:solidFill>
+                <a:effectLst/>
+                <a:uLnTx/>
+                <a:uFillTx/>
+                <a:latin typeface="Arial" panose="020B0604020202020204" pitchFamily="34" charset="0"/>
+                <a:ea typeface="+mn-ea"/>
+                <a:cs typeface="Arial" panose="020B0604020202020204" pitchFamily="34" charset="0"/>
+              </a:rPr>
+              <a:t>Sample CIAM Application</a:t>
+            </a:r>
+            <a:endParaRPr kumimoji="0" lang="en-NZ" sz="4000" b="0" i="0" u="none" strike="noStrike" kern="1200" cap="none" spc="0" normalizeH="0" baseline="0" noProof="0" dirty="0">
+              <a:ln>
+                <a:noFill/>
+              </a:ln>
+              <a:solidFill>
+                <a:prstClr val="black"/>
+              </a:solidFill>
+              <a:effectLst/>
+              <a:uLnTx/>
+              <a:uFillTx/>
+              <a:latin typeface="Arial" panose="020B0604020202020204" pitchFamily="34" charset="0"/>
+              <a:ea typeface="+mn-ea"/>
+              <a:cs typeface="Arial" panose="020B0604020202020204" pitchFamily="34" charset="0"/>
+            </a:endParaRPr>
+          </a:p>
+        </p:txBody>
+      </p:sp>
+      <p:pic>
+        <p:nvPicPr>
+          <p:cNvPr id="3" name="Picture 2">
+            <a:extLst>
+              <a:ext uri="{FF2B5EF4-FFF2-40B4-BE49-F238E27FC236}">
+                <a16:creationId xmlns:a16="http://schemas.microsoft.com/office/drawing/2014/main" id="{F7E742E0-AA5C-FAFB-174A-A6DED8D5D903}"/>
+              </a:ext>
+            </a:extLst>
+          </p:cNvPr>
+          <p:cNvPicPr>
+            <a:picLocks noChangeAspect="1"/>
+          </p:cNvPicPr>
+          <p:nvPr/>
+        </p:nvPicPr>
+        <p:blipFill>
+          <a:blip r:embed="rId2"/>
+          <a:stretch>
+            <a:fillRect/>
+          </a:stretch>
+        </p:blipFill>
+        <p:spPr>
+          <a:xfrm>
+            <a:off x="895350" y="1689652"/>
+            <a:ext cx="10643980" cy="4999382"/>
+          </a:xfrm>
+          <a:prstGeom prst="rect">
+            <a:avLst/>
+          </a:prstGeom>
+        </p:spPr>
+      </p:pic>
+    </p:spTree>
+    <p:extLst>
+      <p:ext uri="{BB962C8B-B14F-4D97-AF65-F5344CB8AC3E}">
+        <p14:creationId xmlns:p14="http://schemas.microsoft.com/office/powerpoint/2010/main" val="1483417092"/>
+      </p:ext>
+    </p:extLst>
+  </p:cSld>
+  <p:clrMapOvr>
+    <a:masterClrMapping/>
+  </p:clrMapOvr>
+</p:sld>
+</file>
+
+<file path=ppt/slides/slide9.xml><?xml version="1.0" encoding="utf-8"?>
 <p:sld xmlns:a="http://schemas.openxmlformats.org/drawingml/2006/main" xmlns:r="http://schemas.openxmlformats.org/officeDocument/2006/relationships" xmlns:p="http://schemas.openxmlformats.org/presentationml/2006/main">
   <p:cSld>
     <p:bg>
@@ -7013,18 +8957,11 @@
           <a:p>
             <a:pPr algn="ctr"/>
             <a:r>
-              <a:rPr lang="en-US" sz="4000" dirty="0" err="1">
-                <a:latin typeface="Arial" panose="020B0604020202020204" pitchFamily="34" charset="0"/>
-                <a:cs typeface="Arial" panose="020B0604020202020204" pitchFamily="34" charset="0"/>
-              </a:rPr>
-              <a:t>Entra</a:t>
-            </a:r>
-            <a:r>
               <a:rPr lang="en-US" sz="4000" dirty="0">
                 <a:latin typeface="Arial" panose="020B0604020202020204" pitchFamily="34" charset="0"/>
                 <a:cs typeface="Arial" panose="020B0604020202020204" pitchFamily="34" charset="0"/>
               </a:rPr>
-              <a:t> Verified ID</a:t>
+              <a:t>Entra Verified ID</a:t>
             </a:r>
           </a:p>
         </p:txBody>
@@ -7048,7 +8985,7 @@
         <p:spPr>
           <a:xfrm>
             <a:off x="2957513" y="3268662"/>
-            <a:ext cx="7453312" cy="3589338"/>
+            <a:ext cx="7453312" cy="2005302"/>
           </a:xfrm>
         </p:spPr>
         <p:txBody>
@@ -7084,6 +9021,19 @@
                 <a:cs typeface="Arial" panose="020B0604020202020204" pitchFamily="34" charset="0"/>
               </a:rPr>
               <a:t> Identity</a:t>
+            </a:r>
+          </a:p>
+          <a:p>
+            <a:pPr indent="-228600">
+              <a:buFont typeface="Arial" panose="020B0604020202020204" pitchFamily="34" charset="0"/>
+              <a:buChar char="•"/>
+            </a:pPr>
+            <a:r>
+              <a:rPr lang="en-US" sz="3600" dirty="0">
+                <a:latin typeface="Arial" panose="020B0604020202020204" pitchFamily="34" charset="0"/>
+                <a:cs typeface="Arial" panose="020B0604020202020204" pitchFamily="34" charset="0"/>
+              </a:rPr>
+              <a:t>Ashley Madison !!!</a:t>
             </a:r>
           </a:p>
           <a:p>
@@ -7104,516 +9054,6 @@
   </p:cSld>
   <p:clrMapOvr>
     <a:overrideClrMapping bg1="lt1" tx1="dk1" bg2="lt2" tx2="dk2" accent1="accent1" accent2="accent2" accent3="accent3" accent4="accent4" accent5="accent5" accent6="accent6" hlink="hlink" folHlink="folHlink"/>
-  </p:clrMapOvr>
-</p:sld>
-</file>
-
-<file path=ppt/slides/slide7.xml><?xml version="1.0" encoding="utf-8"?>
-<p:sld xmlns:a="http://schemas.openxmlformats.org/drawingml/2006/main" xmlns:r="http://schemas.openxmlformats.org/officeDocument/2006/relationships" xmlns:p="http://schemas.openxmlformats.org/presentationml/2006/main">
-  <p:cSld>
-    <p:bg>
-      <p:bgPr>
-        <a:solidFill>
-          <a:schemeClr val="tx1"/>
-        </a:solidFill>
-        <a:effectLst/>
-      </p:bgPr>
-    </p:bg>
-    <p:spTree>
-      <p:nvGrpSpPr>
-        <p:cNvPr id="1" name=""/>
-        <p:cNvGrpSpPr/>
-        <p:nvPr/>
-      </p:nvGrpSpPr>
-      <p:grpSpPr>
-        <a:xfrm>
-          <a:off x="0" y="0"/>
-          <a:ext cx="0" cy="0"/>
-          <a:chOff x="0" y="0"/>
-          <a:chExt cx="0" cy="0"/>
-        </a:xfrm>
-      </p:grpSpPr>
-      <p:pic>
-        <p:nvPicPr>
-          <p:cNvPr id="5" name="Picture 4">
-            <a:extLst>
-              <a:ext uri="{FF2B5EF4-FFF2-40B4-BE49-F238E27FC236}">
-                <a16:creationId xmlns:a16="http://schemas.microsoft.com/office/drawing/2014/main" id="{26B1F25D-99CB-9537-1582-A7009C8DB08C}"/>
-              </a:ext>
-            </a:extLst>
-          </p:cNvPr>
-          <p:cNvPicPr>
-            <a:picLocks noChangeAspect="1"/>
-          </p:cNvPicPr>
-          <p:nvPr/>
-        </p:nvPicPr>
-        <p:blipFill>
-          <a:blip r:embed="rId2"/>
-          <a:stretch>
-            <a:fillRect/>
-          </a:stretch>
-        </p:blipFill>
-        <p:spPr>
-          <a:xfrm>
-            <a:off x="1929699" y="2037522"/>
-            <a:ext cx="8332601" cy="4746265"/>
-          </a:xfrm>
-          <a:prstGeom prst="rect">
-            <a:avLst/>
-          </a:prstGeom>
-        </p:spPr>
-      </p:pic>
-      <p:sp>
-        <p:nvSpPr>
-          <p:cNvPr id="7" name="TextBox 6">
-            <a:extLst>
-              <a:ext uri="{FF2B5EF4-FFF2-40B4-BE49-F238E27FC236}">
-                <a16:creationId xmlns:a16="http://schemas.microsoft.com/office/drawing/2014/main" id="{77B67BE7-3D6C-4ADC-227D-41269AC9C62D}"/>
-              </a:ext>
-            </a:extLst>
-          </p:cNvPr>
-          <p:cNvSpPr txBox="1"/>
-          <p:nvPr/>
-        </p:nvSpPr>
-        <p:spPr>
-          <a:xfrm>
-            <a:off x="5049078" y="636104"/>
-            <a:ext cx="4880113" cy="707886"/>
-          </a:xfrm>
-          <a:prstGeom prst="rect">
-            <a:avLst/>
-          </a:prstGeom>
-          <a:noFill/>
-        </p:spPr>
-        <p:txBody>
-          <a:bodyPr wrap="square" rtlCol="0">
-            <a:spAutoFit/>
-          </a:bodyPr>
-          <a:lstStyle/>
-          <a:p>
-            <a:r>
-              <a:rPr lang="en-US" sz="4000" dirty="0">
-                <a:solidFill>
-                  <a:schemeClr val="bg1"/>
-                </a:solidFill>
-                <a:latin typeface="Arial" panose="020B0604020202020204" pitchFamily="34" charset="0"/>
-                <a:cs typeface="Arial" panose="020B0604020202020204" pitchFamily="34" charset="0"/>
-              </a:rPr>
-              <a:t>VC sample scenario</a:t>
-            </a:r>
-            <a:endParaRPr lang="en-NZ" sz="4000" dirty="0">
-              <a:solidFill>
-                <a:schemeClr val="bg1"/>
-              </a:solidFill>
-              <a:latin typeface="Arial" panose="020B0604020202020204" pitchFamily="34" charset="0"/>
-              <a:cs typeface="Arial" panose="020B0604020202020204" pitchFamily="34" charset="0"/>
-            </a:endParaRPr>
-          </a:p>
-        </p:txBody>
-      </p:sp>
-    </p:spTree>
-    <p:extLst>
-      <p:ext uri="{BB962C8B-B14F-4D97-AF65-F5344CB8AC3E}">
-        <p14:creationId xmlns:p14="http://schemas.microsoft.com/office/powerpoint/2010/main" val="3597088380"/>
-      </p:ext>
-    </p:extLst>
-  </p:cSld>
-  <p:clrMapOvr>
-    <a:masterClrMapping/>
-  </p:clrMapOvr>
-</p:sld>
-</file>
-
-<file path=ppt/slides/slide8.xml><?xml version="1.0" encoding="utf-8"?>
-<p:sld xmlns:a="http://schemas.openxmlformats.org/drawingml/2006/main" xmlns:r="http://schemas.openxmlformats.org/officeDocument/2006/relationships" xmlns:p="http://schemas.openxmlformats.org/presentationml/2006/main">
-  <p:cSld>
-    <p:bg>
-      <p:bgPr>
-        <a:solidFill>
-          <a:schemeClr val="tx1"/>
-        </a:solidFill>
-        <a:effectLst/>
-      </p:bgPr>
-    </p:bg>
-    <p:spTree>
-      <p:nvGrpSpPr>
-        <p:cNvPr id="1" name=""/>
-        <p:cNvGrpSpPr/>
-        <p:nvPr/>
-      </p:nvGrpSpPr>
-      <p:grpSpPr>
-        <a:xfrm>
-          <a:off x="0" y="0"/>
-          <a:ext cx="0" cy="0"/>
-          <a:chOff x="0" y="0"/>
-          <a:chExt cx="0" cy="0"/>
-        </a:xfrm>
-      </p:grpSpPr>
-      <p:sp>
-        <p:nvSpPr>
-          <p:cNvPr id="7" name="TextBox 6">
-            <a:extLst>
-              <a:ext uri="{FF2B5EF4-FFF2-40B4-BE49-F238E27FC236}">
-                <a16:creationId xmlns:a16="http://schemas.microsoft.com/office/drawing/2014/main" id="{77B67BE7-3D6C-4ADC-227D-41269AC9C62D}"/>
-              </a:ext>
-            </a:extLst>
-          </p:cNvPr>
-          <p:cNvSpPr txBox="1"/>
-          <p:nvPr/>
-        </p:nvSpPr>
-        <p:spPr>
-          <a:xfrm>
-            <a:off x="5049078" y="636104"/>
-            <a:ext cx="4880113" cy="707886"/>
-          </a:xfrm>
-          <a:prstGeom prst="rect">
-            <a:avLst/>
-          </a:prstGeom>
-          <a:noFill/>
-        </p:spPr>
-        <p:txBody>
-          <a:bodyPr wrap="square" rtlCol="0">
-            <a:spAutoFit/>
-          </a:bodyPr>
-          <a:lstStyle/>
-          <a:p>
-            <a:pPr marL="0" marR="0" lvl="0" indent="0" algn="l" defTabSz="457200" rtl="0" eaLnBrk="1" fontAlgn="auto" latinLnBrk="0" hangingPunct="1">
-              <a:lnSpc>
-                <a:spcPct val="100000"/>
-              </a:lnSpc>
-              <a:spcBef>
-                <a:spcPts val="0"/>
-              </a:spcBef>
-              <a:spcAft>
-                <a:spcPts val="0"/>
-              </a:spcAft>
-              <a:buClrTx/>
-              <a:buSzTx/>
-              <a:buFontTx/>
-              <a:buNone/>
-              <a:tabLst/>
-              <a:defRPr/>
-            </a:pPr>
-            <a:r>
-              <a:rPr kumimoji="0" lang="en-US" sz="4000" b="0" i="0" u="none" strike="noStrike" kern="1200" cap="none" spc="0" normalizeH="0" baseline="0" noProof="0" dirty="0">
-                <a:ln>
-                  <a:noFill/>
-                </a:ln>
-                <a:solidFill>
-                  <a:prstClr val="black"/>
-                </a:solidFill>
-                <a:effectLst/>
-                <a:uLnTx/>
-                <a:uFillTx/>
-                <a:latin typeface="Arial" panose="020B0604020202020204" pitchFamily="34" charset="0"/>
-                <a:ea typeface="+mn-ea"/>
-                <a:cs typeface="Arial" panose="020B0604020202020204" pitchFamily="34" charset="0"/>
-              </a:rPr>
-              <a:t>VC REST API Flow</a:t>
-            </a:r>
-            <a:endParaRPr kumimoji="0" lang="en-NZ" sz="4000" b="0" i="0" u="none" strike="noStrike" kern="1200" cap="none" spc="0" normalizeH="0" baseline="0" noProof="0" dirty="0">
-              <a:ln>
-                <a:noFill/>
-              </a:ln>
-              <a:solidFill>
-                <a:prstClr val="black"/>
-              </a:solidFill>
-              <a:effectLst/>
-              <a:uLnTx/>
-              <a:uFillTx/>
-              <a:latin typeface="Arial" panose="020B0604020202020204" pitchFamily="34" charset="0"/>
-              <a:ea typeface="+mn-ea"/>
-              <a:cs typeface="Arial" panose="020B0604020202020204" pitchFamily="34" charset="0"/>
-            </a:endParaRPr>
-          </a:p>
-        </p:txBody>
-      </p:sp>
-      <p:pic>
-        <p:nvPicPr>
-          <p:cNvPr id="3" name="Picture 2">
-            <a:extLst>
-              <a:ext uri="{FF2B5EF4-FFF2-40B4-BE49-F238E27FC236}">
-                <a16:creationId xmlns:a16="http://schemas.microsoft.com/office/drawing/2014/main" id="{17034323-9D01-1319-4248-A4D9F6965633}"/>
-              </a:ext>
-            </a:extLst>
-          </p:cNvPr>
-          <p:cNvPicPr>
-            <a:picLocks noChangeAspect="1"/>
-          </p:cNvPicPr>
-          <p:nvPr/>
-        </p:nvPicPr>
-        <p:blipFill>
-          <a:blip r:embed="rId2"/>
-          <a:stretch>
-            <a:fillRect/>
-          </a:stretch>
-        </p:blipFill>
-        <p:spPr>
-          <a:xfrm>
-            <a:off x="1658178" y="1748786"/>
-            <a:ext cx="8875644" cy="4950188"/>
-          </a:xfrm>
-          <a:prstGeom prst="rect">
-            <a:avLst/>
-          </a:prstGeom>
-        </p:spPr>
-      </p:pic>
-    </p:spTree>
-    <p:extLst>
-      <p:ext uri="{BB962C8B-B14F-4D97-AF65-F5344CB8AC3E}">
-        <p14:creationId xmlns:p14="http://schemas.microsoft.com/office/powerpoint/2010/main" val="529287972"/>
-      </p:ext>
-    </p:extLst>
-  </p:cSld>
-  <p:clrMapOvr>
-    <a:masterClrMapping/>
-  </p:clrMapOvr>
-</p:sld>
-</file>
-
-<file path=ppt/slides/slide9.xml><?xml version="1.0" encoding="utf-8"?>
-<p:sld xmlns:a="http://schemas.openxmlformats.org/drawingml/2006/main" xmlns:r="http://schemas.openxmlformats.org/officeDocument/2006/relationships" xmlns:p="http://schemas.openxmlformats.org/presentationml/2006/main">
-  <p:cSld>
-    <p:bg>
-      <p:bgPr>
-        <a:solidFill>
-          <a:schemeClr val="tx1"/>
-        </a:solidFill>
-        <a:effectLst/>
-      </p:bgPr>
-    </p:bg>
-    <p:spTree>
-      <p:nvGrpSpPr>
-        <p:cNvPr id="1" name=""/>
-        <p:cNvGrpSpPr/>
-        <p:nvPr/>
-      </p:nvGrpSpPr>
-      <p:grpSpPr>
-        <a:xfrm>
-          <a:off x="0" y="0"/>
-          <a:ext cx="0" cy="0"/>
-          <a:chOff x="0" y="0"/>
-          <a:chExt cx="0" cy="0"/>
-        </a:xfrm>
-      </p:grpSpPr>
-      <p:sp>
-        <p:nvSpPr>
-          <p:cNvPr id="7" name="TextBox 6">
-            <a:extLst>
-              <a:ext uri="{FF2B5EF4-FFF2-40B4-BE49-F238E27FC236}">
-                <a16:creationId xmlns:a16="http://schemas.microsoft.com/office/drawing/2014/main" id="{77B67BE7-3D6C-4ADC-227D-41269AC9C62D}"/>
-              </a:ext>
-            </a:extLst>
-          </p:cNvPr>
-          <p:cNvSpPr txBox="1"/>
-          <p:nvPr/>
-        </p:nvSpPr>
-        <p:spPr>
-          <a:xfrm>
-            <a:off x="5049078" y="636104"/>
-            <a:ext cx="4880113" cy="707886"/>
-          </a:xfrm>
-          <a:prstGeom prst="rect">
-            <a:avLst/>
-          </a:prstGeom>
-          <a:noFill/>
-        </p:spPr>
-        <p:txBody>
-          <a:bodyPr wrap="square" rtlCol="0">
-            <a:spAutoFit/>
-          </a:bodyPr>
-          <a:lstStyle/>
-          <a:p>
-            <a:pPr marL="0" marR="0" lvl="0" indent="0" algn="l" defTabSz="457200" rtl="0" eaLnBrk="1" fontAlgn="auto" latinLnBrk="0" hangingPunct="1">
-              <a:lnSpc>
-                <a:spcPct val="100000"/>
-              </a:lnSpc>
-              <a:spcBef>
-                <a:spcPts val="0"/>
-              </a:spcBef>
-              <a:spcAft>
-                <a:spcPts val="0"/>
-              </a:spcAft>
-              <a:buClrTx/>
-              <a:buSzTx/>
-              <a:buFontTx/>
-              <a:buNone/>
-              <a:tabLst/>
-              <a:defRPr/>
-            </a:pPr>
-            <a:r>
-              <a:rPr kumimoji="0" lang="en-US" sz="4000" b="0" i="0" u="none" strike="noStrike" kern="1200" cap="none" spc="0" normalizeH="0" baseline="0" noProof="0" dirty="0">
-                <a:ln>
-                  <a:noFill/>
-                </a:ln>
-                <a:solidFill>
-                  <a:prstClr val="black"/>
-                </a:solidFill>
-                <a:effectLst/>
-                <a:uLnTx/>
-                <a:uFillTx/>
-                <a:latin typeface="Arial" panose="020B0604020202020204" pitchFamily="34" charset="0"/>
-                <a:ea typeface="+mn-ea"/>
-                <a:cs typeface="Arial" panose="020B0604020202020204" pitchFamily="34" charset="0"/>
-              </a:rPr>
-              <a:t>References</a:t>
-            </a:r>
-            <a:endParaRPr kumimoji="0" lang="en-NZ" sz="4000" b="0" i="0" u="none" strike="noStrike" kern="1200" cap="none" spc="0" normalizeH="0" baseline="0" noProof="0" dirty="0">
-              <a:ln>
-                <a:noFill/>
-              </a:ln>
-              <a:solidFill>
-                <a:prstClr val="black"/>
-              </a:solidFill>
-              <a:effectLst/>
-              <a:uLnTx/>
-              <a:uFillTx/>
-              <a:latin typeface="Arial" panose="020B0604020202020204" pitchFamily="34" charset="0"/>
-              <a:ea typeface="+mn-ea"/>
-              <a:cs typeface="Arial" panose="020B0604020202020204" pitchFamily="34" charset="0"/>
-            </a:endParaRPr>
-          </a:p>
-        </p:txBody>
-      </p:sp>
-      <p:sp>
-        <p:nvSpPr>
-          <p:cNvPr id="2" name="TextBox 1">
-            <a:extLst>
-              <a:ext uri="{FF2B5EF4-FFF2-40B4-BE49-F238E27FC236}">
-                <a16:creationId xmlns:a16="http://schemas.microsoft.com/office/drawing/2014/main" id="{923246BE-7785-5124-BACC-0BD42E1C942F}"/>
-              </a:ext>
-            </a:extLst>
-          </p:cNvPr>
-          <p:cNvSpPr txBox="1"/>
-          <p:nvPr/>
-        </p:nvSpPr>
-        <p:spPr>
-          <a:xfrm>
-            <a:off x="657224" y="1876425"/>
-            <a:ext cx="9991725" cy="3416320"/>
-          </a:xfrm>
-          <a:prstGeom prst="rect">
-            <a:avLst/>
-          </a:prstGeom>
-          <a:noFill/>
-        </p:spPr>
-        <p:txBody>
-          <a:bodyPr wrap="square" rtlCol="0">
-            <a:spAutoFit/>
-          </a:bodyPr>
-          <a:lstStyle/>
-          <a:p>
-            <a:r>
-              <a:rPr lang="en-NZ" sz="2000" dirty="0">
-                <a:solidFill>
-                  <a:schemeClr val="bg1"/>
-                </a:solidFill>
-                <a:latin typeface="Arial" panose="020B0604020202020204" pitchFamily="34" charset="0"/>
-                <a:cs typeface="Arial" panose="020B0604020202020204" pitchFamily="34" charset="0"/>
-              </a:rPr>
-              <a:t>https://woodgrovedemo.com/</a:t>
-            </a:r>
-          </a:p>
-          <a:p>
-            <a:endParaRPr lang="en-NZ" sz="2000" dirty="0">
-              <a:solidFill>
-                <a:schemeClr val="bg1"/>
-              </a:solidFill>
-              <a:latin typeface="Arial" panose="020B0604020202020204" pitchFamily="34" charset="0"/>
-              <a:cs typeface="Arial" panose="020B0604020202020204" pitchFamily="34" charset="0"/>
-            </a:endParaRPr>
-          </a:p>
-          <a:p>
-            <a:r>
-              <a:rPr lang="en-NZ" sz="2000" dirty="0">
-                <a:solidFill>
-                  <a:schemeClr val="bg1"/>
-                </a:solidFill>
-                <a:latin typeface="Arial" panose="020B0604020202020204" pitchFamily="34" charset="0"/>
-                <a:cs typeface="Arial" panose="020B0604020202020204" pitchFamily="34" charset="0"/>
-              </a:rPr>
-              <a:t>https://developer.microsoft.com/en-us/identity/customers</a:t>
-            </a:r>
-          </a:p>
-          <a:p>
-            <a:endParaRPr lang="en-NZ" sz="2000" dirty="0">
-              <a:solidFill>
-                <a:schemeClr val="bg1"/>
-              </a:solidFill>
-              <a:latin typeface="Arial" panose="020B0604020202020204" pitchFamily="34" charset="0"/>
-              <a:cs typeface="Arial" panose="020B0604020202020204" pitchFamily="34" charset="0"/>
-            </a:endParaRPr>
-          </a:p>
-          <a:p>
-            <a:r>
-              <a:rPr lang="en-NZ" sz="2000" dirty="0">
-                <a:solidFill>
-                  <a:schemeClr val="bg1"/>
-                </a:solidFill>
-                <a:latin typeface="Arial" panose="020B0604020202020204" pitchFamily="34" charset="0"/>
-                <a:cs typeface="Arial" panose="020B0604020202020204" pitchFamily="34" charset="0"/>
-              </a:rPr>
-              <a:t>https://woodgroveemployee.azurewebsites.net/landing</a:t>
-            </a:r>
-          </a:p>
-          <a:p>
-            <a:endParaRPr lang="en-NZ" sz="2000" dirty="0">
-              <a:solidFill>
-                <a:schemeClr val="bg1"/>
-              </a:solidFill>
-              <a:latin typeface="Arial" panose="020B0604020202020204" pitchFamily="34" charset="0"/>
-              <a:cs typeface="Arial" panose="020B0604020202020204" pitchFamily="34" charset="0"/>
-            </a:endParaRPr>
-          </a:p>
-          <a:p>
-            <a:r>
-              <a:rPr lang="en-NZ" sz="2000" dirty="0">
-                <a:solidFill>
-                  <a:schemeClr val="bg1"/>
-                </a:solidFill>
-                <a:latin typeface="Arial" panose="020B0604020202020204" pitchFamily="34" charset="0"/>
-                <a:cs typeface="Arial" panose="020B0604020202020204" pitchFamily="34" charset="0"/>
-              </a:rPr>
-              <a:t>https://learn.microsoft.com/en-us/azure/active-directory/verifiable-credentials/</a:t>
-            </a:r>
-          </a:p>
-          <a:p>
-            <a:endParaRPr lang="en-NZ" dirty="0">
-              <a:solidFill>
-                <a:schemeClr val="bg1"/>
-              </a:solidFill>
-            </a:endParaRPr>
-          </a:p>
-          <a:p>
-            <a:r>
-              <a:rPr lang="en-NZ" sz="2000" dirty="0">
-                <a:solidFill>
-                  <a:schemeClr val="bg1"/>
-                </a:solidFill>
-                <a:latin typeface="Arial" panose="020B0604020202020204" pitchFamily="34" charset="0"/>
-                <a:cs typeface="Arial" panose="020B0604020202020204" pitchFamily="34" charset="0"/>
-              </a:rPr>
-              <a:t>https://learn.microsoft.com/en-us/azure/active-directory/verifiable-credentials/get-started-request-api</a:t>
-            </a:r>
-          </a:p>
-          <a:p>
-            <a:endParaRPr lang="en-NZ" dirty="0">
-              <a:solidFill>
-                <a:schemeClr val="bg1"/>
-              </a:solidFill>
-            </a:endParaRPr>
-          </a:p>
-        </p:txBody>
-      </p:sp>
-    </p:spTree>
-    <p:extLst>
-      <p:ext uri="{BB962C8B-B14F-4D97-AF65-F5344CB8AC3E}">
-        <p14:creationId xmlns:p14="http://schemas.microsoft.com/office/powerpoint/2010/main" val="3515889630"/>
-      </p:ext>
-    </p:extLst>
-  </p:cSld>
-  <p:clrMapOvr>
-    <a:masterClrMapping/>
   </p:clrMapOvr>
 </p:sld>
 </file>

--- a/Entra-CIAM-and-VC/Entra-CIAM-and-VC.pptx
+++ b/Entra-CIAM-and-VC/Entra-CIAM-and-VC.pptx
@@ -5,30 +5,18 @@
     <p:sldMasterId id="2147483648" r:id="rId4"/>
   </p:sldMasterIdLst>
   <p:notesMasterIdLst>
-    <p:notesMasterId r:id="rId26"/>
+    <p:notesMasterId r:id="rId14"/>
   </p:notesMasterIdLst>
   <p:sldIdLst>
     <p:sldId id="256" r:id="rId5"/>
     <p:sldId id="264" r:id="rId6"/>
-    <p:sldId id="266" r:id="rId7"/>
-    <p:sldId id="267" r:id="rId8"/>
-    <p:sldId id="278" r:id="rId9"/>
-    <p:sldId id="261" r:id="rId10"/>
-    <p:sldId id="271" r:id="rId11"/>
-    <p:sldId id="280" r:id="rId12"/>
-    <p:sldId id="263" r:id="rId13"/>
-    <p:sldId id="269" r:id="rId14"/>
-    <p:sldId id="277" r:id="rId15"/>
-    <p:sldId id="276" r:id="rId16"/>
-    <p:sldId id="279" r:id="rId17"/>
-    <p:sldId id="281" r:id="rId18"/>
-    <p:sldId id="260" r:id="rId19"/>
-    <p:sldId id="274" r:id="rId20"/>
-    <p:sldId id="258" r:id="rId21"/>
-    <p:sldId id="270" r:id="rId22"/>
-    <p:sldId id="272" r:id="rId23"/>
-    <p:sldId id="273" r:id="rId24"/>
-    <p:sldId id="259" r:id="rId25"/>
+    <p:sldId id="265" r:id="rId7"/>
+    <p:sldId id="261" r:id="rId8"/>
+    <p:sldId id="262" r:id="rId9"/>
+    <p:sldId id="263" r:id="rId10"/>
+    <p:sldId id="258" r:id="rId11"/>
+    <p:sldId id="260" r:id="rId12"/>
+    <p:sldId id="259" r:id="rId13"/>
   </p:sldIdLst>
   <p:sldSz cx="12192000" cy="6858000"/>
   <p:notesSz cx="6858000" cy="9144000"/>
@@ -217,7 +205,7 @@
           <a:p>
             <a:fld id="{EDE0A0D5-8F98-4CC1-A28E-021F0B6B475C}" type="datetimeFigureOut">
               <a:rPr lang="en-US" smtClean="0"/>
-              <a:t>9/16/2024</a:t>
+              <a:t>10/23/2023</a:t>
             </a:fld>
             <a:endParaRPr lang="en-US" dirty="0"/>
           </a:p>
@@ -652,7 +640,7 @@
           <a:p>
             <a:fld id="{3A750590-9F9A-443B-9295-A3931D8194B1}" type="datetime1">
               <a:rPr lang="en-US" smtClean="0"/>
-              <a:t>9/16/2024</a:t>
+              <a:t>10/23/2023</a:t>
             </a:fld>
             <a:endParaRPr lang="en-US" dirty="0"/>
           </a:p>
@@ -824,9 +812,10 @@
           </a:lstStyle>
           <a:p>
             <a:r>
-              <a:rPr lang="en-US" dirty="0"/>
+              <a:rPr lang="en-US"/>
               <a:t>Click icon to add picture</a:t>
             </a:r>
+            <a:endParaRPr lang="en-US" dirty="0"/>
           </a:p>
         </p:txBody>
       </p:sp>
@@ -912,7 +901,7 @@
           <a:p>
             <a:fld id="{5F35805F-452B-497C-9BD6-2CDB6902F369}" type="datetime1">
               <a:rPr lang="en-US" smtClean="0"/>
-              <a:t>9/16/2024</a:t>
+              <a:t>10/23/2023</a:t>
             </a:fld>
             <a:endParaRPr lang="en-US" dirty="0"/>
           </a:p>
@@ -1137,7 +1126,7 @@
           <a:p>
             <a:fld id="{FD3F7C6B-C82D-4D42-9929-D6E7E11D9A64}" type="datetime1">
               <a:rPr lang="en-US" smtClean="0"/>
-              <a:t>9/16/2024</a:t>
+              <a:t>10/23/2023</a:t>
             </a:fld>
             <a:endParaRPr lang="en-US" dirty="0"/>
           </a:p>
@@ -1441,7 +1430,7 @@
           <a:p>
             <a:fld id="{10CF4779-62E8-4B21-A5D7-0AFB9DBD4358}" type="datetime1">
               <a:rPr lang="en-US" smtClean="0"/>
-              <a:t>9/16/2024</a:t>
+              <a:t>10/23/2023</a:t>
             </a:fld>
             <a:endParaRPr lang="en-US" dirty="0"/>
           </a:p>
@@ -1908,7 +1897,7 @@
           <a:p>
             <a:fld id="{5F9D3375-5CD0-4576-BF96-ADFF24726FF8}" type="datetime1">
               <a:rPr lang="en-US" smtClean="0"/>
-              <a:t>9/16/2024</a:t>
+              <a:t>10/23/2023</a:t>
             </a:fld>
             <a:endParaRPr lang="en-US" dirty="0"/>
           </a:p>
@@ -2449,7 +2438,7 @@
           <a:p>
             <a:fld id="{6FACD1F8-971E-4F8C-8737-750C12E93E08}" type="datetime1">
               <a:rPr lang="en-US" smtClean="0"/>
-              <a:t>9/16/2024</a:t>
+              <a:t>10/23/2023</a:t>
             </a:fld>
             <a:endParaRPr lang="en-US" dirty="0"/>
           </a:p>
@@ -2692,9 +2681,10 @@
           </a:lstStyle>
           <a:p>
             <a:r>
-              <a:rPr lang="en-US" dirty="0"/>
+              <a:rPr lang="en-US"/>
               <a:t>Click icon to add picture</a:t>
             </a:r>
+            <a:endParaRPr lang="en-US" dirty="0"/>
           </a:p>
         </p:txBody>
       </p:sp>
@@ -2908,9 +2898,10 @@
           </a:lstStyle>
           <a:p>
             <a:r>
-              <a:rPr lang="en-US" dirty="0"/>
+              <a:rPr lang="en-US"/>
               <a:t>Click icon to add picture</a:t>
             </a:r>
+            <a:endParaRPr lang="en-US" dirty="0"/>
           </a:p>
         </p:txBody>
       </p:sp>
@@ -3124,9 +3115,10 @@
           </a:lstStyle>
           <a:p>
             <a:r>
-              <a:rPr lang="en-US" dirty="0"/>
+              <a:rPr lang="en-US"/>
               <a:t>Click icon to add picture</a:t>
             </a:r>
+            <a:endParaRPr lang="en-US" dirty="0"/>
           </a:p>
         </p:txBody>
       </p:sp>
@@ -3214,7 +3206,7 @@
           <a:p>
             <a:fld id="{2C7D1621-FA30-4D98-85E5-1409E6BEECDC}" type="datetime1">
               <a:rPr lang="en-US" smtClean="0"/>
-              <a:t>9/16/2024</a:t>
+              <a:t>10/23/2023</a:t>
             </a:fld>
             <a:endParaRPr lang="en-US" dirty="0"/>
           </a:p>
@@ -3382,7 +3374,7 @@
           <a:p>
             <a:fld id="{1F96F347-1B2F-4097-AEB5-4A26FB45D67A}" type="datetime1">
               <a:rPr lang="en-US" smtClean="0"/>
-              <a:t>9/16/2024</a:t>
+              <a:t>10/23/2023</a:t>
             </a:fld>
             <a:endParaRPr lang="en-US" dirty="0"/>
           </a:p>
@@ -3598,7 +3590,7 @@
           <a:p>
             <a:fld id="{8CC1DEE0-34E5-4E0F-BEC1-4B8835F82CD1}" type="datetime1">
               <a:rPr lang="en-US" smtClean="0"/>
-              <a:t>9/16/2024</a:t>
+              <a:t>10/23/2023</a:t>
             </a:fld>
             <a:endParaRPr lang="en-US" dirty="0"/>
           </a:p>
@@ -3771,7 +3763,7 @@
           <a:p>
             <a:fld id="{3B75B4BE-627A-4EC1-99E1-6F1AA97AB802}" type="datetime1">
               <a:rPr lang="en-US" smtClean="0"/>
-              <a:t>9/16/2024</a:t>
+              <a:t>10/23/2023</a:t>
             </a:fld>
             <a:endParaRPr lang="en-US" dirty="0"/>
           </a:p>
@@ -4054,7 +4046,7 @@
           <a:p>
             <a:fld id="{78BFACF8-E63D-4673-A128-83547867BB7A}" type="datetime1">
               <a:rPr lang="en-US" smtClean="0"/>
-              <a:t>9/16/2024</a:t>
+              <a:t>10/23/2023</a:t>
             </a:fld>
             <a:endParaRPr lang="en-US" dirty="0"/>
           </a:p>
@@ -4288,7 +4280,7 @@
           <a:p>
             <a:fld id="{15BED6AC-4FBA-40BD-BE75-20DB64DA4BAD}" type="datetime1">
               <a:rPr lang="en-US" smtClean="0"/>
-              <a:t>9/16/2024</a:t>
+              <a:t>10/23/2023</a:t>
             </a:fld>
             <a:endParaRPr lang="en-US" dirty="0"/>
           </a:p>
@@ -4659,7 +4651,7 @@
           <a:p>
             <a:fld id="{3F933C87-D201-458A-93C0-8EDD9AC92D93}" type="datetime1">
               <a:rPr lang="en-US" smtClean="0"/>
-              <a:t>9/16/2024</a:t>
+              <a:t>10/23/2023</a:t>
             </a:fld>
             <a:endParaRPr lang="en-US" dirty="0"/>
           </a:p>
@@ -4771,7 +4763,7 @@
           <a:p>
             <a:fld id="{76CE6829-5A25-485A-91B1-5D6D58BB9F23}" type="datetime1">
               <a:rPr lang="en-US" smtClean="0"/>
-              <a:t>9/16/2024</a:t>
+              <a:t>10/23/2023</a:t>
             </a:fld>
             <a:endParaRPr lang="en-US" dirty="0"/>
           </a:p>
@@ -4861,7 +4853,7 @@
           <a:p>
             <a:fld id="{9912F5CD-23D0-4DD1-85B1-71F1825FB3EC}" type="datetime1">
               <a:rPr lang="en-US" smtClean="0"/>
-              <a:t>9/16/2024</a:t>
+              <a:t>10/23/2023</a:t>
             </a:fld>
             <a:endParaRPr lang="en-US" dirty="0"/>
           </a:p>
@@ -5103,7 +5095,7 @@
           <a:p>
             <a:fld id="{38BA5035-C284-496A-B076-BA73A8FA5D8B}" type="datetime1">
               <a:rPr lang="en-US" smtClean="0"/>
-              <a:t>9/16/2024</a:t>
+              <a:t>10/23/2023</a:t>
             </a:fld>
             <a:endParaRPr lang="en-US" dirty="0"/>
           </a:p>
@@ -5265,9 +5257,10 @@
           </a:lstStyle>
           <a:p>
             <a:r>
-              <a:rPr lang="en-US" dirty="0"/>
+              <a:rPr lang="en-US"/>
               <a:t>Click icon to add picture</a:t>
             </a:r>
+            <a:endParaRPr lang="en-US" dirty="0"/>
           </a:p>
         </p:txBody>
       </p:sp>
@@ -5353,7 +5346,7 @@
           <a:p>
             <a:fld id="{B40EB420-1875-490A-8C4B-7AAB939FBE08}" type="datetime1">
               <a:rPr lang="en-US" smtClean="0"/>
-              <a:t>9/16/2024</a:t>
+              <a:t>10/23/2023</a:t>
             </a:fld>
             <a:endParaRPr lang="en-US" dirty="0"/>
           </a:p>
@@ -5589,7 +5582,7 @@
           <a:p>
             <a:fld id="{D9359126-4846-4E88-BDD9-5585CC877E47}" type="datetime1">
               <a:rPr lang="en-US" smtClean="0"/>
-              <a:t>9/16/2024</a:t>
+              <a:t>10/23/2023</a:t>
             </a:fld>
             <a:endParaRPr lang="en-US" dirty="0"/>
           </a:p>
@@ -6047,8 +6040,8 @@
         </p:nvSpPr>
         <p:spPr>
           <a:xfrm>
-            <a:off x="489527" y="1779588"/>
-            <a:ext cx="11212945" cy="1433512"/>
+            <a:off x="4757738" y="763588"/>
+            <a:ext cx="7434262" cy="1433512"/>
           </a:xfrm>
         </p:spPr>
         <p:txBody>
@@ -6057,10 +6050,34 @@
           </a:bodyPr>
           <a:lstStyle/>
           <a:p>
-            <a:pPr algn="l"/>
-            <a:r>
-              <a:rPr lang="en-US" b="1" dirty="0"/>
-              <a:t>A Journey Across Entra External ID (CIAM) and Entra Verifiable Credentials</a:t>
+            <a:pPr algn="ctr"/>
+            <a:r>
+              <a:rPr lang="en-US" sz="4000" dirty="0" err="1">
+                <a:latin typeface="Arial" panose="020B0604020202020204" pitchFamily="34" charset="0"/>
+                <a:cs typeface="Arial" panose="020B0604020202020204" pitchFamily="34" charset="0"/>
+              </a:rPr>
+              <a:t>Entra</a:t>
+            </a:r>
+            <a:r>
+              <a:rPr lang="en-US" sz="4000" dirty="0">
+                <a:latin typeface="Arial" panose="020B0604020202020204" pitchFamily="34" charset="0"/>
+                <a:cs typeface="Arial" panose="020B0604020202020204" pitchFamily="34" charset="0"/>
+              </a:rPr>
+              <a:t> CIAM and </a:t>
+            </a:r>
+            <a:r>
+              <a:rPr lang="en-US" sz="4000" dirty="0" err="1">
+                <a:latin typeface="Arial" panose="020B0604020202020204" pitchFamily="34" charset="0"/>
+                <a:cs typeface="Arial" panose="020B0604020202020204" pitchFamily="34" charset="0"/>
+              </a:rPr>
+              <a:t>Entra</a:t>
+            </a:r>
+            <a:r>
+              <a:rPr lang="en-US" sz="4000" dirty="0">
+                <a:latin typeface="Arial" panose="020B0604020202020204" pitchFamily="34" charset="0"/>
+                <a:cs typeface="Arial" panose="020B0604020202020204" pitchFamily="34" charset="0"/>
+              </a:rPr>
+              <a:t> Verified ID</a:t>
             </a:r>
           </a:p>
         </p:txBody>
@@ -6083,8 +6100,8 @@
         </p:nvSpPr>
         <p:spPr>
           <a:xfrm>
-            <a:off x="2662568" y="4206166"/>
-            <a:ext cx="7453312" cy="2093034"/>
+            <a:off x="3087441" y="2682166"/>
+            <a:ext cx="7453312" cy="3589338"/>
           </a:xfrm>
         </p:spPr>
         <p:txBody>
@@ -6143,6 +6160,12 @@
               </a:rPr>
               <a:t>Blog: https://authory.com/RoryBraybrook</a:t>
             </a:r>
+          </a:p>
+          <a:p>
+            <a:pPr indent="-228600">
+              <a:buFont typeface="Arial" panose="020B0604020202020204" pitchFamily="34" charset="0"/>
+              <a:buChar char="•"/>
+            </a:pPr>
             <a:endParaRPr lang="en-US" sz="2000" dirty="0"/>
           </a:p>
         </p:txBody>
@@ -6156,1272 +6179,6 @@
   </p:cSld>
   <p:clrMapOvr>
     <a:overrideClrMapping bg1="lt1" tx1="dk1" bg2="lt2" tx2="dk2" accent1="accent1" accent2="accent2" accent3="accent3" accent4="accent4" accent5="accent5" accent6="accent6" hlink="hlink" folHlink="folHlink"/>
-  </p:clrMapOvr>
-</p:sld>
-</file>
-
-<file path=ppt/slides/slide10.xml><?xml version="1.0" encoding="utf-8"?>
-<p:sld xmlns:a="http://schemas.openxmlformats.org/drawingml/2006/main" xmlns:r="http://schemas.openxmlformats.org/officeDocument/2006/relationships" xmlns:p="http://schemas.openxmlformats.org/presentationml/2006/main">
-  <p:cSld>
-    <p:bg>
-      <p:bgPr>
-        <a:solidFill>
-          <a:schemeClr val="tx1"/>
-        </a:solidFill>
-        <a:effectLst/>
-      </p:bgPr>
-    </p:bg>
-    <p:spTree>
-      <p:nvGrpSpPr>
-        <p:cNvPr id="1" name=""/>
-        <p:cNvGrpSpPr/>
-        <p:nvPr/>
-      </p:nvGrpSpPr>
-      <p:grpSpPr>
-        <a:xfrm>
-          <a:off x="0" y="0"/>
-          <a:ext cx="0" cy="0"/>
-          <a:chOff x="0" y="0"/>
-          <a:chExt cx="0" cy="0"/>
-        </a:xfrm>
-      </p:grpSpPr>
-      <p:pic>
-        <p:nvPicPr>
-          <p:cNvPr id="5" name="Picture 4">
-            <a:extLst>
-              <a:ext uri="{FF2B5EF4-FFF2-40B4-BE49-F238E27FC236}">
-                <a16:creationId xmlns:a16="http://schemas.microsoft.com/office/drawing/2014/main" id="{26B1F25D-99CB-9537-1582-A7009C8DB08C}"/>
-              </a:ext>
-            </a:extLst>
-          </p:cNvPr>
-          <p:cNvPicPr>
-            <a:picLocks noChangeAspect="1"/>
-          </p:cNvPicPr>
-          <p:nvPr/>
-        </p:nvPicPr>
-        <p:blipFill>
-          <a:blip r:embed="rId2"/>
-          <a:stretch>
-            <a:fillRect/>
-          </a:stretch>
-        </p:blipFill>
-        <p:spPr>
-          <a:xfrm>
-            <a:off x="1929699" y="2037522"/>
-            <a:ext cx="8332601" cy="4746265"/>
-          </a:xfrm>
-          <a:prstGeom prst="rect">
-            <a:avLst/>
-          </a:prstGeom>
-        </p:spPr>
-      </p:pic>
-      <p:sp>
-        <p:nvSpPr>
-          <p:cNvPr id="7" name="TextBox 6">
-            <a:extLst>
-              <a:ext uri="{FF2B5EF4-FFF2-40B4-BE49-F238E27FC236}">
-                <a16:creationId xmlns:a16="http://schemas.microsoft.com/office/drawing/2014/main" id="{77B67BE7-3D6C-4ADC-227D-41269AC9C62D}"/>
-              </a:ext>
-            </a:extLst>
-          </p:cNvPr>
-          <p:cNvSpPr txBox="1"/>
-          <p:nvPr/>
-        </p:nvSpPr>
-        <p:spPr>
-          <a:xfrm>
-            <a:off x="5049078" y="636104"/>
-            <a:ext cx="4880113" cy="707886"/>
-          </a:xfrm>
-          <a:prstGeom prst="rect">
-            <a:avLst/>
-          </a:prstGeom>
-          <a:noFill/>
-        </p:spPr>
-        <p:txBody>
-          <a:bodyPr wrap="square" rtlCol="0">
-            <a:spAutoFit/>
-          </a:bodyPr>
-          <a:lstStyle/>
-          <a:p>
-            <a:r>
-              <a:rPr lang="en-US" sz="4000" dirty="0">
-                <a:solidFill>
-                  <a:schemeClr val="bg1"/>
-                </a:solidFill>
-                <a:latin typeface="Arial" panose="020B0604020202020204" pitchFamily="34" charset="0"/>
-                <a:cs typeface="Arial" panose="020B0604020202020204" pitchFamily="34" charset="0"/>
-              </a:rPr>
-              <a:t>VC sample scenario</a:t>
-            </a:r>
-            <a:endParaRPr lang="en-NZ" sz="4000" dirty="0">
-              <a:solidFill>
-                <a:schemeClr val="bg1"/>
-              </a:solidFill>
-              <a:latin typeface="Arial" panose="020B0604020202020204" pitchFamily="34" charset="0"/>
-              <a:cs typeface="Arial" panose="020B0604020202020204" pitchFamily="34" charset="0"/>
-            </a:endParaRPr>
-          </a:p>
-        </p:txBody>
-      </p:sp>
-    </p:spTree>
-    <p:extLst>
-      <p:ext uri="{BB962C8B-B14F-4D97-AF65-F5344CB8AC3E}">
-        <p14:creationId xmlns:p14="http://schemas.microsoft.com/office/powerpoint/2010/main" val="1140487516"/>
-      </p:ext>
-    </p:extLst>
-  </p:cSld>
-  <p:clrMapOvr>
-    <a:masterClrMapping/>
-  </p:clrMapOvr>
-</p:sld>
-</file>
-
-<file path=ppt/slides/slide11.xml><?xml version="1.0" encoding="utf-8"?>
-<p:sld xmlns:a="http://schemas.openxmlformats.org/drawingml/2006/main" xmlns:r="http://schemas.openxmlformats.org/officeDocument/2006/relationships" xmlns:p="http://schemas.openxmlformats.org/presentationml/2006/main">
-  <p:cSld>
-    <p:bg>
-      <p:bgPr>
-        <a:solidFill>
-          <a:schemeClr val="tx1"/>
-        </a:solidFill>
-        <a:effectLst/>
-      </p:bgPr>
-    </p:bg>
-    <p:spTree>
-      <p:nvGrpSpPr>
-        <p:cNvPr id="1" name=""/>
-        <p:cNvGrpSpPr/>
-        <p:nvPr/>
-      </p:nvGrpSpPr>
-      <p:grpSpPr>
-        <a:xfrm>
-          <a:off x="0" y="0"/>
-          <a:ext cx="0" cy="0"/>
-          <a:chOff x="0" y="0"/>
-          <a:chExt cx="0" cy="0"/>
-        </a:xfrm>
-      </p:grpSpPr>
-      <p:sp>
-        <p:nvSpPr>
-          <p:cNvPr id="7" name="TextBox 6">
-            <a:extLst>
-              <a:ext uri="{FF2B5EF4-FFF2-40B4-BE49-F238E27FC236}">
-                <a16:creationId xmlns:a16="http://schemas.microsoft.com/office/drawing/2014/main" id="{77B67BE7-3D6C-4ADC-227D-41269AC9C62D}"/>
-              </a:ext>
-            </a:extLst>
-          </p:cNvPr>
-          <p:cNvSpPr txBox="1"/>
-          <p:nvPr/>
-        </p:nvSpPr>
-        <p:spPr>
-          <a:xfrm>
-            <a:off x="5049078" y="636104"/>
-            <a:ext cx="4880113" cy="707886"/>
-          </a:xfrm>
-          <a:prstGeom prst="rect">
-            <a:avLst/>
-          </a:prstGeom>
-          <a:noFill/>
-        </p:spPr>
-        <p:txBody>
-          <a:bodyPr wrap="square" rtlCol="0">
-            <a:spAutoFit/>
-          </a:bodyPr>
-          <a:lstStyle/>
-          <a:p>
-            <a:r>
-              <a:rPr lang="en-US" sz="4000" dirty="0">
-                <a:solidFill>
-                  <a:schemeClr val="bg1"/>
-                </a:solidFill>
-                <a:latin typeface="Arial" panose="020B0604020202020204" pitchFamily="34" charset="0"/>
-                <a:cs typeface="Arial" panose="020B0604020202020204" pitchFamily="34" charset="0"/>
-              </a:rPr>
-              <a:t>VC flow</a:t>
-            </a:r>
-            <a:endParaRPr lang="en-NZ" sz="4000" dirty="0">
-              <a:solidFill>
-                <a:schemeClr val="bg1"/>
-              </a:solidFill>
-              <a:latin typeface="Arial" panose="020B0604020202020204" pitchFamily="34" charset="0"/>
-              <a:cs typeface="Arial" panose="020B0604020202020204" pitchFamily="34" charset="0"/>
-            </a:endParaRPr>
-          </a:p>
-        </p:txBody>
-      </p:sp>
-      <p:pic>
-        <p:nvPicPr>
-          <p:cNvPr id="3" name="Picture 2">
-            <a:extLst>
-              <a:ext uri="{FF2B5EF4-FFF2-40B4-BE49-F238E27FC236}">
-                <a16:creationId xmlns:a16="http://schemas.microsoft.com/office/drawing/2014/main" id="{47C723BB-4467-734B-C7BC-285EF415D8F5}"/>
-              </a:ext>
-            </a:extLst>
-          </p:cNvPr>
-          <p:cNvPicPr>
-            <a:picLocks noChangeAspect="1"/>
-          </p:cNvPicPr>
-          <p:nvPr/>
-        </p:nvPicPr>
-        <p:blipFill>
-          <a:blip r:embed="rId2"/>
-          <a:stretch>
-            <a:fillRect/>
-          </a:stretch>
-        </p:blipFill>
-        <p:spPr>
-          <a:xfrm>
-            <a:off x="1607431" y="1525689"/>
-            <a:ext cx="8977138" cy="4968671"/>
-          </a:xfrm>
-          <a:prstGeom prst="rect">
-            <a:avLst/>
-          </a:prstGeom>
-        </p:spPr>
-      </p:pic>
-    </p:spTree>
-    <p:extLst>
-      <p:ext uri="{BB962C8B-B14F-4D97-AF65-F5344CB8AC3E}">
-        <p14:creationId xmlns:p14="http://schemas.microsoft.com/office/powerpoint/2010/main" val="815601150"/>
-      </p:ext>
-    </p:extLst>
-  </p:cSld>
-  <p:clrMapOvr>
-    <a:masterClrMapping/>
-  </p:clrMapOvr>
-</p:sld>
-</file>
-
-<file path=ppt/slides/slide12.xml><?xml version="1.0" encoding="utf-8"?>
-<p:sld xmlns:a="http://schemas.openxmlformats.org/drawingml/2006/main" xmlns:r="http://schemas.openxmlformats.org/officeDocument/2006/relationships" xmlns:p="http://schemas.openxmlformats.org/presentationml/2006/main">
-  <p:cSld>
-    <p:bg>
-      <p:bgPr>
-        <a:solidFill>
-          <a:schemeClr val="tx1"/>
-        </a:solidFill>
-        <a:effectLst/>
-      </p:bgPr>
-    </p:bg>
-    <p:spTree>
-      <p:nvGrpSpPr>
-        <p:cNvPr id="1" name=""/>
-        <p:cNvGrpSpPr/>
-        <p:nvPr/>
-      </p:nvGrpSpPr>
-      <p:grpSpPr>
-        <a:xfrm>
-          <a:off x="0" y="0"/>
-          <a:ext cx="0" cy="0"/>
-          <a:chOff x="0" y="0"/>
-          <a:chExt cx="0" cy="0"/>
-        </a:xfrm>
-      </p:grpSpPr>
-      <p:sp>
-        <p:nvSpPr>
-          <p:cNvPr id="7" name="TextBox 6">
-            <a:extLst>
-              <a:ext uri="{FF2B5EF4-FFF2-40B4-BE49-F238E27FC236}">
-                <a16:creationId xmlns:a16="http://schemas.microsoft.com/office/drawing/2014/main" id="{77B67BE7-3D6C-4ADC-227D-41269AC9C62D}"/>
-              </a:ext>
-            </a:extLst>
-          </p:cNvPr>
-          <p:cNvSpPr txBox="1"/>
-          <p:nvPr/>
-        </p:nvSpPr>
-        <p:spPr>
-          <a:xfrm>
-            <a:off x="5049078" y="636104"/>
-            <a:ext cx="4880113" cy="707886"/>
-          </a:xfrm>
-          <a:prstGeom prst="rect">
-            <a:avLst/>
-          </a:prstGeom>
-          <a:noFill/>
-        </p:spPr>
-        <p:txBody>
-          <a:bodyPr wrap="square" rtlCol="0">
-            <a:spAutoFit/>
-          </a:bodyPr>
-          <a:lstStyle/>
-          <a:p>
-            <a:r>
-              <a:rPr lang="en-US" sz="4000" dirty="0">
-                <a:solidFill>
-                  <a:schemeClr val="bg1"/>
-                </a:solidFill>
-                <a:latin typeface="Arial" panose="020B0604020202020204" pitchFamily="34" charset="0"/>
-                <a:cs typeface="Arial" panose="020B0604020202020204" pitchFamily="34" charset="0"/>
-              </a:rPr>
-              <a:t>VC use cases</a:t>
-            </a:r>
-            <a:endParaRPr lang="en-NZ" sz="4000" dirty="0">
-              <a:solidFill>
-                <a:schemeClr val="bg1"/>
-              </a:solidFill>
-              <a:latin typeface="Arial" panose="020B0604020202020204" pitchFamily="34" charset="0"/>
-              <a:cs typeface="Arial" panose="020B0604020202020204" pitchFamily="34" charset="0"/>
-            </a:endParaRPr>
-          </a:p>
-        </p:txBody>
-      </p:sp>
-      <p:pic>
-        <p:nvPicPr>
-          <p:cNvPr id="3" name="Picture 2">
-            <a:extLst>
-              <a:ext uri="{FF2B5EF4-FFF2-40B4-BE49-F238E27FC236}">
-                <a16:creationId xmlns:a16="http://schemas.microsoft.com/office/drawing/2014/main" id="{F8D4AD20-75D8-5EC6-B192-3FA52A2026B6}"/>
-              </a:ext>
-            </a:extLst>
-          </p:cNvPr>
-          <p:cNvPicPr>
-            <a:picLocks noChangeAspect="1"/>
-          </p:cNvPicPr>
-          <p:nvPr/>
-        </p:nvPicPr>
-        <p:blipFill>
-          <a:blip r:embed="rId2"/>
-          <a:stretch>
-            <a:fillRect/>
-          </a:stretch>
-        </p:blipFill>
-        <p:spPr>
-          <a:xfrm>
-            <a:off x="1706563" y="1450204"/>
-            <a:ext cx="8778873" cy="5326426"/>
-          </a:xfrm>
-          <a:prstGeom prst="rect">
-            <a:avLst/>
-          </a:prstGeom>
-        </p:spPr>
-      </p:pic>
-    </p:spTree>
-    <p:extLst>
-      <p:ext uri="{BB962C8B-B14F-4D97-AF65-F5344CB8AC3E}">
-        <p14:creationId xmlns:p14="http://schemas.microsoft.com/office/powerpoint/2010/main" val="3026029652"/>
-      </p:ext>
-    </p:extLst>
-  </p:cSld>
-  <p:clrMapOvr>
-    <a:masterClrMapping/>
-  </p:clrMapOvr>
-</p:sld>
-</file>
-
-<file path=ppt/slides/slide13.xml><?xml version="1.0" encoding="utf-8"?>
-<p:sld xmlns:a="http://schemas.openxmlformats.org/drawingml/2006/main" xmlns:r="http://schemas.openxmlformats.org/officeDocument/2006/relationships" xmlns:p="http://schemas.openxmlformats.org/presentationml/2006/main">
-  <p:cSld>
-    <p:bg>
-      <p:bgPr>
-        <a:solidFill>
-          <a:schemeClr val="tx1"/>
-        </a:solidFill>
-        <a:effectLst/>
-      </p:bgPr>
-    </p:bg>
-    <p:spTree>
-      <p:nvGrpSpPr>
-        <p:cNvPr id="1" name=""/>
-        <p:cNvGrpSpPr/>
-        <p:nvPr/>
-      </p:nvGrpSpPr>
-      <p:grpSpPr>
-        <a:xfrm>
-          <a:off x="0" y="0"/>
-          <a:ext cx="0" cy="0"/>
-          <a:chOff x="0" y="0"/>
-          <a:chExt cx="0" cy="0"/>
-        </a:xfrm>
-      </p:grpSpPr>
-      <p:sp>
-        <p:nvSpPr>
-          <p:cNvPr id="7" name="TextBox 6">
-            <a:extLst>
-              <a:ext uri="{FF2B5EF4-FFF2-40B4-BE49-F238E27FC236}">
-                <a16:creationId xmlns:a16="http://schemas.microsoft.com/office/drawing/2014/main" id="{77B67BE7-3D6C-4ADC-227D-41269AC9C62D}"/>
-              </a:ext>
-            </a:extLst>
-          </p:cNvPr>
-          <p:cNvSpPr txBox="1"/>
-          <p:nvPr/>
-        </p:nvSpPr>
-        <p:spPr>
-          <a:xfrm>
-            <a:off x="5049078" y="636104"/>
-            <a:ext cx="4880113" cy="707886"/>
-          </a:xfrm>
-          <a:prstGeom prst="rect">
-            <a:avLst/>
-          </a:prstGeom>
-          <a:noFill/>
-        </p:spPr>
-        <p:txBody>
-          <a:bodyPr wrap="square" rtlCol="0">
-            <a:spAutoFit/>
-          </a:bodyPr>
-          <a:lstStyle/>
-          <a:p>
-            <a:r>
-              <a:rPr lang="en-US" sz="4000" dirty="0">
-                <a:solidFill>
-                  <a:schemeClr val="bg1"/>
-                </a:solidFill>
-                <a:latin typeface="Arial" panose="020B0604020202020204" pitchFamily="34" charset="0"/>
-                <a:cs typeface="Arial" panose="020B0604020202020204" pitchFamily="34" charset="0"/>
-              </a:rPr>
-              <a:t>VC Portal</a:t>
-            </a:r>
-            <a:endParaRPr lang="en-NZ" sz="4000" dirty="0">
-              <a:solidFill>
-                <a:schemeClr val="bg1"/>
-              </a:solidFill>
-              <a:latin typeface="Arial" panose="020B0604020202020204" pitchFamily="34" charset="0"/>
-              <a:cs typeface="Arial" panose="020B0604020202020204" pitchFamily="34" charset="0"/>
-            </a:endParaRPr>
-          </a:p>
-        </p:txBody>
-      </p:sp>
-      <p:sp>
-        <p:nvSpPr>
-          <p:cNvPr id="5" name="TextBox 4">
-            <a:extLst>
-              <a:ext uri="{FF2B5EF4-FFF2-40B4-BE49-F238E27FC236}">
-                <a16:creationId xmlns:a16="http://schemas.microsoft.com/office/drawing/2014/main" id="{7C0360A3-F907-4780-29D9-3AF4B45ACDE7}"/>
-              </a:ext>
-            </a:extLst>
-          </p:cNvPr>
-          <p:cNvSpPr txBox="1"/>
-          <p:nvPr/>
-        </p:nvSpPr>
-        <p:spPr>
-          <a:xfrm>
-            <a:off x="5229369" y="2911886"/>
-            <a:ext cx="3868449" cy="1015663"/>
-          </a:xfrm>
-          <a:prstGeom prst="rect">
-            <a:avLst/>
-          </a:prstGeom>
-          <a:noFill/>
-        </p:spPr>
-        <p:txBody>
-          <a:bodyPr wrap="square" rtlCol="0">
-            <a:spAutoFit/>
-          </a:bodyPr>
-          <a:lstStyle/>
-          <a:p>
-            <a:r>
-              <a:rPr lang="en-US" sz="6000" dirty="0">
-                <a:solidFill>
-                  <a:schemeClr val="bg1"/>
-                </a:solidFill>
-                <a:latin typeface="Arial" panose="020B0604020202020204" pitchFamily="34" charset="0"/>
-                <a:cs typeface="Arial" panose="020B0604020202020204" pitchFamily="34" charset="0"/>
-              </a:rPr>
-              <a:t>Demo</a:t>
-            </a:r>
-            <a:endParaRPr lang="en-NZ" sz="6000" dirty="0">
-              <a:solidFill>
-                <a:schemeClr val="bg1"/>
-              </a:solidFill>
-              <a:latin typeface="Arial" panose="020B0604020202020204" pitchFamily="34" charset="0"/>
-              <a:cs typeface="Arial" panose="020B0604020202020204" pitchFamily="34" charset="0"/>
-            </a:endParaRPr>
-          </a:p>
-        </p:txBody>
-      </p:sp>
-    </p:spTree>
-    <p:extLst>
-      <p:ext uri="{BB962C8B-B14F-4D97-AF65-F5344CB8AC3E}">
-        <p14:creationId xmlns:p14="http://schemas.microsoft.com/office/powerpoint/2010/main" val="2727101339"/>
-      </p:ext>
-    </p:extLst>
-  </p:cSld>
-  <p:clrMapOvr>
-    <a:masterClrMapping/>
-  </p:clrMapOvr>
-</p:sld>
-</file>
-
-<file path=ppt/slides/slide14.xml><?xml version="1.0" encoding="utf-8"?>
-<p:sld xmlns:a="http://schemas.openxmlformats.org/drawingml/2006/main" xmlns:r="http://schemas.openxmlformats.org/officeDocument/2006/relationships" xmlns:p="http://schemas.openxmlformats.org/presentationml/2006/main">
-  <p:cSld>
-    <p:bg>
-      <p:bgPr>
-        <a:solidFill>
-          <a:schemeClr val="tx1"/>
-        </a:solidFill>
-        <a:effectLst/>
-      </p:bgPr>
-    </p:bg>
-    <p:spTree>
-      <p:nvGrpSpPr>
-        <p:cNvPr id="1" name=""/>
-        <p:cNvGrpSpPr/>
-        <p:nvPr/>
-      </p:nvGrpSpPr>
-      <p:grpSpPr>
-        <a:xfrm>
-          <a:off x="0" y="0"/>
-          <a:ext cx="0" cy="0"/>
-          <a:chOff x="0" y="0"/>
-          <a:chExt cx="0" cy="0"/>
-        </a:xfrm>
-      </p:grpSpPr>
-      <p:sp>
-        <p:nvSpPr>
-          <p:cNvPr id="7" name="TextBox 6">
-            <a:extLst>
-              <a:ext uri="{FF2B5EF4-FFF2-40B4-BE49-F238E27FC236}">
-                <a16:creationId xmlns:a16="http://schemas.microsoft.com/office/drawing/2014/main" id="{77B67BE7-3D6C-4ADC-227D-41269AC9C62D}"/>
-              </a:ext>
-            </a:extLst>
-          </p:cNvPr>
-          <p:cNvSpPr txBox="1"/>
-          <p:nvPr/>
-        </p:nvSpPr>
-        <p:spPr>
-          <a:xfrm>
-            <a:off x="4562764" y="636104"/>
-            <a:ext cx="5366427" cy="707886"/>
-          </a:xfrm>
-          <a:prstGeom prst="rect">
-            <a:avLst/>
-          </a:prstGeom>
-          <a:noFill/>
-        </p:spPr>
-        <p:txBody>
-          <a:bodyPr wrap="square" rtlCol="0">
-            <a:spAutoFit/>
-          </a:bodyPr>
-          <a:lstStyle/>
-          <a:p>
-            <a:r>
-              <a:rPr lang="en-US" sz="4000" dirty="0">
-                <a:solidFill>
-                  <a:schemeClr val="bg1"/>
-                </a:solidFill>
-                <a:latin typeface="Arial" panose="020B0604020202020204" pitchFamily="34" charset="0"/>
-                <a:cs typeface="Arial" panose="020B0604020202020204" pitchFamily="34" charset="0"/>
-              </a:rPr>
-              <a:t>VC Onboarding Flow</a:t>
-            </a:r>
-            <a:endParaRPr lang="en-NZ" sz="4000" dirty="0">
-              <a:solidFill>
-                <a:schemeClr val="bg1"/>
-              </a:solidFill>
-              <a:latin typeface="Arial" panose="020B0604020202020204" pitchFamily="34" charset="0"/>
-              <a:cs typeface="Arial" panose="020B0604020202020204" pitchFamily="34" charset="0"/>
-            </a:endParaRPr>
-          </a:p>
-        </p:txBody>
-      </p:sp>
-      <p:sp>
-        <p:nvSpPr>
-          <p:cNvPr id="5" name="TextBox 4">
-            <a:extLst>
-              <a:ext uri="{FF2B5EF4-FFF2-40B4-BE49-F238E27FC236}">
-                <a16:creationId xmlns:a16="http://schemas.microsoft.com/office/drawing/2014/main" id="{7C0360A3-F907-4780-29D9-3AF4B45ACDE7}"/>
-              </a:ext>
-            </a:extLst>
-          </p:cNvPr>
-          <p:cNvSpPr txBox="1"/>
-          <p:nvPr/>
-        </p:nvSpPr>
-        <p:spPr>
-          <a:xfrm>
-            <a:off x="5229369" y="2911886"/>
-            <a:ext cx="3868449" cy="1015663"/>
-          </a:xfrm>
-          <a:prstGeom prst="rect">
-            <a:avLst/>
-          </a:prstGeom>
-          <a:noFill/>
-        </p:spPr>
-        <p:txBody>
-          <a:bodyPr wrap="square" rtlCol="0">
-            <a:spAutoFit/>
-          </a:bodyPr>
-          <a:lstStyle/>
-          <a:p>
-            <a:r>
-              <a:rPr lang="en-US" sz="6000" dirty="0">
-                <a:solidFill>
-                  <a:schemeClr val="bg1"/>
-                </a:solidFill>
-                <a:latin typeface="Arial" panose="020B0604020202020204" pitchFamily="34" charset="0"/>
-                <a:cs typeface="Arial" panose="020B0604020202020204" pitchFamily="34" charset="0"/>
-              </a:rPr>
-              <a:t>Demo</a:t>
-            </a:r>
-            <a:endParaRPr lang="en-NZ" sz="6000" dirty="0">
-              <a:solidFill>
-                <a:schemeClr val="bg1"/>
-              </a:solidFill>
-              <a:latin typeface="Arial" panose="020B0604020202020204" pitchFamily="34" charset="0"/>
-              <a:cs typeface="Arial" panose="020B0604020202020204" pitchFamily="34" charset="0"/>
-            </a:endParaRPr>
-          </a:p>
-        </p:txBody>
-      </p:sp>
-    </p:spTree>
-    <p:extLst>
-      <p:ext uri="{BB962C8B-B14F-4D97-AF65-F5344CB8AC3E}">
-        <p14:creationId xmlns:p14="http://schemas.microsoft.com/office/powerpoint/2010/main" val="4272339432"/>
-      </p:ext>
-    </p:extLst>
-  </p:cSld>
-  <p:clrMapOvr>
-    <a:masterClrMapping/>
-  </p:clrMapOvr>
-</p:sld>
-</file>
-
-<file path=ppt/slides/slide15.xml><?xml version="1.0" encoding="utf-8"?>
-<p:sld xmlns:a="http://schemas.openxmlformats.org/drawingml/2006/main" xmlns:r="http://schemas.openxmlformats.org/officeDocument/2006/relationships" xmlns:p="http://schemas.openxmlformats.org/presentationml/2006/main">
-  <p:cSld>
-    <p:bg>
-      <p:bgPr>
-        <a:solidFill>
-          <a:schemeClr val="tx1"/>
-        </a:solidFill>
-        <a:effectLst/>
-      </p:bgPr>
-    </p:bg>
-    <p:spTree>
-      <p:nvGrpSpPr>
-        <p:cNvPr id="1" name=""/>
-        <p:cNvGrpSpPr/>
-        <p:nvPr/>
-      </p:nvGrpSpPr>
-      <p:grpSpPr>
-        <a:xfrm>
-          <a:off x="0" y="0"/>
-          <a:ext cx="0" cy="0"/>
-          <a:chOff x="0" y="0"/>
-          <a:chExt cx="0" cy="0"/>
-        </a:xfrm>
-      </p:grpSpPr>
-      <p:sp>
-        <p:nvSpPr>
-          <p:cNvPr id="7" name="TextBox 6">
-            <a:extLst>
-              <a:ext uri="{FF2B5EF4-FFF2-40B4-BE49-F238E27FC236}">
-                <a16:creationId xmlns:a16="http://schemas.microsoft.com/office/drawing/2014/main" id="{77B67BE7-3D6C-4ADC-227D-41269AC9C62D}"/>
-              </a:ext>
-            </a:extLst>
-          </p:cNvPr>
-          <p:cNvSpPr txBox="1"/>
-          <p:nvPr/>
-        </p:nvSpPr>
-        <p:spPr>
-          <a:xfrm>
-            <a:off x="5049078" y="636104"/>
-            <a:ext cx="4880113" cy="707886"/>
-          </a:xfrm>
-          <a:prstGeom prst="rect">
-            <a:avLst/>
-          </a:prstGeom>
-          <a:noFill/>
-        </p:spPr>
-        <p:txBody>
-          <a:bodyPr wrap="square" rtlCol="0">
-            <a:spAutoFit/>
-          </a:bodyPr>
-          <a:lstStyle/>
-          <a:p>
-            <a:pPr marL="0" marR="0" lvl="0" indent="0" algn="l" defTabSz="457200" rtl="0" eaLnBrk="1" fontAlgn="auto" latinLnBrk="0" hangingPunct="1">
-              <a:lnSpc>
-                <a:spcPct val="100000"/>
-              </a:lnSpc>
-              <a:spcBef>
-                <a:spcPts val="0"/>
-              </a:spcBef>
-              <a:spcAft>
-                <a:spcPts val="0"/>
-              </a:spcAft>
-              <a:buClrTx/>
-              <a:buSzTx/>
-              <a:buFontTx/>
-              <a:buNone/>
-              <a:tabLst/>
-              <a:defRPr/>
-            </a:pPr>
-            <a:r>
-              <a:rPr kumimoji="0" lang="en-US" sz="4000" b="0" i="0" u="none" strike="noStrike" kern="1200" cap="none" spc="0" normalizeH="0" baseline="0" noProof="0" dirty="0">
-                <a:ln>
-                  <a:noFill/>
-                </a:ln>
-                <a:solidFill>
-                  <a:prstClr val="black"/>
-                </a:solidFill>
-                <a:effectLst/>
-                <a:uLnTx/>
-                <a:uFillTx/>
-                <a:latin typeface="Arial" panose="020B0604020202020204" pitchFamily="34" charset="0"/>
-                <a:ea typeface="+mn-ea"/>
-                <a:cs typeface="Arial" panose="020B0604020202020204" pitchFamily="34" charset="0"/>
-              </a:rPr>
-              <a:t>VC REST API Flow</a:t>
-            </a:r>
-            <a:endParaRPr kumimoji="0" lang="en-NZ" sz="4000" b="0" i="0" u="none" strike="noStrike" kern="1200" cap="none" spc="0" normalizeH="0" baseline="0" noProof="0" dirty="0">
-              <a:ln>
-                <a:noFill/>
-              </a:ln>
-              <a:solidFill>
-                <a:prstClr val="black"/>
-              </a:solidFill>
-              <a:effectLst/>
-              <a:uLnTx/>
-              <a:uFillTx/>
-              <a:latin typeface="Arial" panose="020B0604020202020204" pitchFamily="34" charset="0"/>
-              <a:ea typeface="+mn-ea"/>
-              <a:cs typeface="Arial" panose="020B0604020202020204" pitchFamily="34" charset="0"/>
-            </a:endParaRPr>
-          </a:p>
-        </p:txBody>
-      </p:sp>
-      <p:pic>
-        <p:nvPicPr>
-          <p:cNvPr id="3" name="Picture 2">
-            <a:extLst>
-              <a:ext uri="{FF2B5EF4-FFF2-40B4-BE49-F238E27FC236}">
-                <a16:creationId xmlns:a16="http://schemas.microsoft.com/office/drawing/2014/main" id="{17034323-9D01-1319-4248-A4D9F6965633}"/>
-              </a:ext>
-            </a:extLst>
-          </p:cNvPr>
-          <p:cNvPicPr>
-            <a:picLocks noChangeAspect="1"/>
-          </p:cNvPicPr>
-          <p:nvPr/>
-        </p:nvPicPr>
-        <p:blipFill>
-          <a:blip r:embed="rId2"/>
-          <a:stretch>
-            <a:fillRect/>
-          </a:stretch>
-        </p:blipFill>
-        <p:spPr>
-          <a:xfrm>
-            <a:off x="1658178" y="1748786"/>
-            <a:ext cx="8875644" cy="4950188"/>
-          </a:xfrm>
-          <a:prstGeom prst="rect">
-            <a:avLst/>
-          </a:prstGeom>
-        </p:spPr>
-      </p:pic>
-    </p:spTree>
-    <p:extLst>
-      <p:ext uri="{BB962C8B-B14F-4D97-AF65-F5344CB8AC3E}">
-        <p14:creationId xmlns:p14="http://schemas.microsoft.com/office/powerpoint/2010/main" val="529287972"/>
-      </p:ext>
-    </p:extLst>
-  </p:cSld>
-  <p:clrMapOvr>
-    <a:masterClrMapping/>
-  </p:clrMapOvr>
-</p:sld>
-</file>
-
-<file path=ppt/slides/slide16.xml><?xml version="1.0" encoding="utf-8"?>
-<p:sld xmlns:a="http://schemas.openxmlformats.org/drawingml/2006/main" xmlns:r="http://schemas.openxmlformats.org/officeDocument/2006/relationships" xmlns:p="http://schemas.openxmlformats.org/presentationml/2006/main">
-  <p:cSld>
-    <p:bg>
-      <p:bgPr>
-        <a:solidFill>
-          <a:schemeClr val="tx1"/>
-        </a:solidFill>
-        <a:effectLst/>
-      </p:bgPr>
-    </p:bg>
-    <p:spTree>
-      <p:nvGrpSpPr>
-        <p:cNvPr id="1" name=""/>
-        <p:cNvGrpSpPr/>
-        <p:nvPr/>
-      </p:nvGrpSpPr>
-      <p:grpSpPr>
-        <a:xfrm>
-          <a:off x="0" y="0"/>
-          <a:ext cx="0" cy="0"/>
-          <a:chOff x="0" y="0"/>
-          <a:chExt cx="0" cy="0"/>
-        </a:xfrm>
-      </p:grpSpPr>
-      <p:sp>
-        <p:nvSpPr>
-          <p:cNvPr id="7" name="TextBox 6">
-            <a:extLst>
-              <a:ext uri="{FF2B5EF4-FFF2-40B4-BE49-F238E27FC236}">
-                <a16:creationId xmlns:a16="http://schemas.microsoft.com/office/drawing/2014/main" id="{77B67BE7-3D6C-4ADC-227D-41269AC9C62D}"/>
-              </a:ext>
-            </a:extLst>
-          </p:cNvPr>
-          <p:cNvSpPr txBox="1"/>
-          <p:nvPr/>
-        </p:nvSpPr>
-        <p:spPr>
-          <a:xfrm>
-            <a:off x="5049078" y="636104"/>
-            <a:ext cx="4880113" cy="707886"/>
-          </a:xfrm>
-          <a:prstGeom prst="rect">
-            <a:avLst/>
-          </a:prstGeom>
-          <a:noFill/>
-        </p:spPr>
-        <p:txBody>
-          <a:bodyPr wrap="square" rtlCol="0">
-            <a:spAutoFit/>
-          </a:bodyPr>
-          <a:lstStyle/>
-          <a:p>
-            <a:r>
-              <a:rPr lang="en-US" sz="4000" dirty="0">
-                <a:solidFill>
-                  <a:schemeClr val="bg1"/>
-                </a:solidFill>
-                <a:latin typeface="Arial" panose="020B0604020202020204" pitchFamily="34" charset="0"/>
-                <a:cs typeface="Arial" panose="020B0604020202020204" pitchFamily="34" charset="0"/>
-              </a:rPr>
-              <a:t>VC Postman</a:t>
-            </a:r>
-            <a:endParaRPr lang="en-NZ" sz="4000" dirty="0">
-              <a:solidFill>
-                <a:schemeClr val="bg1"/>
-              </a:solidFill>
-              <a:latin typeface="Arial" panose="020B0604020202020204" pitchFamily="34" charset="0"/>
-              <a:cs typeface="Arial" panose="020B0604020202020204" pitchFamily="34" charset="0"/>
-            </a:endParaRPr>
-          </a:p>
-        </p:txBody>
-      </p:sp>
-      <p:sp>
-        <p:nvSpPr>
-          <p:cNvPr id="5" name="TextBox 4">
-            <a:extLst>
-              <a:ext uri="{FF2B5EF4-FFF2-40B4-BE49-F238E27FC236}">
-                <a16:creationId xmlns:a16="http://schemas.microsoft.com/office/drawing/2014/main" id="{7C0360A3-F907-4780-29D9-3AF4B45ACDE7}"/>
-              </a:ext>
-            </a:extLst>
-          </p:cNvPr>
-          <p:cNvSpPr txBox="1"/>
-          <p:nvPr/>
-        </p:nvSpPr>
-        <p:spPr>
-          <a:xfrm>
-            <a:off x="3592945" y="2911886"/>
-            <a:ext cx="5504873" cy="2554545"/>
-          </a:xfrm>
-          <a:prstGeom prst="rect">
-            <a:avLst/>
-          </a:prstGeom>
-          <a:noFill/>
-        </p:spPr>
-        <p:txBody>
-          <a:bodyPr wrap="square" rtlCol="0">
-            <a:spAutoFit/>
-          </a:bodyPr>
-          <a:lstStyle/>
-          <a:p>
-            <a:r>
-              <a:rPr lang="en-US" sz="6000" dirty="0">
-                <a:solidFill>
-                  <a:schemeClr val="bg1"/>
-                </a:solidFill>
-                <a:latin typeface="Arial" panose="020B0604020202020204" pitchFamily="34" charset="0"/>
-                <a:cs typeface="Arial" panose="020B0604020202020204" pitchFamily="34" charset="0"/>
-              </a:rPr>
-              <a:t>Demo</a:t>
-            </a:r>
-          </a:p>
-          <a:p>
-            <a:endParaRPr lang="en-US" sz="6000" dirty="0">
-              <a:solidFill>
-                <a:schemeClr val="bg1"/>
-              </a:solidFill>
-              <a:latin typeface="Arial" panose="020B0604020202020204" pitchFamily="34" charset="0"/>
-              <a:cs typeface="Arial" panose="020B0604020202020204" pitchFamily="34" charset="0"/>
-            </a:endParaRPr>
-          </a:p>
-          <a:p>
-            <a:r>
-              <a:rPr lang="en-US" sz="4000" dirty="0">
-                <a:solidFill>
-                  <a:schemeClr val="bg1"/>
-                </a:solidFill>
-                <a:latin typeface="Arial" panose="020B0604020202020204" pitchFamily="34" charset="0"/>
-                <a:cs typeface="Arial" panose="020B0604020202020204" pitchFamily="34" charset="0"/>
-              </a:rPr>
-              <a:t>Issue / Present</a:t>
-            </a:r>
-            <a:endParaRPr lang="en-NZ" sz="4000" dirty="0">
-              <a:solidFill>
-                <a:schemeClr val="bg1"/>
-              </a:solidFill>
-              <a:latin typeface="Arial" panose="020B0604020202020204" pitchFamily="34" charset="0"/>
-              <a:cs typeface="Arial" panose="020B0604020202020204" pitchFamily="34" charset="0"/>
-            </a:endParaRPr>
-          </a:p>
-        </p:txBody>
-      </p:sp>
-    </p:spTree>
-    <p:extLst>
-      <p:ext uri="{BB962C8B-B14F-4D97-AF65-F5344CB8AC3E}">
-        <p14:creationId xmlns:p14="http://schemas.microsoft.com/office/powerpoint/2010/main" val="2423082916"/>
-      </p:ext>
-    </p:extLst>
-  </p:cSld>
-  <p:clrMapOvr>
-    <a:masterClrMapping/>
-  </p:clrMapOvr>
-</p:sld>
-</file>
-
-<file path=ppt/slides/slide17.xml><?xml version="1.0" encoding="utf-8"?>
-<p:sld xmlns:a="http://schemas.openxmlformats.org/drawingml/2006/main" xmlns:r="http://schemas.openxmlformats.org/officeDocument/2006/relationships" xmlns:p="http://schemas.openxmlformats.org/presentationml/2006/main">
-  <p:cSld>
-    <p:bg>
-      <p:bgPr>
-        <a:solidFill>
-          <a:schemeClr val="tx1"/>
-        </a:solidFill>
-        <a:effectLst/>
-      </p:bgPr>
-    </p:bg>
-    <p:spTree>
-      <p:nvGrpSpPr>
-        <p:cNvPr id="1" name=""/>
-        <p:cNvGrpSpPr/>
-        <p:nvPr/>
-      </p:nvGrpSpPr>
-      <p:grpSpPr>
-        <a:xfrm>
-          <a:off x="0" y="0"/>
-          <a:ext cx="0" cy="0"/>
-          <a:chOff x="0" y="0"/>
-          <a:chExt cx="0" cy="0"/>
-        </a:xfrm>
-      </p:grpSpPr>
-      <p:sp>
-        <p:nvSpPr>
-          <p:cNvPr id="7" name="TextBox 6">
-            <a:extLst>
-              <a:ext uri="{FF2B5EF4-FFF2-40B4-BE49-F238E27FC236}">
-                <a16:creationId xmlns:a16="http://schemas.microsoft.com/office/drawing/2014/main" id="{77B67BE7-3D6C-4ADC-227D-41269AC9C62D}"/>
-              </a:ext>
-            </a:extLst>
-          </p:cNvPr>
-          <p:cNvSpPr txBox="1"/>
-          <p:nvPr/>
-        </p:nvSpPr>
-        <p:spPr>
-          <a:xfrm>
-            <a:off x="5049078" y="636104"/>
-            <a:ext cx="4880113" cy="707886"/>
-          </a:xfrm>
-          <a:prstGeom prst="rect">
-            <a:avLst/>
-          </a:prstGeom>
-          <a:noFill/>
-        </p:spPr>
-        <p:txBody>
-          <a:bodyPr wrap="square" rtlCol="0">
-            <a:spAutoFit/>
-          </a:bodyPr>
-          <a:lstStyle/>
-          <a:p>
-            <a:r>
-              <a:rPr lang="en-US" sz="4000" dirty="0">
-                <a:solidFill>
-                  <a:schemeClr val="bg1"/>
-                </a:solidFill>
-                <a:latin typeface="Arial" panose="020B0604020202020204" pitchFamily="34" charset="0"/>
-                <a:cs typeface="Arial" panose="020B0604020202020204" pitchFamily="34" charset="0"/>
-              </a:rPr>
-              <a:t>VC MyAccount page</a:t>
-            </a:r>
-            <a:endParaRPr lang="en-NZ" sz="4000" dirty="0">
-              <a:solidFill>
-                <a:schemeClr val="bg1"/>
-              </a:solidFill>
-              <a:latin typeface="Arial" panose="020B0604020202020204" pitchFamily="34" charset="0"/>
-              <a:cs typeface="Arial" panose="020B0604020202020204" pitchFamily="34" charset="0"/>
-            </a:endParaRPr>
-          </a:p>
-        </p:txBody>
-      </p:sp>
-      <p:pic>
-        <p:nvPicPr>
-          <p:cNvPr id="6" name="Picture 5">
-            <a:extLst>
-              <a:ext uri="{FF2B5EF4-FFF2-40B4-BE49-F238E27FC236}">
-                <a16:creationId xmlns:a16="http://schemas.microsoft.com/office/drawing/2014/main" id="{51C22B29-EB69-5F71-B88A-02EA98FEDDB0}"/>
-              </a:ext>
-            </a:extLst>
-          </p:cNvPr>
-          <p:cNvPicPr>
-            <a:picLocks noChangeAspect="1"/>
-          </p:cNvPicPr>
-          <p:nvPr/>
-        </p:nvPicPr>
-        <p:blipFill>
-          <a:blip r:embed="rId2"/>
-          <a:stretch>
-            <a:fillRect/>
-          </a:stretch>
-        </p:blipFill>
-        <p:spPr>
-          <a:xfrm>
-            <a:off x="2390656" y="1591640"/>
-            <a:ext cx="7410688" cy="5143717"/>
-          </a:xfrm>
-          <a:prstGeom prst="rect">
-            <a:avLst/>
-          </a:prstGeom>
-        </p:spPr>
-      </p:pic>
-    </p:spTree>
-    <p:extLst>
-      <p:ext uri="{BB962C8B-B14F-4D97-AF65-F5344CB8AC3E}">
-        <p14:creationId xmlns:p14="http://schemas.microsoft.com/office/powerpoint/2010/main" val="3597088380"/>
-      </p:ext>
-    </p:extLst>
-  </p:cSld>
-  <p:clrMapOvr>
-    <a:masterClrMapping/>
-  </p:clrMapOvr>
-</p:sld>
-</file>
-
-<file path=ppt/slides/slide18.xml><?xml version="1.0" encoding="utf-8"?>
-<p:sld xmlns:a="http://schemas.openxmlformats.org/drawingml/2006/main" xmlns:r="http://schemas.openxmlformats.org/officeDocument/2006/relationships" xmlns:p="http://schemas.openxmlformats.org/presentationml/2006/main">
-  <p:cSld>
-    <p:bg>
-      <p:bgPr>
-        <a:solidFill>
-          <a:schemeClr val="tx1"/>
-        </a:solidFill>
-        <a:effectLst/>
-      </p:bgPr>
-    </p:bg>
-    <p:spTree>
-      <p:nvGrpSpPr>
-        <p:cNvPr id="1" name=""/>
-        <p:cNvGrpSpPr/>
-        <p:nvPr/>
-      </p:nvGrpSpPr>
-      <p:grpSpPr>
-        <a:xfrm>
-          <a:off x="0" y="0"/>
-          <a:ext cx="0" cy="0"/>
-          <a:chOff x="0" y="0"/>
-          <a:chExt cx="0" cy="0"/>
-        </a:xfrm>
-      </p:grpSpPr>
-      <p:sp>
-        <p:nvSpPr>
-          <p:cNvPr id="7" name="TextBox 6">
-            <a:extLst>
-              <a:ext uri="{FF2B5EF4-FFF2-40B4-BE49-F238E27FC236}">
-                <a16:creationId xmlns:a16="http://schemas.microsoft.com/office/drawing/2014/main" id="{77B67BE7-3D6C-4ADC-227D-41269AC9C62D}"/>
-              </a:ext>
-            </a:extLst>
-          </p:cNvPr>
-          <p:cNvSpPr txBox="1"/>
-          <p:nvPr/>
-        </p:nvSpPr>
-        <p:spPr>
-          <a:xfrm>
-            <a:off x="5049078" y="636104"/>
-            <a:ext cx="4880113" cy="707886"/>
-          </a:xfrm>
-          <a:prstGeom prst="rect">
-            <a:avLst/>
-          </a:prstGeom>
-          <a:noFill/>
-        </p:spPr>
-        <p:txBody>
-          <a:bodyPr wrap="square" rtlCol="0">
-            <a:spAutoFit/>
-          </a:bodyPr>
-          <a:lstStyle/>
-          <a:p>
-            <a:r>
-              <a:rPr lang="en-US" sz="4000" dirty="0">
-                <a:solidFill>
-                  <a:schemeClr val="bg1"/>
-                </a:solidFill>
-                <a:latin typeface="Arial" panose="020B0604020202020204" pitchFamily="34" charset="0"/>
-                <a:cs typeface="Arial" panose="020B0604020202020204" pitchFamily="34" charset="0"/>
-              </a:rPr>
-              <a:t>VC Wallet SDK</a:t>
-            </a:r>
-            <a:endParaRPr lang="en-NZ" sz="4000" dirty="0">
-              <a:solidFill>
-                <a:schemeClr val="bg1"/>
-              </a:solidFill>
-              <a:latin typeface="Arial" panose="020B0604020202020204" pitchFamily="34" charset="0"/>
-              <a:cs typeface="Arial" panose="020B0604020202020204" pitchFamily="34" charset="0"/>
-            </a:endParaRPr>
-          </a:p>
-        </p:txBody>
-      </p:sp>
-      <p:pic>
-        <p:nvPicPr>
-          <p:cNvPr id="4" name="Picture 3">
-            <a:extLst>
-              <a:ext uri="{FF2B5EF4-FFF2-40B4-BE49-F238E27FC236}">
-                <a16:creationId xmlns:a16="http://schemas.microsoft.com/office/drawing/2014/main" id="{AD8EE901-AD05-C927-32BF-BC9DB496E052}"/>
-              </a:ext>
-            </a:extLst>
-          </p:cNvPr>
-          <p:cNvPicPr>
-            <a:picLocks noChangeAspect="1"/>
-          </p:cNvPicPr>
-          <p:nvPr/>
-        </p:nvPicPr>
-        <p:blipFill>
-          <a:blip r:embed="rId2"/>
-          <a:stretch>
-            <a:fillRect/>
-          </a:stretch>
-        </p:blipFill>
-        <p:spPr>
-          <a:xfrm>
-            <a:off x="5097693" y="1550507"/>
-            <a:ext cx="3065232" cy="5202718"/>
-          </a:xfrm>
-          <a:prstGeom prst="rect">
-            <a:avLst/>
-          </a:prstGeom>
-        </p:spPr>
-      </p:pic>
-    </p:spTree>
-    <p:extLst>
-      <p:ext uri="{BB962C8B-B14F-4D97-AF65-F5344CB8AC3E}">
-        <p14:creationId xmlns:p14="http://schemas.microsoft.com/office/powerpoint/2010/main" val="2524951506"/>
-      </p:ext>
-    </p:extLst>
-  </p:cSld>
-  <p:clrMapOvr>
-    <a:masterClrMapping/>
-  </p:clrMapOvr>
-</p:sld>
-</file>
-
-<file path=ppt/slides/slide19.xml><?xml version="1.0" encoding="utf-8"?>
-<p:sld xmlns:a="http://schemas.openxmlformats.org/drawingml/2006/main" xmlns:r="http://schemas.openxmlformats.org/officeDocument/2006/relationships" xmlns:p="http://schemas.openxmlformats.org/presentationml/2006/main">
-  <p:cSld>
-    <p:bg>
-      <p:bgPr>
-        <a:solidFill>
-          <a:schemeClr val="tx1"/>
-        </a:solidFill>
-        <a:effectLst/>
-      </p:bgPr>
-    </p:bg>
-    <p:spTree>
-      <p:nvGrpSpPr>
-        <p:cNvPr id="1" name=""/>
-        <p:cNvGrpSpPr/>
-        <p:nvPr/>
-      </p:nvGrpSpPr>
-      <p:grpSpPr>
-        <a:xfrm>
-          <a:off x="0" y="0"/>
-          <a:ext cx="0" cy="0"/>
-          <a:chOff x="0" y="0"/>
-          <a:chExt cx="0" cy="0"/>
-        </a:xfrm>
-      </p:grpSpPr>
-      <p:sp>
-        <p:nvSpPr>
-          <p:cNvPr id="7" name="TextBox 6">
-            <a:extLst>
-              <a:ext uri="{FF2B5EF4-FFF2-40B4-BE49-F238E27FC236}">
-                <a16:creationId xmlns:a16="http://schemas.microsoft.com/office/drawing/2014/main" id="{77B67BE7-3D6C-4ADC-227D-41269AC9C62D}"/>
-              </a:ext>
-            </a:extLst>
-          </p:cNvPr>
-          <p:cNvSpPr txBox="1"/>
-          <p:nvPr/>
-        </p:nvSpPr>
-        <p:spPr>
-          <a:xfrm>
-            <a:off x="5049078" y="636104"/>
-            <a:ext cx="4880113" cy="707886"/>
-          </a:xfrm>
-          <a:prstGeom prst="rect">
-            <a:avLst/>
-          </a:prstGeom>
-          <a:noFill/>
-        </p:spPr>
-        <p:txBody>
-          <a:bodyPr wrap="square" rtlCol="0">
-            <a:spAutoFit/>
-          </a:bodyPr>
-          <a:lstStyle/>
-          <a:p>
-            <a:r>
-              <a:rPr lang="en-US" sz="4000" dirty="0">
-                <a:solidFill>
-                  <a:schemeClr val="bg1"/>
-                </a:solidFill>
-                <a:latin typeface="Arial" panose="020B0604020202020204" pitchFamily="34" charset="0"/>
-                <a:cs typeface="Arial" panose="020B0604020202020204" pitchFamily="34" charset="0"/>
-              </a:rPr>
-              <a:t>VC Face Check</a:t>
-            </a:r>
-            <a:endParaRPr lang="en-NZ" sz="4000" dirty="0">
-              <a:solidFill>
-                <a:schemeClr val="bg1"/>
-              </a:solidFill>
-              <a:latin typeface="Arial" panose="020B0604020202020204" pitchFamily="34" charset="0"/>
-              <a:cs typeface="Arial" panose="020B0604020202020204" pitchFamily="34" charset="0"/>
-            </a:endParaRPr>
-          </a:p>
-        </p:txBody>
-      </p:sp>
-      <p:pic>
-        <p:nvPicPr>
-          <p:cNvPr id="3" name="Picture 2">
-            <a:extLst>
-              <a:ext uri="{FF2B5EF4-FFF2-40B4-BE49-F238E27FC236}">
-                <a16:creationId xmlns:a16="http://schemas.microsoft.com/office/drawing/2014/main" id="{2CB03572-8A90-5187-CB92-5C7AC78B7717}"/>
-              </a:ext>
-            </a:extLst>
-          </p:cNvPr>
-          <p:cNvPicPr>
-            <a:picLocks noChangeAspect="1"/>
-          </p:cNvPicPr>
-          <p:nvPr/>
-        </p:nvPicPr>
-        <p:blipFill>
-          <a:blip r:embed="rId2"/>
-          <a:stretch>
-            <a:fillRect/>
-          </a:stretch>
-        </p:blipFill>
-        <p:spPr>
-          <a:xfrm>
-            <a:off x="1857794" y="2022921"/>
-            <a:ext cx="8476412" cy="4520753"/>
-          </a:xfrm>
-          <a:prstGeom prst="rect">
-            <a:avLst/>
-          </a:prstGeom>
-        </p:spPr>
-      </p:pic>
-    </p:spTree>
-    <p:extLst>
-      <p:ext uri="{BB962C8B-B14F-4D97-AF65-F5344CB8AC3E}">
-        <p14:creationId xmlns:p14="http://schemas.microsoft.com/office/powerpoint/2010/main" val="3937506267"/>
-      </p:ext>
-    </p:extLst>
-  </p:cSld>
-  <p:clrMapOvr>
-    <a:masterClrMapping/>
   </p:clrMapOvr>
 </p:sld>
 </file>
@@ -7475,36 +6232,162 @@
           <a:chExt cx="0" cy="0"/>
         </a:xfrm>
       </p:grpSpPr>
-      <p:pic>
-        <p:nvPicPr>
-          <p:cNvPr id="3" name="Picture 2">
+      <p:sp>
+        <p:nvSpPr>
+          <p:cNvPr id="8" name="Title 7">
             <a:extLst>
               <a:ext uri="{FF2B5EF4-FFF2-40B4-BE49-F238E27FC236}">
-                <a16:creationId xmlns:a16="http://schemas.microsoft.com/office/drawing/2014/main" id="{2785777D-5933-1E96-A668-FE6351E0DBE6}"/>
+                <a16:creationId xmlns:a16="http://schemas.microsoft.com/office/drawing/2014/main" id="{406B37E7-5FF9-21FA-0DE7-64E514D412BA}"/>
               </a:ext>
             </a:extLst>
           </p:cNvPr>
-          <p:cNvPicPr>
-            <a:picLocks noChangeAspect="1"/>
-          </p:cNvPicPr>
-          <p:nvPr/>
-        </p:nvPicPr>
-        <p:blipFill>
-          <a:blip r:embed="rId2"/>
-          <a:stretch>
-            <a:fillRect/>
-          </a:stretch>
-        </p:blipFill>
-        <p:spPr>
-          <a:xfrm>
-            <a:off x="1603620" y="891023"/>
-            <a:ext cx="8984759" cy="5966977"/>
-          </a:xfrm>
-          <a:prstGeom prst="rect">
-            <a:avLst/>
-          </a:prstGeom>
-        </p:spPr>
-      </p:pic>
+          <p:cNvSpPr>
+            <a:spLocks noGrp="1"/>
+          </p:cNvSpPr>
+          <p:nvPr>
+            <p:ph type="title" idx="4294967295"/>
+          </p:nvPr>
+        </p:nvSpPr>
+        <p:spPr>
+          <a:xfrm>
+            <a:off x="4757738" y="763588"/>
+            <a:ext cx="7434262" cy="1433512"/>
+          </a:xfrm>
+        </p:spPr>
+        <p:txBody>
+          <a:bodyPr vert="horz" lIns="91440" tIns="45720" rIns="91440" bIns="45720" rtlCol="0" anchor="ctr">
+            <a:normAutofit/>
+          </a:bodyPr>
+          <a:lstStyle/>
+          <a:p>
+            <a:pPr algn="ctr"/>
+            <a:r>
+              <a:rPr lang="en-US" sz="4000" dirty="0" err="1">
+                <a:latin typeface="Arial" panose="020B0604020202020204" pitchFamily="34" charset="0"/>
+                <a:cs typeface="Arial" panose="020B0604020202020204" pitchFamily="34" charset="0"/>
+              </a:rPr>
+              <a:t>Entra</a:t>
+            </a:r>
+            <a:r>
+              <a:rPr lang="en-US" sz="4000" dirty="0">
+                <a:latin typeface="Arial" panose="020B0604020202020204" pitchFamily="34" charset="0"/>
+                <a:cs typeface="Arial" panose="020B0604020202020204" pitchFamily="34" charset="0"/>
+              </a:rPr>
+              <a:t> CIAM </a:t>
+            </a:r>
+          </a:p>
+        </p:txBody>
+      </p:sp>
+      <p:sp>
+        <p:nvSpPr>
+          <p:cNvPr id="9" name="Text Placeholder 8">
+            <a:extLst>
+              <a:ext uri="{FF2B5EF4-FFF2-40B4-BE49-F238E27FC236}">
+                <a16:creationId xmlns:a16="http://schemas.microsoft.com/office/drawing/2014/main" id="{D03989EC-84A9-1D25-ACEB-91441E1F79A0}"/>
+              </a:ext>
+            </a:extLst>
+          </p:cNvPr>
+          <p:cNvSpPr>
+            <a:spLocks noGrp="1"/>
+          </p:cNvSpPr>
+          <p:nvPr>
+            <p:ph type="body" sz="half" idx="4294967295"/>
+          </p:nvPr>
+        </p:nvSpPr>
+        <p:spPr>
+          <a:xfrm>
+            <a:off x="2881313" y="2929631"/>
+            <a:ext cx="7453312" cy="3850581"/>
+          </a:xfrm>
+        </p:spPr>
+        <p:txBody>
+          <a:bodyPr vert="horz" lIns="91440" tIns="45720" rIns="91440" bIns="45720" rtlCol="0">
+            <a:normAutofit lnSpcReduction="10000"/>
+          </a:bodyPr>
+          <a:lstStyle/>
+          <a:p>
+            <a:pPr indent="-228600">
+              <a:buFont typeface="Arial" panose="020B0604020202020204" pitchFamily="34" charset="0"/>
+              <a:buChar char="•"/>
+            </a:pPr>
+            <a:r>
+              <a:rPr lang="en-US" sz="3600" dirty="0">
+                <a:latin typeface="Arial" panose="020B0604020202020204" pitchFamily="34" charset="0"/>
+                <a:cs typeface="Arial" panose="020B0604020202020204" pitchFamily="34" charset="0"/>
+              </a:rPr>
+              <a:t>CIAM is integrated with </a:t>
+            </a:r>
+            <a:r>
+              <a:rPr lang="en-US" sz="3600" dirty="0" err="1">
+                <a:latin typeface="Arial" panose="020B0604020202020204" pitchFamily="34" charset="0"/>
+                <a:cs typeface="Arial" panose="020B0604020202020204" pitchFamily="34" charset="0"/>
+              </a:rPr>
+              <a:t>Entra</a:t>
+            </a:r>
+            <a:r>
+              <a:rPr lang="en-US" sz="3600" dirty="0">
+                <a:latin typeface="Arial" panose="020B0604020202020204" pitchFamily="34" charset="0"/>
+                <a:cs typeface="Arial" panose="020B0604020202020204" pitchFamily="34" charset="0"/>
+              </a:rPr>
+              <a:t> ID (Azure AD)</a:t>
+            </a:r>
+          </a:p>
+          <a:p>
+            <a:pPr indent="-228600">
+              <a:buFont typeface="Arial" panose="020B0604020202020204" pitchFamily="34" charset="0"/>
+              <a:buChar char="•"/>
+            </a:pPr>
+            <a:r>
+              <a:rPr lang="en-US" sz="3600" dirty="0">
+                <a:latin typeface="Arial" panose="020B0604020202020204" pitchFamily="34" charset="0"/>
+                <a:cs typeface="Arial" panose="020B0604020202020204" pitchFamily="34" charset="0"/>
+              </a:rPr>
+              <a:t>e.g. Groups / Roles are now first-class citizens</a:t>
+            </a:r>
+          </a:p>
+          <a:p>
+            <a:pPr indent="-228600">
+              <a:buFont typeface="Arial" panose="020B0604020202020204" pitchFamily="34" charset="0"/>
+              <a:buChar char="•"/>
+            </a:pPr>
+            <a:r>
+              <a:rPr lang="en-US" sz="3600" dirty="0" err="1">
+                <a:latin typeface="Arial" panose="020B0604020202020204" pitchFamily="34" charset="0"/>
+                <a:cs typeface="Arial" panose="020B0604020202020204" pitchFamily="34" charset="0"/>
+              </a:rPr>
+              <a:t>Entra</a:t>
+            </a:r>
+            <a:r>
+              <a:rPr lang="en-US" sz="3600" dirty="0">
+                <a:latin typeface="Arial" panose="020B0604020202020204" pitchFamily="34" charset="0"/>
+                <a:cs typeface="Arial" panose="020B0604020202020204" pitchFamily="34" charset="0"/>
+              </a:rPr>
+              <a:t> External ID is B2B and B2C (CIAM)</a:t>
+            </a:r>
+          </a:p>
+          <a:p>
+            <a:pPr indent="-228600">
+              <a:buFont typeface="Arial" panose="020B0604020202020204" pitchFamily="34" charset="0"/>
+              <a:buChar char="•"/>
+            </a:pPr>
+            <a:r>
+              <a:rPr lang="en-US" sz="3600" dirty="0" err="1">
+                <a:latin typeface="Arial" panose="020B0604020202020204" pitchFamily="34" charset="0"/>
+                <a:cs typeface="Arial" panose="020B0604020202020204" pitchFamily="34" charset="0"/>
+              </a:rPr>
+              <a:t>Entra</a:t>
+            </a:r>
+            <a:r>
+              <a:rPr lang="en-US" sz="3600" dirty="0">
+                <a:latin typeface="Arial" panose="020B0604020202020204" pitchFamily="34" charset="0"/>
+                <a:cs typeface="Arial" panose="020B0604020202020204" pitchFamily="34" charset="0"/>
+              </a:rPr>
+              <a:t> portal</a:t>
+            </a:r>
+            <a:endParaRPr lang="en-US" sz="2000" dirty="0"/>
+          </a:p>
+        </p:txBody>
+      </p:sp>
     </p:spTree>
     <p:extLst>
       <p:ext uri="{BB962C8B-B14F-4D97-AF65-F5344CB8AC3E}">
@@ -7518,7 +6401,7 @@
 </p:sld>
 </file>
 
-<file path=ppt/slides/slide20.xml><?xml version="1.0" encoding="utf-8"?>
+<file path=ppt/slides/slide3.xml><?xml version="1.0" encoding="utf-8"?>
 <p:sld xmlns:a="http://schemas.openxmlformats.org/drawingml/2006/main" xmlns:r="http://schemas.openxmlformats.org/officeDocument/2006/relationships" xmlns:p="http://schemas.openxmlformats.org/presentationml/2006/main">
   <p:cSld>
     <p:bg>
@@ -7571,78 +6454,121 @@
           </a:bodyPr>
           <a:lstStyle/>
           <a:p>
-            <a:r>
-              <a:rPr lang="en-US" sz="4000" dirty="0">
+            <a:pPr marL="0" marR="0" lvl="0" indent="0" algn="l" defTabSz="457200" rtl="0" eaLnBrk="1" fontAlgn="auto" latinLnBrk="0" hangingPunct="1">
+              <a:lnSpc>
+                <a:spcPct val="100000"/>
+              </a:lnSpc>
+              <a:spcBef>
+                <a:spcPts val="0"/>
+              </a:spcBef>
+              <a:spcAft>
+                <a:spcPts val="0"/>
+              </a:spcAft>
+              <a:buClrTx/>
+              <a:buSzTx/>
+              <a:buFontTx/>
+              <a:buNone/>
+              <a:tabLst/>
+              <a:defRPr/>
+            </a:pPr>
+            <a:r>
+              <a:rPr kumimoji="0" lang="en-US" sz="4000" b="0" i="0" u="none" strike="noStrike" kern="1200" cap="none" spc="0" normalizeH="0" baseline="0" noProof="0" dirty="0">
+                <a:ln>
+                  <a:noFill/>
+                </a:ln>
                 <a:solidFill>
-                  <a:schemeClr val="bg1"/>
+                  <a:prstClr val="black"/>
                 </a:solidFill>
+                <a:effectLst/>
+                <a:uLnTx/>
+                <a:uFillTx/>
                 <a:latin typeface="Arial" panose="020B0604020202020204" pitchFamily="34" charset="0"/>
+                <a:ea typeface="+mn-ea"/>
                 <a:cs typeface="Arial" panose="020B0604020202020204" pitchFamily="34" charset="0"/>
               </a:rPr>
-              <a:t>VC Face Check</a:t>
-            </a:r>
-            <a:endParaRPr lang="en-NZ" sz="4000" dirty="0">
+              <a:t>CIAM App. Type</a:t>
+            </a:r>
+            <a:endParaRPr kumimoji="0" lang="en-NZ" sz="4000" b="0" i="0" u="none" strike="noStrike" kern="1200" cap="none" spc="0" normalizeH="0" baseline="0" noProof="0" dirty="0">
+              <a:ln>
+                <a:noFill/>
+              </a:ln>
               <a:solidFill>
-                <a:schemeClr val="bg1"/>
+                <a:prstClr val="black"/>
               </a:solidFill>
+              <a:effectLst/>
+              <a:uLnTx/>
+              <a:uFillTx/>
               <a:latin typeface="Arial" panose="020B0604020202020204" pitchFamily="34" charset="0"/>
+              <a:ea typeface="+mn-ea"/>
               <a:cs typeface="Arial" panose="020B0604020202020204" pitchFamily="34" charset="0"/>
             </a:endParaRPr>
           </a:p>
         </p:txBody>
       </p:sp>
-      <p:sp>
-        <p:nvSpPr>
-          <p:cNvPr id="5" name="TextBox 4">
+      <p:pic>
+        <p:nvPicPr>
+          <p:cNvPr id="4" name="Picture 3">
             <a:extLst>
               <a:ext uri="{FF2B5EF4-FFF2-40B4-BE49-F238E27FC236}">
-                <a16:creationId xmlns:a16="http://schemas.microsoft.com/office/drawing/2014/main" id="{7C0360A3-F907-4780-29D9-3AF4B45ACDE7}"/>
+                <a16:creationId xmlns:a16="http://schemas.microsoft.com/office/drawing/2014/main" id="{82FE898D-039E-FCA2-01C9-02F5CCF605FC}"/>
               </a:ext>
             </a:extLst>
           </p:cNvPr>
-          <p:cNvSpPr txBox="1"/>
+          <p:cNvPicPr>
+            <a:picLocks noChangeAspect="1"/>
+          </p:cNvPicPr>
           <p:nvPr/>
-        </p:nvSpPr>
-        <p:spPr>
-          <a:xfrm>
-            <a:off x="3052618" y="2921168"/>
-            <a:ext cx="6086763" cy="1015663"/>
+        </p:nvPicPr>
+        <p:blipFill>
+          <a:blip r:embed="rId2"/>
+          <a:stretch>
+            <a:fillRect/>
+          </a:stretch>
+        </p:blipFill>
+        <p:spPr>
+          <a:xfrm>
+            <a:off x="246007" y="1774845"/>
+            <a:ext cx="5421368" cy="3947502"/>
           </a:xfrm>
           <a:prstGeom prst="rect">
             <a:avLst/>
           </a:prstGeom>
-          <a:noFill/>
-        </p:spPr>
-        <p:txBody>
-          <a:bodyPr wrap="square" rtlCol="0">
-            <a:spAutoFit/>
-          </a:bodyPr>
-          <a:lstStyle/>
-          <a:p>
-            <a:r>
-              <a:rPr lang="en-US" sz="6000" dirty="0">
-                <a:solidFill>
-                  <a:schemeClr val="bg1"/>
-                </a:solidFill>
-                <a:latin typeface="Arial" panose="020B0604020202020204" pitchFamily="34" charset="0"/>
-                <a:cs typeface="Arial" panose="020B0604020202020204" pitchFamily="34" charset="0"/>
-              </a:rPr>
-              <a:t>Help Desk Demo</a:t>
-            </a:r>
-            <a:endParaRPr lang="en-NZ" sz="6000" dirty="0">
-              <a:solidFill>
-                <a:schemeClr val="bg1"/>
-              </a:solidFill>
-              <a:latin typeface="Arial" panose="020B0604020202020204" pitchFamily="34" charset="0"/>
-              <a:cs typeface="Arial" panose="020B0604020202020204" pitchFamily="34" charset="0"/>
-            </a:endParaRPr>
-          </a:p>
-        </p:txBody>
-      </p:sp>
+        </p:spPr>
+      </p:pic>
+      <p:pic>
+        <p:nvPicPr>
+          <p:cNvPr id="6" name="Picture 5">
+            <a:extLst>
+              <a:ext uri="{FF2B5EF4-FFF2-40B4-BE49-F238E27FC236}">
+                <a16:creationId xmlns:a16="http://schemas.microsoft.com/office/drawing/2014/main" id="{87D2B56B-5926-4874-507E-C1A8A2AC57A8}"/>
+              </a:ext>
+            </a:extLst>
+          </p:cNvPr>
+          <p:cNvPicPr>
+            <a:picLocks noChangeAspect="1"/>
+          </p:cNvPicPr>
+          <p:nvPr/>
+        </p:nvPicPr>
+        <p:blipFill>
+          <a:blip r:embed="rId3"/>
+          <a:stretch>
+            <a:fillRect/>
+          </a:stretch>
+        </p:blipFill>
+        <p:spPr>
+          <a:xfrm>
+            <a:off x="6096000" y="1774845"/>
+            <a:ext cx="6000750" cy="2903472"/>
+          </a:xfrm>
+          <a:prstGeom prst="rect">
+            <a:avLst/>
+          </a:prstGeom>
+        </p:spPr>
+      </p:pic>
     </p:spTree>
     <p:extLst>
       <p:ext uri="{BB962C8B-B14F-4D97-AF65-F5344CB8AC3E}">
-        <p14:creationId xmlns:p14="http://schemas.microsoft.com/office/powerpoint/2010/main" val="2506088773"/>
+        <p14:creationId xmlns:p14="http://schemas.microsoft.com/office/powerpoint/2010/main" val="2372567370"/>
       </p:ext>
     </p:extLst>
   </p:cSld>
@@ -7652,7 +6578,7 @@
 </p:sld>
 </file>
 
-<file path=ppt/slides/slide21.xml><?xml version="1.0" encoding="utf-8"?>
+<file path=ppt/slides/slide4.xml><?xml version="1.0" encoding="utf-8"?>
 <p:sld xmlns:a="http://schemas.openxmlformats.org/drawingml/2006/main" xmlns:r="http://schemas.openxmlformats.org/officeDocument/2006/relationships" xmlns:p="http://schemas.openxmlformats.org/presentationml/2006/main">
   <p:cSld>
     <p:bg>
@@ -7692,7 +6618,7 @@
         <p:spPr>
           <a:xfrm>
             <a:off x="5049078" y="636104"/>
-            <a:ext cx="4880113" cy="707886"/>
+            <a:ext cx="6180897" cy="707886"/>
           </a:xfrm>
           <a:prstGeom prst="rect">
             <a:avLst/>
@@ -7737,7 +6663,7 @@
                 <a:ea typeface="+mn-ea"/>
                 <a:cs typeface="Arial" panose="020B0604020202020204" pitchFamily="34" charset="0"/>
               </a:rPr>
-              <a:t>References</a:t>
+              <a:t>Sample CIAM Application</a:t>
             </a:r>
             <a:endParaRPr kumimoji="0" lang="en-NZ" sz="4000" b="0" i="0" u="none" strike="noStrike" kern="1200" cap="none" spc="0" normalizeH="0" baseline="0" noProof="0" dirty="0">
               <a:ln>
@@ -7756,239 +6682,12 @@
           </a:p>
         </p:txBody>
       </p:sp>
-      <p:sp>
-        <p:nvSpPr>
-          <p:cNvPr id="2" name="TextBox 1">
-            <a:extLst>
-              <a:ext uri="{FF2B5EF4-FFF2-40B4-BE49-F238E27FC236}">
-                <a16:creationId xmlns:a16="http://schemas.microsoft.com/office/drawing/2014/main" id="{923246BE-7785-5124-BACC-0BD42E1C942F}"/>
-              </a:ext>
-            </a:extLst>
-          </p:cNvPr>
-          <p:cNvSpPr txBox="1"/>
-          <p:nvPr/>
-        </p:nvSpPr>
-        <p:spPr>
-          <a:xfrm>
-            <a:off x="657224" y="1876425"/>
-            <a:ext cx="9991725" cy="4339650"/>
-          </a:xfrm>
-          <a:prstGeom prst="rect">
-            <a:avLst/>
-          </a:prstGeom>
-          <a:noFill/>
-        </p:spPr>
-        <p:txBody>
-          <a:bodyPr wrap="square" rtlCol="0">
-            <a:spAutoFit/>
-          </a:bodyPr>
-          <a:lstStyle/>
-          <a:p>
-            <a:r>
-              <a:rPr lang="en-NZ" sz="2000" dirty="0">
-                <a:solidFill>
-                  <a:schemeClr val="bg1"/>
-                </a:solidFill>
-                <a:latin typeface="Arial" panose="020B0604020202020204" pitchFamily="34" charset="0"/>
-                <a:cs typeface="Arial" panose="020B0604020202020204" pitchFamily="34" charset="0"/>
-              </a:rPr>
-              <a:t>https://woodgrovedemo.com/</a:t>
-            </a:r>
-          </a:p>
-          <a:p>
-            <a:endParaRPr lang="en-NZ" sz="2000" dirty="0">
-              <a:solidFill>
-                <a:schemeClr val="bg1"/>
-              </a:solidFill>
-              <a:latin typeface="Arial" panose="020B0604020202020204" pitchFamily="34" charset="0"/>
-              <a:cs typeface="Arial" panose="020B0604020202020204" pitchFamily="34" charset="0"/>
-            </a:endParaRPr>
-          </a:p>
-          <a:p>
-            <a:r>
-              <a:rPr lang="en-NZ" sz="2000" dirty="0">
-                <a:solidFill>
-                  <a:schemeClr val="bg1"/>
-                </a:solidFill>
-                <a:latin typeface="Arial" panose="020B0604020202020204" pitchFamily="34" charset="0"/>
-                <a:cs typeface="Arial" panose="020B0604020202020204" pitchFamily="34" charset="0"/>
-              </a:rPr>
-              <a:t>https://developer.microsoft.com/en-us/identity/customers</a:t>
-            </a:r>
-          </a:p>
-          <a:p>
-            <a:endParaRPr lang="en-NZ" sz="2000" dirty="0">
-              <a:solidFill>
-                <a:schemeClr val="bg1"/>
-              </a:solidFill>
-              <a:latin typeface="Arial" panose="020B0604020202020204" pitchFamily="34" charset="0"/>
-              <a:cs typeface="Arial" panose="020B0604020202020204" pitchFamily="34" charset="0"/>
-            </a:endParaRPr>
-          </a:p>
-          <a:p>
-            <a:r>
-              <a:rPr lang="en-NZ" sz="2000" dirty="0">
-                <a:solidFill>
-                  <a:schemeClr val="bg1"/>
-                </a:solidFill>
-                <a:latin typeface="Arial" panose="020B0604020202020204" pitchFamily="34" charset="0"/>
-                <a:cs typeface="Arial" panose="020B0604020202020204" pitchFamily="34" charset="0"/>
-              </a:rPr>
-              <a:t>https://woodgroveemployee.azurewebsites.net/landing</a:t>
-            </a:r>
-          </a:p>
-          <a:p>
-            <a:endParaRPr lang="en-NZ" sz="2000" dirty="0">
-              <a:solidFill>
-                <a:schemeClr val="bg1"/>
-              </a:solidFill>
-              <a:latin typeface="Arial" panose="020B0604020202020204" pitchFamily="34" charset="0"/>
-              <a:cs typeface="Arial" panose="020B0604020202020204" pitchFamily="34" charset="0"/>
-            </a:endParaRPr>
-          </a:p>
-          <a:p>
-            <a:r>
-              <a:rPr lang="en-NZ" sz="2000" dirty="0">
-                <a:solidFill>
-                  <a:schemeClr val="bg1"/>
-                </a:solidFill>
-                <a:latin typeface="Arial" panose="020B0604020202020204" pitchFamily="34" charset="0"/>
-                <a:cs typeface="Arial" panose="020B0604020202020204" pitchFamily="34" charset="0"/>
-              </a:rPr>
-              <a:t>https://learn.microsoft.com/en-us/azure/active-directory/verifiable-credentials/</a:t>
-            </a:r>
-          </a:p>
-          <a:p>
-            <a:endParaRPr lang="en-NZ" dirty="0">
-              <a:solidFill>
-                <a:schemeClr val="bg1"/>
-              </a:solidFill>
-            </a:endParaRPr>
-          </a:p>
-          <a:p>
-            <a:r>
-              <a:rPr lang="en-NZ" sz="2000" dirty="0">
-                <a:solidFill>
-                  <a:schemeClr val="bg1"/>
-                </a:solidFill>
-                <a:latin typeface="Arial" panose="020B0604020202020204" pitchFamily="34" charset="0"/>
-                <a:cs typeface="Arial" panose="020B0604020202020204" pitchFamily="34" charset="0"/>
-              </a:rPr>
-              <a:t>https://learn.microsoft.com/en-us/azure/active-directory/verifiable-credentials/get-started-request-api</a:t>
-            </a:r>
-          </a:p>
-          <a:p>
-            <a:endParaRPr lang="en-NZ" sz="2000" dirty="0">
-              <a:solidFill>
-                <a:schemeClr val="bg1"/>
-              </a:solidFill>
-              <a:latin typeface="Arial" panose="020B0604020202020204" pitchFamily="34" charset="0"/>
-              <a:cs typeface="Arial" panose="020B0604020202020204" pitchFamily="34" charset="0"/>
-            </a:endParaRPr>
-          </a:p>
-          <a:p>
-            <a:r>
-              <a:rPr lang="en-NZ" sz="2000" dirty="0">
-                <a:solidFill>
-                  <a:schemeClr val="bg1"/>
-                </a:solidFill>
-                <a:latin typeface="Arial" panose="020B0604020202020204" pitchFamily="34" charset="0"/>
-                <a:cs typeface="Arial" panose="020B0604020202020204" pitchFamily="34" charset="0"/>
-              </a:rPr>
-              <a:t>https://medium.com/the-new-control-plane/entra-links-i-use-4cfedfde151c</a:t>
-            </a:r>
-          </a:p>
-          <a:p>
-            <a:endParaRPr lang="en-NZ" sz="2000" dirty="0">
-              <a:solidFill>
-                <a:schemeClr val="bg1"/>
-              </a:solidFill>
-              <a:latin typeface="Arial" panose="020B0604020202020204" pitchFamily="34" charset="0"/>
-              <a:cs typeface="Arial" panose="020B0604020202020204" pitchFamily="34" charset="0"/>
-            </a:endParaRPr>
-          </a:p>
-          <a:p>
-            <a:r>
-              <a:rPr lang="en-NZ" sz="2000" dirty="0">
-                <a:solidFill>
-                  <a:schemeClr val="bg1"/>
-                </a:solidFill>
-                <a:latin typeface="Arial" panose="020B0604020202020204" pitchFamily="34" charset="0"/>
-                <a:cs typeface="Arial" panose="020B0604020202020204" pitchFamily="34" charset="0"/>
-              </a:rPr>
-              <a:t>https://rbrayb.github.io/Presentations/</a:t>
-            </a:r>
-          </a:p>
-        </p:txBody>
-      </p:sp>
-    </p:spTree>
-    <p:extLst>
-      <p:ext uri="{BB962C8B-B14F-4D97-AF65-F5344CB8AC3E}">
-        <p14:creationId xmlns:p14="http://schemas.microsoft.com/office/powerpoint/2010/main" val="3515889630"/>
-      </p:ext>
-    </p:extLst>
-  </p:cSld>
-  <p:clrMapOvr>
-    <a:masterClrMapping/>
-  </p:clrMapOvr>
-</p:sld>
-</file>
-
-<file path=ppt/slides/slide3.xml><?xml version="1.0" encoding="utf-8"?>
-<p:sld xmlns:a="http://schemas.openxmlformats.org/drawingml/2006/main" xmlns:r="http://schemas.openxmlformats.org/officeDocument/2006/relationships" xmlns:p="http://schemas.openxmlformats.org/presentationml/2006/main">
-  <p:cSld>
-    <p:bg>
-      <p:bgPr>
-        <a:gradFill rotWithShape="1">
-          <a:gsLst>
-            <a:gs pos="0">
-              <a:schemeClr val="bg1">
-                <a:tint val="93000"/>
-                <a:shade val="98000"/>
-                <a:satMod val="150000"/>
-                <a:lumMod val="102000"/>
-              </a:schemeClr>
-            </a:gs>
-            <a:gs pos="50000">
-              <a:schemeClr val="bg1">
-                <a:tint val="98000"/>
-                <a:shade val="90000"/>
-                <a:satMod val="130000"/>
-                <a:lumMod val="103000"/>
-              </a:schemeClr>
-            </a:gs>
-            <a:gs pos="100000">
-              <a:schemeClr val="bg1">
-                <a:shade val="63000"/>
-                <a:satMod val="120000"/>
-              </a:schemeClr>
-            </a:gs>
-          </a:gsLst>
-          <a:lin ang="5400000" scaled="0"/>
-        </a:gradFill>
-        <a:effectLst/>
-      </p:bgPr>
-    </p:bg>
-    <p:spTree>
-      <p:nvGrpSpPr>
-        <p:cNvPr id="1" name=""/>
-        <p:cNvGrpSpPr/>
-        <p:nvPr/>
-      </p:nvGrpSpPr>
-      <p:grpSpPr>
-        <a:xfrm>
-          <a:off x="0" y="0"/>
-          <a:ext cx="0" cy="0"/>
-          <a:chOff x="0" y="0"/>
-          <a:chExt cx="0" cy="0"/>
-        </a:xfrm>
-      </p:grpSpPr>
       <p:pic>
         <p:nvPicPr>
           <p:cNvPr id="3" name="Picture 2">
             <a:extLst>
               <a:ext uri="{FF2B5EF4-FFF2-40B4-BE49-F238E27FC236}">
-                <a16:creationId xmlns:a16="http://schemas.microsoft.com/office/drawing/2014/main" id="{17FA9FD2-C36F-BE56-1125-734B20DDD2D3}"/>
+                <a16:creationId xmlns:a16="http://schemas.microsoft.com/office/drawing/2014/main" id="{F7E742E0-AA5C-FAFB-174A-A6DED8D5D903}"/>
               </a:ext>
             </a:extLst>
           </p:cNvPr>
@@ -8005,8 +6704,8 @@
         </p:blipFill>
         <p:spPr>
           <a:xfrm>
-            <a:off x="708193" y="1180608"/>
-            <a:ext cx="10775614" cy="5677392"/>
+            <a:off x="895350" y="1689652"/>
+            <a:ext cx="10643980" cy="4999382"/>
           </a:xfrm>
           <a:prstGeom prst="rect">
             <a:avLst/>
@@ -8016,204 +6715,12 @@
     </p:spTree>
     <p:extLst>
       <p:ext uri="{BB962C8B-B14F-4D97-AF65-F5344CB8AC3E}">
-        <p14:creationId xmlns:p14="http://schemas.microsoft.com/office/powerpoint/2010/main" val="3068683009"/>
+        <p14:creationId xmlns:p14="http://schemas.microsoft.com/office/powerpoint/2010/main" val="125256138"/>
       </p:ext>
     </p:extLst>
   </p:cSld>
   <p:clrMapOvr>
-    <a:overrideClrMapping bg1="lt1" tx1="dk1" bg2="lt2" tx2="dk2" accent1="accent1" accent2="accent2" accent3="accent3" accent4="accent4" accent5="accent5" accent6="accent6" hlink="hlink" folHlink="folHlink"/>
-  </p:clrMapOvr>
-</p:sld>
-</file>
-
-<file path=ppt/slides/slide4.xml><?xml version="1.0" encoding="utf-8"?>
-<p:sld xmlns:a="http://schemas.openxmlformats.org/drawingml/2006/main" xmlns:r="http://schemas.openxmlformats.org/officeDocument/2006/relationships" xmlns:p="http://schemas.openxmlformats.org/presentationml/2006/main">
-  <p:cSld>
-    <p:bg>
-      <p:bgPr>
-        <a:gradFill rotWithShape="1">
-          <a:gsLst>
-            <a:gs pos="0">
-              <a:schemeClr val="bg1">
-                <a:tint val="93000"/>
-                <a:shade val="98000"/>
-                <a:satMod val="150000"/>
-                <a:lumMod val="102000"/>
-              </a:schemeClr>
-            </a:gs>
-            <a:gs pos="50000">
-              <a:schemeClr val="bg1">
-                <a:tint val="98000"/>
-                <a:shade val="90000"/>
-                <a:satMod val="130000"/>
-                <a:lumMod val="103000"/>
-              </a:schemeClr>
-            </a:gs>
-            <a:gs pos="100000">
-              <a:schemeClr val="bg1">
-                <a:shade val="63000"/>
-                <a:satMod val="120000"/>
-              </a:schemeClr>
-            </a:gs>
-          </a:gsLst>
-          <a:lin ang="5400000" scaled="0"/>
-        </a:gradFill>
-        <a:effectLst/>
-      </p:bgPr>
-    </p:bg>
-    <p:spTree>
-      <p:nvGrpSpPr>
-        <p:cNvPr id="1" name=""/>
-        <p:cNvGrpSpPr/>
-        <p:nvPr/>
-      </p:nvGrpSpPr>
-      <p:grpSpPr>
-        <a:xfrm>
-          <a:off x="0" y="0"/>
-          <a:ext cx="0" cy="0"/>
-          <a:chOff x="0" y="0"/>
-          <a:chExt cx="0" cy="0"/>
-        </a:xfrm>
-      </p:grpSpPr>
-      <p:sp>
-        <p:nvSpPr>
-          <p:cNvPr id="8" name="Title 7">
-            <a:extLst>
-              <a:ext uri="{FF2B5EF4-FFF2-40B4-BE49-F238E27FC236}">
-                <a16:creationId xmlns:a16="http://schemas.microsoft.com/office/drawing/2014/main" id="{406B37E7-5FF9-21FA-0DE7-64E514D412BA}"/>
-              </a:ext>
-            </a:extLst>
-          </p:cNvPr>
-          <p:cNvSpPr>
-            <a:spLocks noGrp="1"/>
-          </p:cNvSpPr>
-          <p:nvPr>
-            <p:ph type="title" idx="4294967295"/>
-          </p:nvPr>
-        </p:nvSpPr>
-        <p:spPr>
-          <a:xfrm>
-            <a:off x="4757738" y="763588"/>
-            <a:ext cx="7434262" cy="935903"/>
-          </a:xfrm>
-        </p:spPr>
-        <p:txBody>
-          <a:bodyPr vert="horz" lIns="91440" tIns="45720" rIns="91440" bIns="45720" rtlCol="0" anchor="ctr">
-            <a:normAutofit/>
-          </a:bodyPr>
-          <a:lstStyle/>
-          <a:p>
-            <a:pPr algn="ctr"/>
-            <a:r>
-              <a:rPr lang="en-US" sz="4000" dirty="0">
-                <a:latin typeface="Arial" panose="020B0604020202020204" pitchFamily="34" charset="0"/>
-                <a:cs typeface="Arial" panose="020B0604020202020204" pitchFamily="34" charset="0"/>
-              </a:rPr>
-              <a:t>Azure ad b2c</a:t>
-            </a:r>
-          </a:p>
-        </p:txBody>
-      </p:sp>
-      <p:sp>
-        <p:nvSpPr>
-          <p:cNvPr id="9" name="Text Placeholder 8">
-            <a:extLst>
-              <a:ext uri="{FF2B5EF4-FFF2-40B4-BE49-F238E27FC236}">
-                <a16:creationId xmlns:a16="http://schemas.microsoft.com/office/drawing/2014/main" id="{D03989EC-84A9-1D25-ACEB-91441E1F79A0}"/>
-              </a:ext>
-            </a:extLst>
-          </p:cNvPr>
-          <p:cNvSpPr>
-            <a:spLocks noGrp="1"/>
-          </p:cNvSpPr>
-          <p:nvPr>
-            <p:ph type="body" sz="half" idx="4294967295"/>
-          </p:nvPr>
-        </p:nvSpPr>
-        <p:spPr>
-          <a:xfrm>
-            <a:off x="2881313" y="1988599"/>
-            <a:ext cx="7453312" cy="4181292"/>
-          </a:xfrm>
-        </p:spPr>
-        <p:txBody>
-          <a:bodyPr vert="horz" lIns="91440" tIns="45720" rIns="91440" bIns="45720" rtlCol="0">
-            <a:normAutofit/>
-          </a:bodyPr>
-          <a:lstStyle/>
-          <a:p>
-            <a:pPr indent="-228600">
-              <a:buFont typeface="Arial" panose="020B0604020202020204" pitchFamily="34" charset="0"/>
-              <a:buChar char="•"/>
-            </a:pPr>
-            <a:r>
-              <a:rPr lang="en-US" sz="3600" dirty="0">
-                <a:latin typeface="Arial" panose="020B0604020202020204" pitchFamily="34" charset="0"/>
-                <a:cs typeface="Arial" panose="020B0604020202020204" pitchFamily="34" charset="0"/>
-              </a:rPr>
-              <a:t>Fully supported until 2030</a:t>
-            </a:r>
-          </a:p>
-          <a:p>
-            <a:pPr indent="-228600">
-              <a:buFont typeface="Arial" panose="020B0604020202020204" pitchFamily="34" charset="0"/>
-              <a:buChar char="•"/>
-            </a:pPr>
-            <a:r>
-              <a:rPr lang="en-NZ" sz="3600" dirty="0">
-                <a:latin typeface="Arial" panose="020B0604020202020204" pitchFamily="34" charset="0"/>
-                <a:cs typeface="Arial" panose="020B0604020202020204" pitchFamily="34" charset="0"/>
-              </a:rPr>
-              <a:t>From May 2025, new users will not be able to create B2C tenants</a:t>
-            </a:r>
-          </a:p>
-          <a:p>
-            <a:pPr indent="-228600">
-              <a:buFont typeface="Arial" panose="020B0604020202020204" pitchFamily="34" charset="0"/>
-              <a:buChar char="•"/>
-            </a:pPr>
-            <a:r>
-              <a:rPr lang="en-NZ" sz="3600" dirty="0">
-                <a:latin typeface="Arial" panose="020B0604020202020204" pitchFamily="34" charset="0"/>
-                <a:cs typeface="Arial" panose="020B0604020202020204" pitchFamily="34" charset="0"/>
-              </a:rPr>
-              <a:t>Working on migration plans to CIAM</a:t>
-            </a:r>
-          </a:p>
-          <a:p>
-            <a:r>
-              <a:rPr lang="en-NZ" sz="3600" dirty="0">
-                <a:latin typeface="Arial" panose="020B0604020202020204" pitchFamily="34" charset="0"/>
-                <a:cs typeface="Arial" panose="020B0604020202020204" pitchFamily="34" charset="0"/>
-              </a:rPr>
-              <a:t>Working on custom policy “plans” for CIAM</a:t>
-            </a:r>
-            <a:endParaRPr lang="en-US" sz="3600" dirty="0">
-              <a:latin typeface="Arial" panose="020B0604020202020204" pitchFamily="34" charset="0"/>
-              <a:cs typeface="Arial" panose="020B0604020202020204" pitchFamily="34" charset="0"/>
-            </a:endParaRPr>
-          </a:p>
-          <a:p>
-            <a:pPr indent="-228600">
-              <a:buFont typeface="Arial" panose="020B0604020202020204" pitchFamily="34" charset="0"/>
-              <a:buChar char="•"/>
-            </a:pPr>
-            <a:endParaRPr lang="en-US" sz="3600" dirty="0">
-              <a:latin typeface="Arial" panose="020B0604020202020204" pitchFamily="34" charset="0"/>
-              <a:cs typeface="Arial" panose="020B0604020202020204" pitchFamily="34" charset="0"/>
-            </a:endParaRPr>
-          </a:p>
-        </p:txBody>
-      </p:sp>
-    </p:spTree>
-    <p:extLst>
-      <p:ext uri="{BB962C8B-B14F-4D97-AF65-F5344CB8AC3E}">
-        <p14:creationId xmlns:p14="http://schemas.microsoft.com/office/powerpoint/2010/main" val="3110765435"/>
-      </p:ext>
-    </p:extLst>
-  </p:cSld>
-  <p:clrMapOvr>
-    <a:overrideClrMapping bg1="lt1" tx1="dk1" bg2="lt2" tx2="dk2" accent1="accent1" accent2="accent2" accent3="accent3" accent4="accent4" accent5="accent5" accent6="accent6" hlink="hlink" folHlink="folHlink"/>
+    <a:masterClrMapping/>
   </p:clrMapOvr>
 </p:sld>
 </file>
@@ -8286,7 +6793,7 @@
         <p:spPr>
           <a:xfrm>
             <a:off x="4757738" y="763588"/>
-            <a:ext cx="7434262" cy="935903"/>
+            <a:ext cx="7434262" cy="1433512"/>
           </a:xfrm>
         </p:spPr>
         <p:txBody>
@@ -8297,11 +6804,18 @@
           <a:p>
             <a:pPr algn="ctr"/>
             <a:r>
+              <a:rPr lang="en-US" sz="4000" dirty="0" err="1">
+                <a:latin typeface="Arial" panose="020B0604020202020204" pitchFamily="34" charset="0"/>
+                <a:cs typeface="Arial" panose="020B0604020202020204" pitchFamily="34" charset="0"/>
+              </a:rPr>
+              <a:t>Entra</a:t>
+            </a:r>
+            <a:r>
               <a:rPr lang="en-US" sz="4000" dirty="0">
                 <a:latin typeface="Arial" panose="020B0604020202020204" pitchFamily="34" charset="0"/>
                 <a:cs typeface="Arial" panose="020B0604020202020204" pitchFamily="34" charset="0"/>
               </a:rPr>
-              <a:t>CIAM</a:t>
+              <a:t> CIAM </a:t>
             </a:r>
           </a:p>
         </p:txBody>
@@ -8324,8 +6838,8 @@
         </p:nvSpPr>
         <p:spPr>
           <a:xfrm>
-            <a:off x="378690" y="1988599"/>
-            <a:ext cx="11212945" cy="4181292"/>
+            <a:off x="2881313" y="3190874"/>
+            <a:ext cx="7453312" cy="3589338"/>
           </a:xfrm>
         </p:spPr>
         <p:txBody>
@@ -8343,7 +6857,7 @@
                 <a:latin typeface="Arial" panose="020B0604020202020204" pitchFamily="34" charset="0"/>
                 <a:cs typeface="Arial" panose="020B0604020202020204" pitchFamily="34" charset="0"/>
               </a:rPr>
-              <a:t>Groups an integral part</a:t>
+              <a:t>So what about Azure AD B2C?</a:t>
             </a:r>
           </a:p>
           <a:p>
@@ -8352,11 +6866,11 @@
               <a:buChar char="•"/>
             </a:pPr>
             <a:r>
-              <a:rPr lang="en-NZ" sz="3600" dirty="0">
+              <a:rPr lang="en-US" sz="3600" dirty="0">
                 <a:latin typeface="Arial" panose="020B0604020202020204" pitchFamily="34" charset="0"/>
                 <a:cs typeface="Arial" panose="020B0604020202020204" pitchFamily="34" charset="0"/>
               </a:rPr>
-              <a:t>Native API for authentication</a:t>
+              <a:t>And custom policies?</a:t>
             </a:r>
           </a:p>
           <a:p>
@@ -8365,11 +6879,11 @@
               <a:buChar char="•"/>
             </a:pPr>
             <a:r>
-              <a:rPr lang="en-NZ" sz="3600" dirty="0">
+              <a:rPr lang="en-US" sz="3600" dirty="0">
                 <a:latin typeface="Arial" panose="020B0604020202020204" pitchFamily="34" charset="0"/>
                 <a:cs typeface="Arial" panose="020B0604020202020204" pitchFamily="34" charset="0"/>
               </a:rPr>
-              <a:t>User flow linked to the application, so no longer need to send policy name in the request</a:t>
+              <a:t>And migration?</a:t>
             </a:r>
           </a:p>
           <a:p>
@@ -8378,11 +6892,11 @@
               <a:buChar char="•"/>
             </a:pPr>
             <a:r>
-              <a:rPr lang="en-NZ" sz="3600" dirty="0">
+              <a:rPr lang="en-US" sz="3600" dirty="0">
                 <a:latin typeface="Arial" panose="020B0604020202020204" pitchFamily="34" charset="0"/>
                 <a:cs typeface="Arial" panose="020B0604020202020204" pitchFamily="34" charset="0"/>
               </a:rPr>
-              <a:t>Will be able to “hook” API to events</a:t>
+              <a:t>When should you use CIAM?</a:t>
             </a:r>
           </a:p>
           <a:p>
@@ -8391,28 +6905,26 @@
               <a:buChar char="•"/>
             </a:pPr>
             <a:r>
-              <a:rPr lang="en-NZ" sz="3600" dirty="0">
+              <a:rPr lang="en-US" sz="3600" dirty="0">
                 <a:latin typeface="Arial" panose="020B0604020202020204" pitchFamily="34" charset="0"/>
                 <a:cs typeface="Arial" panose="020B0604020202020204" pitchFamily="34" charset="0"/>
               </a:rPr>
-              <a:t>“Proper” guest accounts</a:t>
-            </a:r>
-          </a:p>
-          <a:p>
-            <a:pPr marL="0" indent="0">
-              <a:buNone/>
+              <a:t>Questions?</a:t>
+            </a:r>
+          </a:p>
+          <a:p>
+            <a:pPr indent="-228600">
+              <a:buFont typeface="Arial" panose="020B0604020202020204" pitchFamily="34" charset="0"/>
+              <a:buChar char="•"/>
             </a:pPr>
-            <a:endParaRPr lang="en-US" sz="3600" dirty="0">
-              <a:latin typeface="Arial" panose="020B0604020202020204" pitchFamily="34" charset="0"/>
-              <a:cs typeface="Arial" panose="020B0604020202020204" pitchFamily="34" charset="0"/>
-            </a:endParaRPr>
+            <a:endParaRPr lang="en-US" sz="2000" dirty="0"/>
           </a:p>
         </p:txBody>
       </p:sp>
     </p:spTree>
     <p:extLst>
       <p:ext uri="{BB962C8B-B14F-4D97-AF65-F5344CB8AC3E}">
-        <p14:creationId xmlns:p14="http://schemas.microsoft.com/office/powerpoint/2010/main" val="3093097224"/>
+        <p14:creationId xmlns:p14="http://schemas.microsoft.com/office/powerpoint/2010/main" val="2126352458"/>
       </p:ext>
     </p:extLst>
   </p:cSld>
@@ -8423,462 +6935,6 @@
 </file>
 
 <file path=ppt/slides/slide6.xml><?xml version="1.0" encoding="utf-8"?>
-<p:sld xmlns:a="http://schemas.openxmlformats.org/drawingml/2006/main" xmlns:r="http://schemas.openxmlformats.org/officeDocument/2006/relationships" xmlns:p="http://schemas.openxmlformats.org/presentationml/2006/main">
-  <p:cSld>
-    <p:bg>
-      <p:bgPr>
-        <a:solidFill>
-          <a:schemeClr val="tx1"/>
-        </a:solidFill>
-        <a:effectLst/>
-      </p:bgPr>
-    </p:bg>
-    <p:spTree>
-      <p:nvGrpSpPr>
-        <p:cNvPr id="1" name=""/>
-        <p:cNvGrpSpPr/>
-        <p:nvPr/>
-      </p:nvGrpSpPr>
-      <p:grpSpPr>
-        <a:xfrm>
-          <a:off x="0" y="0"/>
-          <a:ext cx="0" cy="0"/>
-          <a:chOff x="0" y="0"/>
-          <a:chExt cx="0" cy="0"/>
-        </a:xfrm>
-      </p:grpSpPr>
-      <p:sp>
-        <p:nvSpPr>
-          <p:cNvPr id="7" name="TextBox 6">
-            <a:extLst>
-              <a:ext uri="{FF2B5EF4-FFF2-40B4-BE49-F238E27FC236}">
-                <a16:creationId xmlns:a16="http://schemas.microsoft.com/office/drawing/2014/main" id="{77B67BE7-3D6C-4ADC-227D-41269AC9C62D}"/>
-              </a:ext>
-            </a:extLst>
-          </p:cNvPr>
-          <p:cNvSpPr txBox="1"/>
-          <p:nvPr/>
-        </p:nvSpPr>
-        <p:spPr>
-          <a:xfrm>
-            <a:off x="5049078" y="636104"/>
-            <a:ext cx="6180897" cy="707886"/>
-          </a:xfrm>
-          <a:prstGeom prst="rect">
-            <a:avLst/>
-          </a:prstGeom>
-          <a:noFill/>
-        </p:spPr>
-        <p:txBody>
-          <a:bodyPr wrap="square" rtlCol="0">
-            <a:spAutoFit/>
-          </a:bodyPr>
-          <a:lstStyle/>
-          <a:p>
-            <a:pPr marL="0" marR="0" lvl="0" indent="0" algn="l" defTabSz="457200" rtl="0" eaLnBrk="1" fontAlgn="auto" latinLnBrk="0" hangingPunct="1">
-              <a:lnSpc>
-                <a:spcPct val="100000"/>
-              </a:lnSpc>
-              <a:spcBef>
-                <a:spcPts val="0"/>
-              </a:spcBef>
-              <a:spcAft>
-                <a:spcPts val="0"/>
-              </a:spcAft>
-              <a:buClrTx/>
-              <a:buSzTx/>
-              <a:buFontTx/>
-              <a:buNone/>
-              <a:tabLst/>
-              <a:defRPr/>
-            </a:pPr>
-            <a:r>
-              <a:rPr kumimoji="0" lang="en-US" sz="4000" b="0" i="0" u="none" strike="noStrike" kern="1200" cap="none" spc="0" normalizeH="0" baseline="0" noProof="0" dirty="0">
-                <a:ln>
-                  <a:noFill/>
-                </a:ln>
-                <a:solidFill>
-                  <a:prstClr val="black"/>
-                </a:solidFill>
-                <a:effectLst/>
-                <a:uLnTx/>
-                <a:uFillTx/>
-                <a:latin typeface="Arial" panose="020B0604020202020204" pitchFamily="34" charset="0"/>
-                <a:ea typeface="+mn-ea"/>
-                <a:cs typeface="Arial" panose="020B0604020202020204" pitchFamily="34" charset="0"/>
-              </a:rPr>
-              <a:t>CIAM overview </a:t>
-            </a:r>
-            <a:endParaRPr kumimoji="0" lang="en-NZ" sz="4000" b="0" i="0" u="none" strike="noStrike" kern="1200" cap="none" spc="0" normalizeH="0" baseline="0" noProof="0" dirty="0">
-              <a:ln>
-                <a:noFill/>
-              </a:ln>
-              <a:solidFill>
-                <a:prstClr val="black"/>
-              </a:solidFill>
-              <a:effectLst/>
-              <a:uLnTx/>
-              <a:uFillTx/>
-              <a:latin typeface="Arial" panose="020B0604020202020204" pitchFamily="34" charset="0"/>
-              <a:ea typeface="+mn-ea"/>
-              <a:cs typeface="Arial" panose="020B0604020202020204" pitchFamily="34" charset="0"/>
-            </a:endParaRPr>
-          </a:p>
-        </p:txBody>
-      </p:sp>
-      <p:pic>
-        <p:nvPicPr>
-          <p:cNvPr id="4" name="Picture 3">
-            <a:extLst>
-              <a:ext uri="{FF2B5EF4-FFF2-40B4-BE49-F238E27FC236}">
-                <a16:creationId xmlns:a16="http://schemas.microsoft.com/office/drawing/2014/main" id="{8CDCCE88-5128-7C70-7B76-A77120B6EC23}"/>
-              </a:ext>
-            </a:extLst>
-          </p:cNvPr>
-          <p:cNvPicPr>
-            <a:picLocks noChangeAspect="1"/>
-          </p:cNvPicPr>
-          <p:nvPr/>
-        </p:nvPicPr>
-        <p:blipFill>
-          <a:blip r:embed="rId2"/>
-          <a:stretch>
-            <a:fillRect/>
-          </a:stretch>
-        </p:blipFill>
-        <p:spPr>
-          <a:xfrm>
-            <a:off x="2213634" y="2318794"/>
-            <a:ext cx="7764731" cy="3149134"/>
-          </a:xfrm>
-          <a:prstGeom prst="rect">
-            <a:avLst/>
-          </a:prstGeom>
-        </p:spPr>
-      </p:pic>
-    </p:spTree>
-    <p:extLst>
-      <p:ext uri="{BB962C8B-B14F-4D97-AF65-F5344CB8AC3E}">
-        <p14:creationId xmlns:p14="http://schemas.microsoft.com/office/powerpoint/2010/main" val="125256138"/>
-      </p:ext>
-    </p:extLst>
-  </p:cSld>
-  <p:clrMapOvr>
-    <a:masterClrMapping/>
-  </p:clrMapOvr>
-</p:sld>
-</file>
-
-<file path=ppt/slides/slide7.xml><?xml version="1.0" encoding="utf-8"?>
-<p:sld xmlns:a="http://schemas.openxmlformats.org/drawingml/2006/main" xmlns:r="http://schemas.openxmlformats.org/officeDocument/2006/relationships" xmlns:p="http://schemas.openxmlformats.org/presentationml/2006/main">
-  <p:cSld>
-    <p:bg>
-      <p:bgPr>
-        <a:solidFill>
-          <a:schemeClr val="tx1"/>
-        </a:solidFill>
-        <a:effectLst/>
-      </p:bgPr>
-    </p:bg>
-    <p:spTree>
-      <p:nvGrpSpPr>
-        <p:cNvPr id="1" name=""/>
-        <p:cNvGrpSpPr/>
-        <p:nvPr/>
-      </p:nvGrpSpPr>
-      <p:grpSpPr>
-        <a:xfrm>
-          <a:off x="0" y="0"/>
-          <a:ext cx="0" cy="0"/>
-          <a:chOff x="0" y="0"/>
-          <a:chExt cx="0" cy="0"/>
-        </a:xfrm>
-      </p:grpSpPr>
-      <p:sp>
-        <p:nvSpPr>
-          <p:cNvPr id="7" name="TextBox 6">
-            <a:extLst>
-              <a:ext uri="{FF2B5EF4-FFF2-40B4-BE49-F238E27FC236}">
-                <a16:creationId xmlns:a16="http://schemas.microsoft.com/office/drawing/2014/main" id="{77B67BE7-3D6C-4ADC-227D-41269AC9C62D}"/>
-              </a:ext>
-            </a:extLst>
-          </p:cNvPr>
-          <p:cNvSpPr txBox="1"/>
-          <p:nvPr/>
-        </p:nvSpPr>
-        <p:spPr>
-          <a:xfrm>
-            <a:off x="5049078" y="636104"/>
-            <a:ext cx="4880113" cy="707886"/>
-          </a:xfrm>
-          <a:prstGeom prst="rect">
-            <a:avLst/>
-          </a:prstGeom>
-          <a:noFill/>
-        </p:spPr>
-        <p:txBody>
-          <a:bodyPr wrap="square" rtlCol="0">
-            <a:spAutoFit/>
-          </a:bodyPr>
-          <a:lstStyle/>
-          <a:p>
-            <a:r>
-              <a:rPr lang="en-US" sz="4000" dirty="0">
-                <a:solidFill>
-                  <a:schemeClr val="bg1"/>
-                </a:solidFill>
-                <a:latin typeface="Arial" panose="020B0604020202020204" pitchFamily="34" charset="0"/>
-                <a:cs typeface="Arial" panose="020B0604020202020204" pitchFamily="34" charset="0"/>
-              </a:rPr>
-              <a:t>CIAM Portal</a:t>
-            </a:r>
-            <a:endParaRPr lang="en-NZ" sz="4000" dirty="0">
-              <a:solidFill>
-                <a:schemeClr val="bg1"/>
-              </a:solidFill>
-              <a:latin typeface="Arial" panose="020B0604020202020204" pitchFamily="34" charset="0"/>
-              <a:cs typeface="Arial" panose="020B0604020202020204" pitchFamily="34" charset="0"/>
-            </a:endParaRPr>
-          </a:p>
-        </p:txBody>
-      </p:sp>
-      <p:sp>
-        <p:nvSpPr>
-          <p:cNvPr id="5" name="TextBox 4">
-            <a:extLst>
-              <a:ext uri="{FF2B5EF4-FFF2-40B4-BE49-F238E27FC236}">
-                <a16:creationId xmlns:a16="http://schemas.microsoft.com/office/drawing/2014/main" id="{7C0360A3-F907-4780-29D9-3AF4B45ACDE7}"/>
-              </a:ext>
-            </a:extLst>
-          </p:cNvPr>
-          <p:cNvSpPr txBox="1"/>
-          <p:nvPr/>
-        </p:nvSpPr>
-        <p:spPr>
-          <a:xfrm>
-            <a:off x="2521527" y="2819523"/>
-            <a:ext cx="7148945" cy="2862322"/>
-          </a:xfrm>
-          <a:prstGeom prst="rect">
-            <a:avLst/>
-          </a:prstGeom>
-          <a:noFill/>
-        </p:spPr>
-        <p:txBody>
-          <a:bodyPr wrap="square" rtlCol="0">
-            <a:spAutoFit/>
-          </a:bodyPr>
-          <a:lstStyle/>
-          <a:p>
-            <a:r>
-              <a:rPr lang="en-US" sz="6000" dirty="0">
-                <a:solidFill>
-                  <a:schemeClr val="bg1"/>
-                </a:solidFill>
-                <a:latin typeface="Arial" panose="020B0604020202020204" pitchFamily="34" charset="0"/>
-                <a:cs typeface="Arial" panose="020B0604020202020204" pitchFamily="34" charset="0"/>
-              </a:rPr>
-              <a:t>Demo</a:t>
-            </a:r>
-          </a:p>
-          <a:p>
-            <a:endParaRPr lang="en-US" sz="6000" dirty="0">
-              <a:solidFill>
-                <a:schemeClr val="bg1"/>
-              </a:solidFill>
-              <a:latin typeface="Arial" panose="020B0604020202020204" pitchFamily="34" charset="0"/>
-              <a:cs typeface="Arial" panose="020B0604020202020204" pitchFamily="34" charset="0"/>
-            </a:endParaRPr>
-          </a:p>
-          <a:p>
-            <a:r>
-              <a:rPr lang="en-US" sz="6000" dirty="0">
-                <a:solidFill>
-                  <a:schemeClr val="bg1"/>
-                </a:solidFill>
-                <a:latin typeface="Arial" panose="020B0604020202020204" pitchFamily="34" charset="0"/>
-                <a:cs typeface="Arial" panose="020B0604020202020204" pitchFamily="34" charset="0"/>
-                <a:hlinkClick r:id="rId2">
-                  <a:extLst>
-                    <a:ext uri="{A12FA001-AC4F-418D-AE19-62706E023703}">
-                      <ahyp:hlinkClr xmlns:ahyp="http://schemas.microsoft.com/office/drawing/2018/hyperlinkcolor" val="tx"/>
-                    </a:ext>
-                  </a:extLst>
-                </a:hlinkClick>
-              </a:rPr>
-              <a:t>Configuration flow</a:t>
-            </a:r>
-            <a:endParaRPr lang="en-NZ" sz="6000" dirty="0">
-              <a:solidFill>
-                <a:schemeClr val="bg1"/>
-              </a:solidFill>
-              <a:latin typeface="Arial" panose="020B0604020202020204" pitchFamily="34" charset="0"/>
-              <a:cs typeface="Arial" panose="020B0604020202020204" pitchFamily="34" charset="0"/>
-            </a:endParaRPr>
-          </a:p>
-        </p:txBody>
-      </p:sp>
-    </p:spTree>
-    <p:extLst>
-      <p:ext uri="{BB962C8B-B14F-4D97-AF65-F5344CB8AC3E}">
-        <p14:creationId xmlns:p14="http://schemas.microsoft.com/office/powerpoint/2010/main" val="4030357150"/>
-      </p:ext>
-    </p:extLst>
-  </p:cSld>
-  <p:clrMapOvr>
-    <a:masterClrMapping/>
-  </p:clrMapOvr>
-</p:sld>
-</file>
-
-<file path=ppt/slides/slide8.xml><?xml version="1.0" encoding="utf-8"?>
-<p:sld xmlns:a="http://schemas.openxmlformats.org/drawingml/2006/main" xmlns:r="http://schemas.openxmlformats.org/officeDocument/2006/relationships" xmlns:p="http://schemas.openxmlformats.org/presentationml/2006/main">
-  <p:cSld>
-    <p:bg>
-      <p:bgPr>
-        <a:solidFill>
-          <a:schemeClr val="tx1"/>
-        </a:solidFill>
-        <a:effectLst/>
-      </p:bgPr>
-    </p:bg>
-    <p:spTree>
-      <p:nvGrpSpPr>
-        <p:cNvPr id="1" name=""/>
-        <p:cNvGrpSpPr/>
-        <p:nvPr/>
-      </p:nvGrpSpPr>
-      <p:grpSpPr>
-        <a:xfrm>
-          <a:off x="0" y="0"/>
-          <a:ext cx="0" cy="0"/>
-          <a:chOff x="0" y="0"/>
-          <a:chExt cx="0" cy="0"/>
-        </a:xfrm>
-      </p:grpSpPr>
-      <p:sp>
-        <p:nvSpPr>
-          <p:cNvPr id="7" name="TextBox 6">
-            <a:extLst>
-              <a:ext uri="{FF2B5EF4-FFF2-40B4-BE49-F238E27FC236}">
-                <a16:creationId xmlns:a16="http://schemas.microsoft.com/office/drawing/2014/main" id="{77B67BE7-3D6C-4ADC-227D-41269AC9C62D}"/>
-              </a:ext>
-            </a:extLst>
-          </p:cNvPr>
-          <p:cNvSpPr txBox="1"/>
-          <p:nvPr/>
-        </p:nvSpPr>
-        <p:spPr>
-          <a:xfrm>
-            <a:off x="5049078" y="636104"/>
-            <a:ext cx="6180897" cy="707886"/>
-          </a:xfrm>
-          <a:prstGeom prst="rect">
-            <a:avLst/>
-          </a:prstGeom>
-          <a:noFill/>
-        </p:spPr>
-        <p:txBody>
-          <a:bodyPr wrap="square" rtlCol="0">
-            <a:spAutoFit/>
-          </a:bodyPr>
-          <a:lstStyle/>
-          <a:p>
-            <a:pPr marL="0" marR="0" lvl="0" indent="0" algn="l" defTabSz="457200" rtl="0" eaLnBrk="1" fontAlgn="auto" latinLnBrk="0" hangingPunct="1">
-              <a:lnSpc>
-                <a:spcPct val="100000"/>
-              </a:lnSpc>
-              <a:spcBef>
-                <a:spcPts val="0"/>
-              </a:spcBef>
-              <a:spcAft>
-                <a:spcPts val="0"/>
-              </a:spcAft>
-              <a:buClrTx/>
-              <a:buSzTx/>
-              <a:buFontTx/>
-              <a:buNone/>
-              <a:tabLst/>
-              <a:defRPr/>
-            </a:pPr>
-            <a:r>
-              <a:rPr kumimoji="0" lang="en-US" sz="4000" b="0" i="0" u="none" strike="noStrike" kern="1200" cap="none" spc="0" normalizeH="0" baseline="0" noProof="0" dirty="0">
-                <a:ln>
-                  <a:noFill/>
-                </a:ln>
-                <a:solidFill>
-                  <a:prstClr val="black"/>
-                </a:solidFill>
-                <a:effectLst/>
-                <a:uLnTx/>
-                <a:uFillTx/>
-                <a:latin typeface="Arial" panose="020B0604020202020204" pitchFamily="34" charset="0"/>
-                <a:ea typeface="+mn-ea"/>
-                <a:cs typeface="Arial" panose="020B0604020202020204" pitchFamily="34" charset="0"/>
-              </a:rPr>
-              <a:t>Sample CIAM Application</a:t>
-            </a:r>
-            <a:endParaRPr kumimoji="0" lang="en-NZ" sz="4000" b="0" i="0" u="none" strike="noStrike" kern="1200" cap="none" spc="0" normalizeH="0" baseline="0" noProof="0" dirty="0">
-              <a:ln>
-                <a:noFill/>
-              </a:ln>
-              <a:solidFill>
-                <a:prstClr val="black"/>
-              </a:solidFill>
-              <a:effectLst/>
-              <a:uLnTx/>
-              <a:uFillTx/>
-              <a:latin typeface="Arial" panose="020B0604020202020204" pitchFamily="34" charset="0"/>
-              <a:ea typeface="+mn-ea"/>
-              <a:cs typeface="Arial" panose="020B0604020202020204" pitchFamily="34" charset="0"/>
-            </a:endParaRPr>
-          </a:p>
-        </p:txBody>
-      </p:sp>
-      <p:pic>
-        <p:nvPicPr>
-          <p:cNvPr id="3" name="Picture 2">
-            <a:extLst>
-              <a:ext uri="{FF2B5EF4-FFF2-40B4-BE49-F238E27FC236}">
-                <a16:creationId xmlns:a16="http://schemas.microsoft.com/office/drawing/2014/main" id="{F7E742E0-AA5C-FAFB-174A-A6DED8D5D903}"/>
-              </a:ext>
-            </a:extLst>
-          </p:cNvPr>
-          <p:cNvPicPr>
-            <a:picLocks noChangeAspect="1"/>
-          </p:cNvPicPr>
-          <p:nvPr/>
-        </p:nvPicPr>
-        <p:blipFill>
-          <a:blip r:embed="rId2"/>
-          <a:stretch>
-            <a:fillRect/>
-          </a:stretch>
-        </p:blipFill>
-        <p:spPr>
-          <a:xfrm>
-            <a:off x="895350" y="1689652"/>
-            <a:ext cx="10643980" cy="4999382"/>
-          </a:xfrm>
-          <a:prstGeom prst="rect">
-            <a:avLst/>
-          </a:prstGeom>
-        </p:spPr>
-      </p:pic>
-    </p:spTree>
-    <p:extLst>
-      <p:ext uri="{BB962C8B-B14F-4D97-AF65-F5344CB8AC3E}">
-        <p14:creationId xmlns:p14="http://schemas.microsoft.com/office/powerpoint/2010/main" val="1483417092"/>
-      </p:ext>
-    </p:extLst>
-  </p:cSld>
-  <p:clrMapOvr>
-    <a:masterClrMapping/>
-  </p:clrMapOvr>
-</p:sld>
-</file>
-
-<file path=ppt/slides/slide9.xml><?xml version="1.0" encoding="utf-8"?>
 <p:sld xmlns:a="http://schemas.openxmlformats.org/drawingml/2006/main" xmlns:r="http://schemas.openxmlformats.org/officeDocument/2006/relationships" xmlns:p="http://schemas.openxmlformats.org/presentationml/2006/main">
   <p:cSld>
     <p:bg>
@@ -8957,11 +7013,18 @@
           <a:p>
             <a:pPr algn="ctr"/>
             <a:r>
+              <a:rPr lang="en-US" sz="4000" dirty="0" err="1">
+                <a:latin typeface="Arial" panose="020B0604020202020204" pitchFamily="34" charset="0"/>
+                <a:cs typeface="Arial" panose="020B0604020202020204" pitchFamily="34" charset="0"/>
+              </a:rPr>
+              <a:t>Entra</a:t>
+            </a:r>
+            <a:r>
               <a:rPr lang="en-US" sz="4000" dirty="0">
                 <a:latin typeface="Arial" panose="020B0604020202020204" pitchFamily="34" charset="0"/>
                 <a:cs typeface="Arial" panose="020B0604020202020204" pitchFamily="34" charset="0"/>
               </a:rPr>
-              <a:t>Entra Verified ID</a:t>
+              <a:t> Verified ID</a:t>
             </a:r>
           </a:p>
         </p:txBody>
@@ -8985,7 +7048,7 @@
         <p:spPr>
           <a:xfrm>
             <a:off x="2957513" y="3268662"/>
-            <a:ext cx="7453312" cy="2005302"/>
+            <a:ext cx="7453312" cy="3589338"/>
           </a:xfrm>
         </p:spPr>
         <p:txBody>
@@ -9021,19 +7084,6 @@
                 <a:cs typeface="Arial" panose="020B0604020202020204" pitchFamily="34" charset="0"/>
               </a:rPr>
               <a:t> Identity</a:t>
-            </a:r>
-          </a:p>
-          <a:p>
-            <a:pPr indent="-228600">
-              <a:buFont typeface="Arial" panose="020B0604020202020204" pitchFamily="34" charset="0"/>
-              <a:buChar char="•"/>
-            </a:pPr>
-            <a:r>
-              <a:rPr lang="en-US" sz="3600" dirty="0">
-                <a:latin typeface="Arial" panose="020B0604020202020204" pitchFamily="34" charset="0"/>
-                <a:cs typeface="Arial" panose="020B0604020202020204" pitchFamily="34" charset="0"/>
-              </a:rPr>
-              <a:t>Ashley Madison !!!</a:t>
             </a:r>
           </a:p>
           <a:p>
@@ -9054,6 +7104,516 @@
   </p:cSld>
   <p:clrMapOvr>
     <a:overrideClrMapping bg1="lt1" tx1="dk1" bg2="lt2" tx2="dk2" accent1="accent1" accent2="accent2" accent3="accent3" accent4="accent4" accent5="accent5" accent6="accent6" hlink="hlink" folHlink="folHlink"/>
+  </p:clrMapOvr>
+</p:sld>
+</file>
+
+<file path=ppt/slides/slide7.xml><?xml version="1.0" encoding="utf-8"?>
+<p:sld xmlns:a="http://schemas.openxmlformats.org/drawingml/2006/main" xmlns:r="http://schemas.openxmlformats.org/officeDocument/2006/relationships" xmlns:p="http://schemas.openxmlformats.org/presentationml/2006/main">
+  <p:cSld>
+    <p:bg>
+      <p:bgPr>
+        <a:solidFill>
+          <a:schemeClr val="tx1"/>
+        </a:solidFill>
+        <a:effectLst/>
+      </p:bgPr>
+    </p:bg>
+    <p:spTree>
+      <p:nvGrpSpPr>
+        <p:cNvPr id="1" name=""/>
+        <p:cNvGrpSpPr/>
+        <p:nvPr/>
+      </p:nvGrpSpPr>
+      <p:grpSpPr>
+        <a:xfrm>
+          <a:off x="0" y="0"/>
+          <a:ext cx="0" cy="0"/>
+          <a:chOff x="0" y="0"/>
+          <a:chExt cx="0" cy="0"/>
+        </a:xfrm>
+      </p:grpSpPr>
+      <p:pic>
+        <p:nvPicPr>
+          <p:cNvPr id="5" name="Picture 4">
+            <a:extLst>
+              <a:ext uri="{FF2B5EF4-FFF2-40B4-BE49-F238E27FC236}">
+                <a16:creationId xmlns:a16="http://schemas.microsoft.com/office/drawing/2014/main" id="{26B1F25D-99CB-9537-1582-A7009C8DB08C}"/>
+              </a:ext>
+            </a:extLst>
+          </p:cNvPr>
+          <p:cNvPicPr>
+            <a:picLocks noChangeAspect="1"/>
+          </p:cNvPicPr>
+          <p:nvPr/>
+        </p:nvPicPr>
+        <p:blipFill>
+          <a:blip r:embed="rId2"/>
+          <a:stretch>
+            <a:fillRect/>
+          </a:stretch>
+        </p:blipFill>
+        <p:spPr>
+          <a:xfrm>
+            <a:off x="1929699" y="2037522"/>
+            <a:ext cx="8332601" cy="4746265"/>
+          </a:xfrm>
+          <a:prstGeom prst="rect">
+            <a:avLst/>
+          </a:prstGeom>
+        </p:spPr>
+      </p:pic>
+      <p:sp>
+        <p:nvSpPr>
+          <p:cNvPr id="7" name="TextBox 6">
+            <a:extLst>
+              <a:ext uri="{FF2B5EF4-FFF2-40B4-BE49-F238E27FC236}">
+                <a16:creationId xmlns:a16="http://schemas.microsoft.com/office/drawing/2014/main" id="{77B67BE7-3D6C-4ADC-227D-41269AC9C62D}"/>
+              </a:ext>
+            </a:extLst>
+          </p:cNvPr>
+          <p:cNvSpPr txBox="1"/>
+          <p:nvPr/>
+        </p:nvSpPr>
+        <p:spPr>
+          <a:xfrm>
+            <a:off x="5049078" y="636104"/>
+            <a:ext cx="4880113" cy="707886"/>
+          </a:xfrm>
+          <a:prstGeom prst="rect">
+            <a:avLst/>
+          </a:prstGeom>
+          <a:noFill/>
+        </p:spPr>
+        <p:txBody>
+          <a:bodyPr wrap="square" rtlCol="0">
+            <a:spAutoFit/>
+          </a:bodyPr>
+          <a:lstStyle/>
+          <a:p>
+            <a:r>
+              <a:rPr lang="en-US" sz="4000" dirty="0">
+                <a:solidFill>
+                  <a:schemeClr val="bg1"/>
+                </a:solidFill>
+                <a:latin typeface="Arial" panose="020B0604020202020204" pitchFamily="34" charset="0"/>
+                <a:cs typeface="Arial" panose="020B0604020202020204" pitchFamily="34" charset="0"/>
+              </a:rPr>
+              <a:t>VC sample scenario</a:t>
+            </a:r>
+            <a:endParaRPr lang="en-NZ" sz="4000" dirty="0">
+              <a:solidFill>
+                <a:schemeClr val="bg1"/>
+              </a:solidFill>
+              <a:latin typeface="Arial" panose="020B0604020202020204" pitchFamily="34" charset="0"/>
+              <a:cs typeface="Arial" panose="020B0604020202020204" pitchFamily="34" charset="0"/>
+            </a:endParaRPr>
+          </a:p>
+        </p:txBody>
+      </p:sp>
+    </p:spTree>
+    <p:extLst>
+      <p:ext uri="{BB962C8B-B14F-4D97-AF65-F5344CB8AC3E}">
+        <p14:creationId xmlns:p14="http://schemas.microsoft.com/office/powerpoint/2010/main" val="3597088380"/>
+      </p:ext>
+    </p:extLst>
+  </p:cSld>
+  <p:clrMapOvr>
+    <a:masterClrMapping/>
+  </p:clrMapOvr>
+</p:sld>
+</file>
+
+<file path=ppt/slides/slide8.xml><?xml version="1.0" encoding="utf-8"?>
+<p:sld xmlns:a="http://schemas.openxmlformats.org/drawingml/2006/main" xmlns:r="http://schemas.openxmlformats.org/officeDocument/2006/relationships" xmlns:p="http://schemas.openxmlformats.org/presentationml/2006/main">
+  <p:cSld>
+    <p:bg>
+      <p:bgPr>
+        <a:solidFill>
+          <a:schemeClr val="tx1"/>
+        </a:solidFill>
+        <a:effectLst/>
+      </p:bgPr>
+    </p:bg>
+    <p:spTree>
+      <p:nvGrpSpPr>
+        <p:cNvPr id="1" name=""/>
+        <p:cNvGrpSpPr/>
+        <p:nvPr/>
+      </p:nvGrpSpPr>
+      <p:grpSpPr>
+        <a:xfrm>
+          <a:off x="0" y="0"/>
+          <a:ext cx="0" cy="0"/>
+          <a:chOff x="0" y="0"/>
+          <a:chExt cx="0" cy="0"/>
+        </a:xfrm>
+      </p:grpSpPr>
+      <p:sp>
+        <p:nvSpPr>
+          <p:cNvPr id="7" name="TextBox 6">
+            <a:extLst>
+              <a:ext uri="{FF2B5EF4-FFF2-40B4-BE49-F238E27FC236}">
+                <a16:creationId xmlns:a16="http://schemas.microsoft.com/office/drawing/2014/main" id="{77B67BE7-3D6C-4ADC-227D-41269AC9C62D}"/>
+              </a:ext>
+            </a:extLst>
+          </p:cNvPr>
+          <p:cNvSpPr txBox="1"/>
+          <p:nvPr/>
+        </p:nvSpPr>
+        <p:spPr>
+          <a:xfrm>
+            <a:off x="5049078" y="636104"/>
+            <a:ext cx="4880113" cy="707886"/>
+          </a:xfrm>
+          <a:prstGeom prst="rect">
+            <a:avLst/>
+          </a:prstGeom>
+          <a:noFill/>
+        </p:spPr>
+        <p:txBody>
+          <a:bodyPr wrap="square" rtlCol="0">
+            <a:spAutoFit/>
+          </a:bodyPr>
+          <a:lstStyle/>
+          <a:p>
+            <a:pPr marL="0" marR="0" lvl="0" indent="0" algn="l" defTabSz="457200" rtl="0" eaLnBrk="1" fontAlgn="auto" latinLnBrk="0" hangingPunct="1">
+              <a:lnSpc>
+                <a:spcPct val="100000"/>
+              </a:lnSpc>
+              <a:spcBef>
+                <a:spcPts val="0"/>
+              </a:spcBef>
+              <a:spcAft>
+                <a:spcPts val="0"/>
+              </a:spcAft>
+              <a:buClrTx/>
+              <a:buSzTx/>
+              <a:buFontTx/>
+              <a:buNone/>
+              <a:tabLst/>
+              <a:defRPr/>
+            </a:pPr>
+            <a:r>
+              <a:rPr kumimoji="0" lang="en-US" sz="4000" b="0" i="0" u="none" strike="noStrike" kern="1200" cap="none" spc="0" normalizeH="0" baseline="0" noProof="0" dirty="0">
+                <a:ln>
+                  <a:noFill/>
+                </a:ln>
+                <a:solidFill>
+                  <a:prstClr val="black"/>
+                </a:solidFill>
+                <a:effectLst/>
+                <a:uLnTx/>
+                <a:uFillTx/>
+                <a:latin typeface="Arial" panose="020B0604020202020204" pitchFamily="34" charset="0"/>
+                <a:ea typeface="+mn-ea"/>
+                <a:cs typeface="Arial" panose="020B0604020202020204" pitchFamily="34" charset="0"/>
+              </a:rPr>
+              <a:t>VC REST API Flow</a:t>
+            </a:r>
+            <a:endParaRPr kumimoji="0" lang="en-NZ" sz="4000" b="0" i="0" u="none" strike="noStrike" kern="1200" cap="none" spc="0" normalizeH="0" baseline="0" noProof="0" dirty="0">
+              <a:ln>
+                <a:noFill/>
+              </a:ln>
+              <a:solidFill>
+                <a:prstClr val="black"/>
+              </a:solidFill>
+              <a:effectLst/>
+              <a:uLnTx/>
+              <a:uFillTx/>
+              <a:latin typeface="Arial" panose="020B0604020202020204" pitchFamily="34" charset="0"/>
+              <a:ea typeface="+mn-ea"/>
+              <a:cs typeface="Arial" panose="020B0604020202020204" pitchFamily="34" charset="0"/>
+            </a:endParaRPr>
+          </a:p>
+        </p:txBody>
+      </p:sp>
+      <p:pic>
+        <p:nvPicPr>
+          <p:cNvPr id="3" name="Picture 2">
+            <a:extLst>
+              <a:ext uri="{FF2B5EF4-FFF2-40B4-BE49-F238E27FC236}">
+                <a16:creationId xmlns:a16="http://schemas.microsoft.com/office/drawing/2014/main" id="{17034323-9D01-1319-4248-A4D9F6965633}"/>
+              </a:ext>
+            </a:extLst>
+          </p:cNvPr>
+          <p:cNvPicPr>
+            <a:picLocks noChangeAspect="1"/>
+          </p:cNvPicPr>
+          <p:nvPr/>
+        </p:nvPicPr>
+        <p:blipFill>
+          <a:blip r:embed="rId2"/>
+          <a:stretch>
+            <a:fillRect/>
+          </a:stretch>
+        </p:blipFill>
+        <p:spPr>
+          <a:xfrm>
+            <a:off x="1658178" y="1748786"/>
+            <a:ext cx="8875644" cy="4950188"/>
+          </a:xfrm>
+          <a:prstGeom prst="rect">
+            <a:avLst/>
+          </a:prstGeom>
+        </p:spPr>
+      </p:pic>
+    </p:spTree>
+    <p:extLst>
+      <p:ext uri="{BB962C8B-B14F-4D97-AF65-F5344CB8AC3E}">
+        <p14:creationId xmlns:p14="http://schemas.microsoft.com/office/powerpoint/2010/main" val="529287972"/>
+      </p:ext>
+    </p:extLst>
+  </p:cSld>
+  <p:clrMapOvr>
+    <a:masterClrMapping/>
+  </p:clrMapOvr>
+</p:sld>
+</file>
+
+<file path=ppt/slides/slide9.xml><?xml version="1.0" encoding="utf-8"?>
+<p:sld xmlns:a="http://schemas.openxmlformats.org/drawingml/2006/main" xmlns:r="http://schemas.openxmlformats.org/officeDocument/2006/relationships" xmlns:p="http://schemas.openxmlformats.org/presentationml/2006/main">
+  <p:cSld>
+    <p:bg>
+      <p:bgPr>
+        <a:solidFill>
+          <a:schemeClr val="tx1"/>
+        </a:solidFill>
+        <a:effectLst/>
+      </p:bgPr>
+    </p:bg>
+    <p:spTree>
+      <p:nvGrpSpPr>
+        <p:cNvPr id="1" name=""/>
+        <p:cNvGrpSpPr/>
+        <p:nvPr/>
+      </p:nvGrpSpPr>
+      <p:grpSpPr>
+        <a:xfrm>
+          <a:off x="0" y="0"/>
+          <a:ext cx="0" cy="0"/>
+          <a:chOff x="0" y="0"/>
+          <a:chExt cx="0" cy="0"/>
+        </a:xfrm>
+      </p:grpSpPr>
+      <p:sp>
+        <p:nvSpPr>
+          <p:cNvPr id="7" name="TextBox 6">
+            <a:extLst>
+              <a:ext uri="{FF2B5EF4-FFF2-40B4-BE49-F238E27FC236}">
+                <a16:creationId xmlns:a16="http://schemas.microsoft.com/office/drawing/2014/main" id="{77B67BE7-3D6C-4ADC-227D-41269AC9C62D}"/>
+              </a:ext>
+            </a:extLst>
+          </p:cNvPr>
+          <p:cNvSpPr txBox="1"/>
+          <p:nvPr/>
+        </p:nvSpPr>
+        <p:spPr>
+          <a:xfrm>
+            <a:off x="5049078" y="636104"/>
+            <a:ext cx="4880113" cy="707886"/>
+          </a:xfrm>
+          <a:prstGeom prst="rect">
+            <a:avLst/>
+          </a:prstGeom>
+          <a:noFill/>
+        </p:spPr>
+        <p:txBody>
+          <a:bodyPr wrap="square" rtlCol="0">
+            <a:spAutoFit/>
+          </a:bodyPr>
+          <a:lstStyle/>
+          <a:p>
+            <a:pPr marL="0" marR="0" lvl="0" indent="0" algn="l" defTabSz="457200" rtl="0" eaLnBrk="1" fontAlgn="auto" latinLnBrk="0" hangingPunct="1">
+              <a:lnSpc>
+                <a:spcPct val="100000"/>
+              </a:lnSpc>
+              <a:spcBef>
+                <a:spcPts val="0"/>
+              </a:spcBef>
+              <a:spcAft>
+                <a:spcPts val="0"/>
+              </a:spcAft>
+              <a:buClrTx/>
+              <a:buSzTx/>
+              <a:buFontTx/>
+              <a:buNone/>
+              <a:tabLst/>
+              <a:defRPr/>
+            </a:pPr>
+            <a:r>
+              <a:rPr kumimoji="0" lang="en-US" sz="4000" b="0" i="0" u="none" strike="noStrike" kern="1200" cap="none" spc="0" normalizeH="0" baseline="0" noProof="0" dirty="0">
+                <a:ln>
+                  <a:noFill/>
+                </a:ln>
+                <a:solidFill>
+                  <a:prstClr val="black"/>
+                </a:solidFill>
+                <a:effectLst/>
+                <a:uLnTx/>
+                <a:uFillTx/>
+                <a:latin typeface="Arial" panose="020B0604020202020204" pitchFamily="34" charset="0"/>
+                <a:ea typeface="+mn-ea"/>
+                <a:cs typeface="Arial" panose="020B0604020202020204" pitchFamily="34" charset="0"/>
+              </a:rPr>
+              <a:t>References</a:t>
+            </a:r>
+            <a:endParaRPr kumimoji="0" lang="en-NZ" sz="4000" b="0" i="0" u="none" strike="noStrike" kern="1200" cap="none" spc="0" normalizeH="0" baseline="0" noProof="0" dirty="0">
+              <a:ln>
+                <a:noFill/>
+              </a:ln>
+              <a:solidFill>
+                <a:prstClr val="black"/>
+              </a:solidFill>
+              <a:effectLst/>
+              <a:uLnTx/>
+              <a:uFillTx/>
+              <a:latin typeface="Arial" panose="020B0604020202020204" pitchFamily="34" charset="0"/>
+              <a:ea typeface="+mn-ea"/>
+              <a:cs typeface="Arial" panose="020B0604020202020204" pitchFamily="34" charset="0"/>
+            </a:endParaRPr>
+          </a:p>
+        </p:txBody>
+      </p:sp>
+      <p:sp>
+        <p:nvSpPr>
+          <p:cNvPr id="2" name="TextBox 1">
+            <a:extLst>
+              <a:ext uri="{FF2B5EF4-FFF2-40B4-BE49-F238E27FC236}">
+                <a16:creationId xmlns:a16="http://schemas.microsoft.com/office/drawing/2014/main" id="{923246BE-7785-5124-BACC-0BD42E1C942F}"/>
+              </a:ext>
+            </a:extLst>
+          </p:cNvPr>
+          <p:cNvSpPr txBox="1"/>
+          <p:nvPr/>
+        </p:nvSpPr>
+        <p:spPr>
+          <a:xfrm>
+            <a:off x="657224" y="1876425"/>
+            <a:ext cx="9991725" cy="3416320"/>
+          </a:xfrm>
+          <a:prstGeom prst="rect">
+            <a:avLst/>
+          </a:prstGeom>
+          <a:noFill/>
+        </p:spPr>
+        <p:txBody>
+          <a:bodyPr wrap="square" rtlCol="0">
+            <a:spAutoFit/>
+          </a:bodyPr>
+          <a:lstStyle/>
+          <a:p>
+            <a:r>
+              <a:rPr lang="en-NZ" sz="2000" dirty="0">
+                <a:solidFill>
+                  <a:schemeClr val="bg1"/>
+                </a:solidFill>
+                <a:latin typeface="Arial" panose="020B0604020202020204" pitchFamily="34" charset="0"/>
+                <a:cs typeface="Arial" panose="020B0604020202020204" pitchFamily="34" charset="0"/>
+              </a:rPr>
+              <a:t>https://woodgrovedemo.com/</a:t>
+            </a:r>
+          </a:p>
+          <a:p>
+            <a:endParaRPr lang="en-NZ" sz="2000" dirty="0">
+              <a:solidFill>
+                <a:schemeClr val="bg1"/>
+              </a:solidFill>
+              <a:latin typeface="Arial" panose="020B0604020202020204" pitchFamily="34" charset="0"/>
+              <a:cs typeface="Arial" panose="020B0604020202020204" pitchFamily="34" charset="0"/>
+            </a:endParaRPr>
+          </a:p>
+          <a:p>
+            <a:r>
+              <a:rPr lang="en-NZ" sz="2000" dirty="0">
+                <a:solidFill>
+                  <a:schemeClr val="bg1"/>
+                </a:solidFill>
+                <a:latin typeface="Arial" panose="020B0604020202020204" pitchFamily="34" charset="0"/>
+                <a:cs typeface="Arial" panose="020B0604020202020204" pitchFamily="34" charset="0"/>
+              </a:rPr>
+              <a:t>https://developer.microsoft.com/en-us/identity/customers</a:t>
+            </a:r>
+          </a:p>
+          <a:p>
+            <a:endParaRPr lang="en-NZ" sz="2000" dirty="0">
+              <a:solidFill>
+                <a:schemeClr val="bg1"/>
+              </a:solidFill>
+              <a:latin typeface="Arial" panose="020B0604020202020204" pitchFamily="34" charset="0"/>
+              <a:cs typeface="Arial" panose="020B0604020202020204" pitchFamily="34" charset="0"/>
+            </a:endParaRPr>
+          </a:p>
+          <a:p>
+            <a:r>
+              <a:rPr lang="en-NZ" sz="2000" dirty="0">
+                <a:solidFill>
+                  <a:schemeClr val="bg1"/>
+                </a:solidFill>
+                <a:latin typeface="Arial" panose="020B0604020202020204" pitchFamily="34" charset="0"/>
+                <a:cs typeface="Arial" panose="020B0604020202020204" pitchFamily="34" charset="0"/>
+              </a:rPr>
+              <a:t>https://woodgroveemployee.azurewebsites.net/landing</a:t>
+            </a:r>
+          </a:p>
+          <a:p>
+            <a:endParaRPr lang="en-NZ" sz="2000" dirty="0">
+              <a:solidFill>
+                <a:schemeClr val="bg1"/>
+              </a:solidFill>
+              <a:latin typeface="Arial" panose="020B0604020202020204" pitchFamily="34" charset="0"/>
+              <a:cs typeface="Arial" panose="020B0604020202020204" pitchFamily="34" charset="0"/>
+            </a:endParaRPr>
+          </a:p>
+          <a:p>
+            <a:r>
+              <a:rPr lang="en-NZ" sz="2000" dirty="0">
+                <a:solidFill>
+                  <a:schemeClr val="bg1"/>
+                </a:solidFill>
+                <a:latin typeface="Arial" panose="020B0604020202020204" pitchFamily="34" charset="0"/>
+                <a:cs typeface="Arial" panose="020B0604020202020204" pitchFamily="34" charset="0"/>
+              </a:rPr>
+              <a:t>https://learn.microsoft.com/en-us/azure/active-directory/verifiable-credentials/</a:t>
+            </a:r>
+          </a:p>
+          <a:p>
+            <a:endParaRPr lang="en-NZ" dirty="0">
+              <a:solidFill>
+                <a:schemeClr val="bg1"/>
+              </a:solidFill>
+            </a:endParaRPr>
+          </a:p>
+          <a:p>
+            <a:r>
+              <a:rPr lang="en-NZ" sz="2000" dirty="0">
+                <a:solidFill>
+                  <a:schemeClr val="bg1"/>
+                </a:solidFill>
+                <a:latin typeface="Arial" panose="020B0604020202020204" pitchFamily="34" charset="0"/>
+                <a:cs typeface="Arial" panose="020B0604020202020204" pitchFamily="34" charset="0"/>
+              </a:rPr>
+              <a:t>https://learn.microsoft.com/en-us/azure/active-directory/verifiable-credentials/get-started-request-api</a:t>
+            </a:r>
+          </a:p>
+          <a:p>
+            <a:endParaRPr lang="en-NZ" dirty="0">
+              <a:solidFill>
+                <a:schemeClr val="bg1"/>
+              </a:solidFill>
+            </a:endParaRPr>
+          </a:p>
+        </p:txBody>
+      </p:sp>
+    </p:spTree>
+    <p:extLst>
+      <p:ext uri="{BB962C8B-B14F-4D97-AF65-F5344CB8AC3E}">
+        <p14:creationId xmlns:p14="http://schemas.microsoft.com/office/powerpoint/2010/main" val="3515889630"/>
+      </p:ext>
+    </p:extLst>
+  </p:cSld>
+  <p:clrMapOvr>
+    <a:masterClrMapping/>
   </p:clrMapOvr>
 </p:sld>
 </file>
